--- a/docs/ppt/ChatGPT AI 问答助手.pptx
+++ b/docs/ppt/ChatGPT AI 问答助手.pptx
@@ -5,7 +5,7 @@
     <p:sldMasterId id="2147483648" r:id="rId1"/>
   </p:sldMasterIdLst>
   <p:notesMasterIdLst>
-    <p:notesMasterId r:id="rId12"/>
+    <p:notesMasterId r:id="rId16"/>
   </p:notesMasterIdLst>
   <p:sldIdLst>
     <p:sldId id="366" r:id="rId2"/>
@@ -17,7 +17,11 @@
     <p:sldId id="362" r:id="rId8"/>
     <p:sldId id="363" r:id="rId9"/>
     <p:sldId id="364" r:id="rId10"/>
-    <p:sldId id="319" r:id="rId11"/>
+    <p:sldId id="367" r:id="rId11"/>
+    <p:sldId id="368" r:id="rId12"/>
+    <p:sldId id="369" r:id="rId13"/>
+    <p:sldId id="370" r:id="rId14"/>
+    <p:sldId id="319" r:id="rId15"/>
   </p:sldIdLst>
   <p:sldSz cx="12192000" cy="6858000"/>
   <p:notesSz cx="6858000" cy="9144000"/>
@@ -209,7 +213,7 @@
           <a:p>
             <a:fld id="{F3BAE901-6633-4CD9-9632-3600882FF9FE}" type="datetimeFigureOut">
               <a:rPr lang="zh-CN" altLang="en-US" smtClean="0"/>
-              <a:t>2023/1/19</a:t>
+              <a:t>2023/1/27</a:t>
             </a:fld>
             <a:endParaRPr lang="zh-CN" altLang="en-US"/>
           </a:p>
@@ -624,6 +628,777 @@
 </p:notes>
 </file>
 
+<file path=ppt/notesSlides/notesSlide10.xml><?xml version="1.0" encoding="utf-8"?>
+<p:notes xmlns:a="http://schemas.openxmlformats.org/drawingml/2006/main" xmlns:r="http://schemas.openxmlformats.org/officeDocument/2006/relationships" xmlns:p="http://schemas.openxmlformats.org/presentationml/2006/main">
+  <p:cSld>
+    <p:spTree>
+      <p:nvGrpSpPr>
+        <p:cNvPr id="1" name=""/>
+        <p:cNvGrpSpPr/>
+        <p:nvPr/>
+      </p:nvGrpSpPr>
+      <p:grpSpPr>
+        <a:xfrm>
+          <a:off x="0" y="0"/>
+          <a:ext cx="0" cy="0"/>
+          <a:chOff x="0" y="0"/>
+          <a:chExt cx="0" cy="0"/>
+        </a:xfrm>
+      </p:grpSpPr>
+      <p:sp>
+        <p:nvSpPr>
+          <p:cNvPr id="2" name="幻灯片图像占位符 1"/>
+          <p:cNvSpPr>
+            <a:spLocks noGrp="1" noRot="1" noChangeAspect="1"/>
+          </p:cNvSpPr>
+          <p:nvPr>
+            <p:ph type="sldImg"/>
+          </p:nvPr>
+        </p:nvSpPr>
+        <p:spPr/>
+      </p:sp>
+      <p:sp>
+        <p:nvSpPr>
+          <p:cNvPr id="3" name="备注占位符 2"/>
+          <p:cNvSpPr>
+            <a:spLocks noGrp="1"/>
+          </p:cNvSpPr>
+          <p:nvPr>
+            <p:ph type="body" idx="1"/>
+          </p:nvPr>
+        </p:nvSpPr>
+        <p:spPr/>
+        <p:txBody>
+          <a:bodyPr/>
+          <a:lstStyle/>
+          <a:p>
+            <a:r>
+              <a:rPr kumimoji="1" lang="zh-CN" altLang="en-US" dirty="0"/>
+              <a:t>哈喽，大家好，我是技术</a:t>
+            </a:r>
+            <a:r>
+              <a:rPr kumimoji="1" lang="en-US" altLang="zh-CN" dirty="0"/>
+              <a:t>UP</a:t>
+            </a:r>
+            <a:r>
+              <a:rPr kumimoji="1" lang="zh-CN" altLang="en-US" dirty="0"/>
+              <a:t>主小傅哥</a:t>
+            </a:r>
+            <a:endParaRPr kumimoji="1" lang="en-US" altLang="zh-CN" dirty="0"/>
+          </a:p>
+          <a:p>
+            <a:endParaRPr kumimoji="1" lang="en-US" altLang="zh-CN" dirty="0"/>
+          </a:p>
+          <a:p>
+            <a:pPr marL="0" marR="0" lvl="0" indent="0" algn="l" defTabSz="914400" rtl="0" eaLnBrk="1" fontAlgn="auto" latinLnBrk="0" hangingPunct="1">
+              <a:lnSpc>
+                <a:spcPct val="100000"/>
+              </a:lnSpc>
+              <a:spcBef>
+                <a:spcPts val="0"/>
+              </a:spcBef>
+              <a:spcAft>
+                <a:spcPts val="0"/>
+              </a:spcAft>
+              <a:buClrTx/>
+              <a:buSzTx/>
+              <a:buFontTx/>
+              <a:buNone/>
+              <a:tabLst/>
+              <a:defRPr/>
+            </a:pPr>
+            <a:r>
+              <a:rPr kumimoji="1" lang="zh-CN" altLang="en-US" dirty="0"/>
+              <a:t>本章是小傅哥带着大家开发 </a:t>
+            </a:r>
+            <a:r>
+              <a:rPr kumimoji="1" lang="en-US" altLang="zh-CN" dirty="0"/>
+              <a:t>《ChatGPT</a:t>
+            </a:r>
+            <a:r>
+              <a:rPr kumimoji="1" lang="zh-CN" altLang="en-US" dirty="0"/>
+              <a:t> </a:t>
+            </a:r>
+            <a:r>
+              <a:rPr kumimoji="1" lang="en-US" altLang="zh-CN" dirty="0"/>
+              <a:t>AI</a:t>
+            </a:r>
+            <a:r>
+              <a:rPr kumimoji="1" lang="zh-CN" altLang="en-US" dirty="0"/>
+              <a:t> 问答助手</a:t>
+            </a:r>
+            <a:r>
+              <a:rPr kumimoji="1" lang="en-US" altLang="zh-CN" dirty="0"/>
+              <a:t>》</a:t>
+            </a:r>
+            <a:r>
+              <a:rPr kumimoji="1" lang="zh-CN" altLang="en-US" dirty="0"/>
+              <a:t>实战项目的，</a:t>
+            </a:r>
+            <a:r>
+              <a:rPr kumimoji="1" lang="zh-CN" altLang="en-US" sz="1200" b="1" dirty="0">
+                <a:latin typeface="Wawati SC" pitchFamily="82" charset="-122"/>
+                <a:ea typeface="Wawati SC" pitchFamily="82" charset="-122"/>
+              </a:rPr>
+              <a:t>第</a:t>
+            </a:r>
+            <a:r>
+              <a:rPr kumimoji="1" lang="en-US" altLang="zh-CN" sz="1200" b="1" dirty="0">
+                <a:latin typeface="Wawati SC" pitchFamily="82" charset="-122"/>
+                <a:ea typeface="Wawati SC" pitchFamily="82" charset="-122"/>
+              </a:rPr>
+              <a:t>7</a:t>
+            </a:r>
+            <a:r>
+              <a:rPr kumimoji="1" lang="zh-CN" altLang="en-US" sz="1200" b="1" dirty="0">
+                <a:latin typeface="Wawati SC" pitchFamily="82" charset="-122"/>
+                <a:ea typeface="Wawati SC" pitchFamily="82" charset="-122"/>
+              </a:rPr>
+              <a:t>节：多组任务服务配置</a:t>
+            </a:r>
+            <a:endParaRPr kumimoji="1" lang="en-US" altLang="zh-CN" sz="1200" b="1" dirty="0">
+              <a:latin typeface="Wawati SC" pitchFamily="82" charset="-122"/>
+              <a:ea typeface="Wawati SC" pitchFamily="82" charset="-122"/>
+            </a:endParaRPr>
+          </a:p>
+          <a:p>
+            <a:pPr marL="0" marR="0" lvl="0" indent="0" algn="l" defTabSz="914400" rtl="0" eaLnBrk="1" fontAlgn="auto" latinLnBrk="0" hangingPunct="1">
+              <a:lnSpc>
+                <a:spcPct val="100000"/>
+              </a:lnSpc>
+              <a:spcBef>
+                <a:spcPts val="0"/>
+              </a:spcBef>
+              <a:spcAft>
+                <a:spcPts val="0"/>
+              </a:spcAft>
+              <a:buClrTx/>
+              <a:buSzTx/>
+              <a:buFontTx/>
+              <a:buNone/>
+              <a:tabLst/>
+              <a:defRPr/>
+            </a:pPr>
+            <a:endParaRPr kumimoji="1" lang="en-US" altLang="zh-CN" sz="1200" b="1" dirty="0">
+              <a:latin typeface="Wawati SC" pitchFamily="82" charset="-122"/>
+              <a:ea typeface="Wawati SC" pitchFamily="82" charset="-122"/>
+            </a:endParaRPr>
+          </a:p>
+          <a:p>
+            <a:pPr marL="0" marR="0" lvl="0" indent="0" algn="l" defTabSz="914400" rtl="0" eaLnBrk="1" fontAlgn="auto" latinLnBrk="0" hangingPunct="1">
+              <a:lnSpc>
+                <a:spcPct val="100000"/>
+              </a:lnSpc>
+              <a:spcBef>
+                <a:spcPts val="0"/>
+              </a:spcBef>
+              <a:spcAft>
+                <a:spcPts val="0"/>
+              </a:spcAft>
+              <a:buClrTx/>
+              <a:buSzTx/>
+              <a:buFontTx/>
+              <a:buNone/>
+              <a:tabLst/>
+              <a:defRPr/>
+            </a:pPr>
+            <a:r>
+              <a:rPr kumimoji="1" lang="zh-CN" altLang="en-US" dirty="0"/>
+              <a:t>记得给小傅哥来个三连，我们要准备发车了。</a:t>
+            </a:r>
+            <a:endParaRPr kumimoji="1" lang="en-US" altLang="zh-CN" dirty="0"/>
+          </a:p>
+          <a:p>
+            <a:endParaRPr kumimoji="1" lang="en-US" altLang="zh-CN" dirty="0"/>
+          </a:p>
+        </p:txBody>
+      </p:sp>
+      <p:sp>
+        <p:nvSpPr>
+          <p:cNvPr id="4" name="灯片编号占位符 3"/>
+          <p:cNvSpPr>
+            <a:spLocks noGrp="1"/>
+          </p:cNvSpPr>
+          <p:nvPr>
+            <p:ph type="sldNum" sz="quarter" idx="5"/>
+          </p:nvPr>
+        </p:nvSpPr>
+        <p:spPr/>
+        <p:txBody>
+          <a:bodyPr/>
+          <a:lstStyle/>
+          <a:p>
+            <a:fld id="{CA6C74AE-A2D1-479E-B5B8-C94470671B8B}" type="slidenum">
+              <a:rPr lang="zh-CN" altLang="en-US" smtClean="0"/>
+              <a:t>11</a:t>
+            </a:fld>
+            <a:endParaRPr lang="zh-CN" altLang="en-US"/>
+          </a:p>
+        </p:txBody>
+      </p:sp>
+    </p:spTree>
+    <p:extLst>
+      <p:ext uri="{BB962C8B-B14F-4D97-AF65-F5344CB8AC3E}">
+        <p14:creationId xmlns:p14="http://schemas.microsoft.com/office/powerpoint/2010/main" val="2754675476"/>
+      </p:ext>
+    </p:extLst>
+  </p:cSld>
+  <p:clrMapOvr>
+    <a:masterClrMapping/>
+  </p:clrMapOvr>
+</p:notes>
+</file>
+
+<file path=ppt/notesSlides/notesSlide11.xml><?xml version="1.0" encoding="utf-8"?>
+<p:notes xmlns:a="http://schemas.openxmlformats.org/drawingml/2006/main" xmlns:r="http://schemas.openxmlformats.org/officeDocument/2006/relationships" xmlns:p="http://schemas.openxmlformats.org/presentationml/2006/main">
+  <p:cSld>
+    <p:spTree>
+      <p:nvGrpSpPr>
+        <p:cNvPr id="1" name=""/>
+        <p:cNvGrpSpPr/>
+        <p:nvPr/>
+      </p:nvGrpSpPr>
+      <p:grpSpPr>
+        <a:xfrm>
+          <a:off x="0" y="0"/>
+          <a:ext cx="0" cy="0"/>
+          <a:chOff x="0" y="0"/>
+          <a:chExt cx="0" cy="0"/>
+        </a:xfrm>
+      </p:grpSpPr>
+      <p:sp>
+        <p:nvSpPr>
+          <p:cNvPr id="2" name="幻灯片图像占位符 1"/>
+          <p:cNvSpPr>
+            <a:spLocks noGrp="1" noRot="1" noChangeAspect="1"/>
+          </p:cNvSpPr>
+          <p:nvPr>
+            <p:ph type="sldImg"/>
+          </p:nvPr>
+        </p:nvSpPr>
+        <p:spPr/>
+      </p:sp>
+      <p:sp>
+        <p:nvSpPr>
+          <p:cNvPr id="3" name="备注占位符 2"/>
+          <p:cNvSpPr>
+            <a:spLocks noGrp="1"/>
+          </p:cNvSpPr>
+          <p:nvPr>
+            <p:ph type="body" idx="1"/>
+          </p:nvPr>
+        </p:nvSpPr>
+        <p:spPr/>
+        <p:txBody>
+          <a:bodyPr/>
+          <a:lstStyle/>
+          <a:p>
+            <a:r>
+              <a:rPr kumimoji="1" lang="zh-CN" altLang="en-US" dirty="0"/>
+              <a:t>哈喽，大家好，我是技术</a:t>
+            </a:r>
+            <a:r>
+              <a:rPr kumimoji="1" lang="en-US" altLang="zh-CN" dirty="0"/>
+              <a:t>UP</a:t>
+            </a:r>
+            <a:r>
+              <a:rPr kumimoji="1" lang="zh-CN" altLang="en-US" dirty="0"/>
+              <a:t>主小傅哥</a:t>
+            </a:r>
+            <a:endParaRPr kumimoji="1" lang="en-US" altLang="zh-CN" dirty="0"/>
+          </a:p>
+          <a:p>
+            <a:endParaRPr kumimoji="1" lang="en-US" altLang="zh-CN" dirty="0"/>
+          </a:p>
+          <a:p>
+            <a:pPr marL="0" marR="0" lvl="0" indent="0" algn="l" defTabSz="914400" rtl="0" eaLnBrk="1" fontAlgn="auto" latinLnBrk="0" hangingPunct="1">
+              <a:lnSpc>
+                <a:spcPct val="100000"/>
+              </a:lnSpc>
+              <a:spcBef>
+                <a:spcPts val="0"/>
+              </a:spcBef>
+              <a:spcAft>
+                <a:spcPts val="0"/>
+              </a:spcAft>
+              <a:buClrTx/>
+              <a:buSzTx/>
+              <a:buFontTx/>
+              <a:buNone/>
+              <a:tabLst/>
+              <a:defRPr/>
+            </a:pPr>
+            <a:r>
+              <a:rPr kumimoji="1" lang="zh-CN" altLang="en-US" dirty="0"/>
+              <a:t>本章是小傅哥带着大家开发 </a:t>
+            </a:r>
+            <a:r>
+              <a:rPr kumimoji="1" lang="en-US" altLang="zh-CN" dirty="0"/>
+              <a:t>《ChatGPT</a:t>
+            </a:r>
+            <a:r>
+              <a:rPr kumimoji="1" lang="zh-CN" altLang="en-US" dirty="0"/>
+              <a:t> </a:t>
+            </a:r>
+            <a:r>
+              <a:rPr kumimoji="1" lang="en-US" altLang="zh-CN" dirty="0"/>
+              <a:t>AI</a:t>
+            </a:r>
+            <a:r>
+              <a:rPr kumimoji="1" lang="zh-CN" altLang="en-US" dirty="0"/>
+              <a:t> 问答助手</a:t>
+            </a:r>
+            <a:r>
+              <a:rPr kumimoji="1" lang="en-US" altLang="zh-CN" dirty="0"/>
+              <a:t>》</a:t>
+            </a:r>
+            <a:r>
+              <a:rPr kumimoji="1" lang="zh-CN" altLang="en-US" dirty="0"/>
+              <a:t>实战项目的，</a:t>
+            </a:r>
+            <a:r>
+              <a:rPr kumimoji="1" lang="zh-CN" altLang="en-US" sz="1200" b="1" dirty="0">
+                <a:latin typeface="Wawati SC" pitchFamily="82" charset="-122"/>
+                <a:ea typeface="Wawati SC" pitchFamily="82" charset="-122"/>
+              </a:rPr>
+              <a:t>第</a:t>
+            </a:r>
+            <a:r>
+              <a:rPr kumimoji="1" lang="en-US" altLang="zh-CN" sz="1200" b="1" dirty="0">
+                <a:latin typeface="Wawati SC" pitchFamily="82" charset="-122"/>
+                <a:ea typeface="Wawati SC" pitchFamily="82" charset="-122"/>
+              </a:rPr>
+              <a:t>7</a:t>
+            </a:r>
+            <a:r>
+              <a:rPr kumimoji="1" lang="zh-CN" altLang="en-US" sz="1200" b="1" dirty="0">
+                <a:latin typeface="Wawati SC" pitchFamily="82" charset="-122"/>
+                <a:ea typeface="Wawati SC" pitchFamily="82" charset="-122"/>
+              </a:rPr>
+              <a:t>节：多组任务服务配置</a:t>
+            </a:r>
+            <a:endParaRPr kumimoji="1" lang="en-US" altLang="zh-CN" sz="1200" b="1" dirty="0">
+              <a:latin typeface="Wawati SC" pitchFamily="82" charset="-122"/>
+              <a:ea typeface="Wawati SC" pitchFamily="82" charset="-122"/>
+            </a:endParaRPr>
+          </a:p>
+          <a:p>
+            <a:pPr marL="0" marR="0" lvl="0" indent="0" algn="l" defTabSz="914400" rtl="0" eaLnBrk="1" fontAlgn="auto" latinLnBrk="0" hangingPunct="1">
+              <a:lnSpc>
+                <a:spcPct val="100000"/>
+              </a:lnSpc>
+              <a:spcBef>
+                <a:spcPts val="0"/>
+              </a:spcBef>
+              <a:spcAft>
+                <a:spcPts val="0"/>
+              </a:spcAft>
+              <a:buClrTx/>
+              <a:buSzTx/>
+              <a:buFontTx/>
+              <a:buNone/>
+              <a:tabLst/>
+              <a:defRPr/>
+            </a:pPr>
+            <a:endParaRPr kumimoji="1" lang="en-US" altLang="zh-CN" sz="1200" b="1" dirty="0">
+              <a:latin typeface="Wawati SC" pitchFamily="82" charset="-122"/>
+              <a:ea typeface="Wawati SC" pitchFamily="82" charset="-122"/>
+            </a:endParaRPr>
+          </a:p>
+          <a:p>
+            <a:pPr marL="0" marR="0" lvl="0" indent="0" algn="l" defTabSz="914400" rtl="0" eaLnBrk="1" fontAlgn="auto" latinLnBrk="0" hangingPunct="1">
+              <a:lnSpc>
+                <a:spcPct val="100000"/>
+              </a:lnSpc>
+              <a:spcBef>
+                <a:spcPts val="0"/>
+              </a:spcBef>
+              <a:spcAft>
+                <a:spcPts val="0"/>
+              </a:spcAft>
+              <a:buClrTx/>
+              <a:buSzTx/>
+              <a:buFontTx/>
+              <a:buNone/>
+              <a:tabLst/>
+              <a:defRPr/>
+            </a:pPr>
+            <a:r>
+              <a:rPr kumimoji="1" lang="zh-CN" altLang="en-US" dirty="0"/>
+              <a:t>记得给小傅哥来个三连，我们要准备发车了。</a:t>
+            </a:r>
+            <a:endParaRPr kumimoji="1" lang="en-US" altLang="zh-CN" dirty="0"/>
+          </a:p>
+          <a:p>
+            <a:endParaRPr kumimoji="1" lang="en-US" altLang="zh-CN" dirty="0"/>
+          </a:p>
+        </p:txBody>
+      </p:sp>
+      <p:sp>
+        <p:nvSpPr>
+          <p:cNvPr id="4" name="灯片编号占位符 3"/>
+          <p:cNvSpPr>
+            <a:spLocks noGrp="1"/>
+          </p:cNvSpPr>
+          <p:nvPr>
+            <p:ph type="sldNum" sz="quarter" idx="5"/>
+          </p:nvPr>
+        </p:nvSpPr>
+        <p:spPr/>
+        <p:txBody>
+          <a:bodyPr/>
+          <a:lstStyle/>
+          <a:p>
+            <a:fld id="{CA6C74AE-A2D1-479E-B5B8-C94470671B8B}" type="slidenum">
+              <a:rPr lang="zh-CN" altLang="en-US" smtClean="0"/>
+              <a:t>12</a:t>
+            </a:fld>
+            <a:endParaRPr lang="zh-CN" altLang="en-US"/>
+          </a:p>
+        </p:txBody>
+      </p:sp>
+    </p:spTree>
+    <p:extLst>
+      <p:ext uri="{BB962C8B-B14F-4D97-AF65-F5344CB8AC3E}">
+        <p14:creationId xmlns:p14="http://schemas.microsoft.com/office/powerpoint/2010/main" val="1814034268"/>
+      </p:ext>
+    </p:extLst>
+  </p:cSld>
+  <p:clrMapOvr>
+    <a:masterClrMapping/>
+  </p:clrMapOvr>
+</p:notes>
+</file>
+
+<file path=ppt/notesSlides/notesSlide12.xml><?xml version="1.0" encoding="utf-8"?>
+<p:notes xmlns:a="http://schemas.openxmlformats.org/drawingml/2006/main" xmlns:r="http://schemas.openxmlformats.org/officeDocument/2006/relationships" xmlns:p="http://schemas.openxmlformats.org/presentationml/2006/main">
+  <p:cSld>
+    <p:spTree>
+      <p:nvGrpSpPr>
+        <p:cNvPr id="1" name=""/>
+        <p:cNvGrpSpPr/>
+        <p:nvPr/>
+      </p:nvGrpSpPr>
+      <p:grpSpPr>
+        <a:xfrm>
+          <a:off x="0" y="0"/>
+          <a:ext cx="0" cy="0"/>
+          <a:chOff x="0" y="0"/>
+          <a:chExt cx="0" cy="0"/>
+        </a:xfrm>
+      </p:grpSpPr>
+      <p:sp>
+        <p:nvSpPr>
+          <p:cNvPr id="2" name="幻灯片图像占位符 1"/>
+          <p:cNvSpPr>
+            <a:spLocks noGrp="1" noRot="1" noChangeAspect="1"/>
+          </p:cNvSpPr>
+          <p:nvPr>
+            <p:ph type="sldImg"/>
+          </p:nvPr>
+        </p:nvSpPr>
+        <p:spPr/>
+      </p:sp>
+      <p:sp>
+        <p:nvSpPr>
+          <p:cNvPr id="3" name="备注占位符 2"/>
+          <p:cNvSpPr>
+            <a:spLocks noGrp="1"/>
+          </p:cNvSpPr>
+          <p:nvPr>
+            <p:ph type="body" idx="1"/>
+          </p:nvPr>
+        </p:nvSpPr>
+        <p:spPr/>
+        <p:txBody>
+          <a:bodyPr/>
+          <a:lstStyle/>
+          <a:p>
+            <a:r>
+              <a:rPr kumimoji="1" lang="zh-CN" altLang="en-US" dirty="0"/>
+              <a:t>哈喽，大家好，我是技术</a:t>
+            </a:r>
+            <a:r>
+              <a:rPr kumimoji="1" lang="en-US" altLang="zh-CN" dirty="0"/>
+              <a:t>UP</a:t>
+            </a:r>
+            <a:r>
+              <a:rPr kumimoji="1" lang="zh-CN" altLang="en-US" dirty="0"/>
+              <a:t>主小傅哥</a:t>
+            </a:r>
+            <a:endParaRPr kumimoji="1" lang="en-US" altLang="zh-CN" dirty="0"/>
+          </a:p>
+          <a:p>
+            <a:endParaRPr kumimoji="1" lang="en-US" altLang="zh-CN" dirty="0"/>
+          </a:p>
+          <a:p>
+            <a:pPr marL="0" marR="0" lvl="0" indent="0" algn="l" defTabSz="914400" rtl="0" eaLnBrk="1" fontAlgn="auto" latinLnBrk="0" hangingPunct="1">
+              <a:lnSpc>
+                <a:spcPct val="100000"/>
+              </a:lnSpc>
+              <a:spcBef>
+                <a:spcPts val="0"/>
+              </a:spcBef>
+              <a:spcAft>
+                <a:spcPts val="0"/>
+              </a:spcAft>
+              <a:buClrTx/>
+              <a:buSzTx/>
+              <a:buFontTx/>
+              <a:buNone/>
+              <a:tabLst/>
+              <a:defRPr/>
+            </a:pPr>
+            <a:r>
+              <a:rPr kumimoji="1" lang="zh-CN" altLang="en-US" dirty="0"/>
+              <a:t>本章是小傅哥带着大家开发 </a:t>
+            </a:r>
+            <a:r>
+              <a:rPr kumimoji="1" lang="en-US" altLang="zh-CN" dirty="0"/>
+              <a:t>《ChatGPT</a:t>
+            </a:r>
+            <a:r>
+              <a:rPr kumimoji="1" lang="zh-CN" altLang="en-US" dirty="0"/>
+              <a:t> </a:t>
+            </a:r>
+            <a:r>
+              <a:rPr kumimoji="1" lang="en-US" altLang="zh-CN" dirty="0"/>
+              <a:t>AI</a:t>
+            </a:r>
+            <a:r>
+              <a:rPr kumimoji="1" lang="zh-CN" altLang="en-US" dirty="0"/>
+              <a:t> 问答助手</a:t>
+            </a:r>
+            <a:r>
+              <a:rPr kumimoji="1" lang="en-US" altLang="zh-CN" dirty="0"/>
+              <a:t>》</a:t>
+            </a:r>
+            <a:r>
+              <a:rPr kumimoji="1" lang="zh-CN" altLang="en-US" dirty="0"/>
+              <a:t>实战项目的，</a:t>
+            </a:r>
+            <a:r>
+              <a:rPr kumimoji="1" lang="zh-CN" altLang="en-US" sz="1200" b="1" dirty="0">
+                <a:latin typeface="Wawati SC" pitchFamily="82" charset="-122"/>
+                <a:ea typeface="Wawati SC" pitchFamily="82" charset="-122"/>
+              </a:rPr>
+              <a:t>第</a:t>
+            </a:r>
+            <a:r>
+              <a:rPr kumimoji="1" lang="en-US" altLang="zh-CN" sz="1200" b="1" dirty="0">
+                <a:latin typeface="Wawati SC" pitchFamily="82" charset="-122"/>
+                <a:ea typeface="Wawati SC" pitchFamily="82" charset="-122"/>
+              </a:rPr>
+              <a:t>7</a:t>
+            </a:r>
+            <a:r>
+              <a:rPr kumimoji="1" lang="zh-CN" altLang="en-US" sz="1200" b="1" dirty="0">
+                <a:latin typeface="Wawati SC" pitchFamily="82" charset="-122"/>
+                <a:ea typeface="Wawati SC" pitchFamily="82" charset="-122"/>
+              </a:rPr>
+              <a:t>节：多组任务服务配置</a:t>
+            </a:r>
+            <a:endParaRPr kumimoji="1" lang="en-US" altLang="zh-CN" sz="1200" b="1" dirty="0">
+              <a:latin typeface="Wawati SC" pitchFamily="82" charset="-122"/>
+              <a:ea typeface="Wawati SC" pitchFamily="82" charset="-122"/>
+            </a:endParaRPr>
+          </a:p>
+          <a:p>
+            <a:pPr marL="0" marR="0" lvl="0" indent="0" algn="l" defTabSz="914400" rtl="0" eaLnBrk="1" fontAlgn="auto" latinLnBrk="0" hangingPunct="1">
+              <a:lnSpc>
+                <a:spcPct val="100000"/>
+              </a:lnSpc>
+              <a:spcBef>
+                <a:spcPts val="0"/>
+              </a:spcBef>
+              <a:spcAft>
+                <a:spcPts val="0"/>
+              </a:spcAft>
+              <a:buClrTx/>
+              <a:buSzTx/>
+              <a:buFontTx/>
+              <a:buNone/>
+              <a:tabLst/>
+              <a:defRPr/>
+            </a:pPr>
+            <a:endParaRPr kumimoji="1" lang="en-US" altLang="zh-CN" sz="1200" b="1" dirty="0">
+              <a:latin typeface="Wawati SC" pitchFamily="82" charset="-122"/>
+              <a:ea typeface="Wawati SC" pitchFamily="82" charset="-122"/>
+            </a:endParaRPr>
+          </a:p>
+          <a:p>
+            <a:pPr marL="0" marR="0" lvl="0" indent="0" algn="l" defTabSz="914400" rtl="0" eaLnBrk="1" fontAlgn="auto" latinLnBrk="0" hangingPunct="1">
+              <a:lnSpc>
+                <a:spcPct val="100000"/>
+              </a:lnSpc>
+              <a:spcBef>
+                <a:spcPts val="0"/>
+              </a:spcBef>
+              <a:spcAft>
+                <a:spcPts val="0"/>
+              </a:spcAft>
+              <a:buClrTx/>
+              <a:buSzTx/>
+              <a:buFontTx/>
+              <a:buNone/>
+              <a:tabLst/>
+              <a:defRPr/>
+            </a:pPr>
+            <a:r>
+              <a:rPr kumimoji="1" lang="zh-CN" altLang="en-US" dirty="0"/>
+              <a:t>记得给小傅哥来个三连，我们要准备发车了。</a:t>
+            </a:r>
+            <a:endParaRPr kumimoji="1" lang="en-US" altLang="zh-CN" dirty="0"/>
+          </a:p>
+          <a:p>
+            <a:endParaRPr kumimoji="1" lang="en-US" altLang="zh-CN" dirty="0"/>
+          </a:p>
+        </p:txBody>
+      </p:sp>
+      <p:sp>
+        <p:nvSpPr>
+          <p:cNvPr id="4" name="灯片编号占位符 3"/>
+          <p:cNvSpPr>
+            <a:spLocks noGrp="1"/>
+          </p:cNvSpPr>
+          <p:nvPr>
+            <p:ph type="sldNum" sz="quarter" idx="5"/>
+          </p:nvPr>
+        </p:nvSpPr>
+        <p:spPr/>
+        <p:txBody>
+          <a:bodyPr/>
+          <a:lstStyle/>
+          <a:p>
+            <a:fld id="{CA6C74AE-A2D1-479E-B5B8-C94470671B8B}" type="slidenum">
+              <a:rPr lang="zh-CN" altLang="en-US" smtClean="0"/>
+              <a:t>13</a:t>
+            </a:fld>
+            <a:endParaRPr lang="zh-CN" altLang="en-US"/>
+          </a:p>
+        </p:txBody>
+      </p:sp>
+    </p:spTree>
+    <p:extLst>
+      <p:ext uri="{BB962C8B-B14F-4D97-AF65-F5344CB8AC3E}">
+        <p14:creationId xmlns:p14="http://schemas.microsoft.com/office/powerpoint/2010/main" val="4165027695"/>
+      </p:ext>
+    </p:extLst>
+  </p:cSld>
+  <p:clrMapOvr>
+    <a:masterClrMapping/>
+  </p:clrMapOvr>
+</p:notes>
+</file>
+
+<file path=ppt/notesSlides/notesSlide13.xml><?xml version="1.0" encoding="utf-8"?>
+<p:notes xmlns:a="http://schemas.openxmlformats.org/drawingml/2006/main" xmlns:r="http://schemas.openxmlformats.org/officeDocument/2006/relationships" xmlns:p="http://schemas.openxmlformats.org/presentationml/2006/main">
+  <p:cSld>
+    <p:spTree>
+      <p:nvGrpSpPr>
+        <p:cNvPr id="1" name=""/>
+        <p:cNvGrpSpPr/>
+        <p:nvPr/>
+      </p:nvGrpSpPr>
+      <p:grpSpPr>
+        <a:xfrm>
+          <a:off x="0" y="0"/>
+          <a:ext cx="0" cy="0"/>
+          <a:chOff x="0" y="0"/>
+          <a:chExt cx="0" cy="0"/>
+        </a:xfrm>
+      </p:grpSpPr>
+      <p:sp>
+        <p:nvSpPr>
+          <p:cNvPr id="2" name="幻灯片图像占位符 1"/>
+          <p:cNvSpPr>
+            <a:spLocks noGrp="1" noRot="1" noChangeAspect="1"/>
+          </p:cNvSpPr>
+          <p:nvPr>
+            <p:ph type="sldImg"/>
+          </p:nvPr>
+        </p:nvSpPr>
+        <p:spPr/>
+      </p:sp>
+      <p:sp>
+        <p:nvSpPr>
+          <p:cNvPr id="3" name="备注占位符 2"/>
+          <p:cNvSpPr>
+            <a:spLocks noGrp="1"/>
+          </p:cNvSpPr>
+          <p:nvPr>
+            <p:ph type="body" idx="1"/>
+          </p:nvPr>
+        </p:nvSpPr>
+        <p:spPr/>
+        <p:txBody>
+          <a:bodyPr/>
+          <a:lstStyle/>
+          <a:p>
+            <a:r>
+              <a:rPr kumimoji="1" lang="zh-CN" altLang="en-US" dirty="0"/>
+              <a:t>好啦，本期视频到这里就结束了。感谢你的关注、点赞和转发</a:t>
+            </a:r>
+            <a:endParaRPr kumimoji="1" lang="en-US" altLang="zh-CN" dirty="0"/>
+          </a:p>
+          <a:p>
+            <a:endParaRPr kumimoji="1" lang="en-US" altLang="zh-CN" dirty="0"/>
+          </a:p>
+          <a:p>
+            <a:r>
+              <a:rPr kumimoji="1" lang="zh-CN" altLang="en-US" dirty="0"/>
+              <a:t>沉淀、分享、成长，让自己和他人都能有所收获！</a:t>
+            </a:r>
+            <a:endParaRPr kumimoji="1" lang="en-US" altLang="zh-CN" dirty="0"/>
+          </a:p>
+          <a:p>
+            <a:endParaRPr kumimoji="1" lang="en-US" altLang="zh-CN" dirty="0"/>
+          </a:p>
+          <a:p>
+            <a:r>
+              <a:rPr kumimoji="1" lang="zh-CN" altLang="en-US" dirty="0"/>
+              <a:t>我们下一章节再见，拜拜</a:t>
+            </a:r>
+            <a:endParaRPr kumimoji="1" lang="en-US" altLang="zh-CN" dirty="0"/>
+          </a:p>
+        </p:txBody>
+      </p:sp>
+      <p:sp>
+        <p:nvSpPr>
+          <p:cNvPr id="4" name="灯片编号占位符 3"/>
+          <p:cNvSpPr>
+            <a:spLocks noGrp="1"/>
+          </p:cNvSpPr>
+          <p:nvPr>
+            <p:ph type="sldNum" sz="quarter" idx="5"/>
+          </p:nvPr>
+        </p:nvSpPr>
+        <p:spPr/>
+        <p:txBody>
+          <a:bodyPr/>
+          <a:lstStyle/>
+          <a:p>
+            <a:fld id="{E55B71EF-24F6-8C48-9D21-9B27703F9A44}" type="slidenum">
+              <a:rPr kumimoji="1" lang="zh-CN" altLang="en-US" smtClean="0"/>
+              <a:t>14</a:t>
+            </a:fld>
+            <a:endParaRPr kumimoji="1" lang="zh-CN" altLang="en-US"/>
+          </a:p>
+        </p:txBody>
+      </p:sp>
+    </p:spTree>
+    <p:extLst>
+      <p:ext uri="{BB962C8B-B14F-4D97-AF65-F5344CB8AC3E}">
+        <p14:creationId xmlns:p14="http://schemas.microsoft.com/office/powerpoint/2010/main" val="1125819306"/>
+      </p:ext>
+    </p:extLst>
+  </p:cSld>
+  <p:clrMapOvr>
+    <a:masterClrMapping/>
+  </p:clrMapOvr>
+</p:notes>
+</file>
+
 <file path=ppt/notesSlides/notesSlide2.xml><?xml version="1.0" encoding="utf-8"?>
 <p:notes xmlns:a="http://schemas.openxmlformats.org/drawingml/2006/main" xmlns:r="http://schemas.openxmlformats.org/officeDocument/2006/relationships" xmlns:p="http://schemas.openxmlformats.org/presentationml/2006/main">
   <p:cSld>
@@ -1874,7 +2649,15 @@
           <a:p>
             <a:r>
               <a:rPr kumimoji="1" lang="zh-CN" altLang="en-US" dirty="0"/>
-              <a:t>好啦，本期视频到这里就结束了。感谢你的关注、点赞和转发</a:t>
+              <a:t>哈喽，大家好，我是技术</a:t>
+            </a:r>
+            <a:r>
+              <a:rPr kumimoji="1" lang="en-US" altLang="zh-CN" dirty="0"/>
+              <a:t>UP</a:t>
+            </a:r>
+            <a:r>
+              <a:rPr kumimoji="1" lang="zh-CN" altLang="en-US" dirty="0"/>
+              <a:t>主小傅哥</a:t>
             </a:r>
             <a:endParaRPr kumimoji="1" lang="en-US" altLang="zh-CN" dirty="0"/>
           </a:p>
@@ -1882,20 +2665,125 @@
             <a:endParaRPr kumimoji="1" lang="en-US" altLang="zh-CN" dirty="0"/>
           </a:p>
           <a:p>
+            <a:pPr marL="0" marR="0" lvl="0" indent="0" algn="l" defTabSz="914400" rtl="0" eaLnBrk="1" fontAlgn="auto" latinLnBrk="0" hangingPunct="1">
+              <a:lnSpc>
+                <a:spcPct val="100000"/>
+              </a:lnSpc>
+              <a:spcBef>
+                <a:spcPts val="0"/>
+              </a:spcBef>
+              <a:spcAft>
+                <a:spcPts val="0"/>
+              </a:spcAft>
+              <a:buClrTx/>
+              <a:buSzTx/>
+              <a:buFontTx/>
+              <a:buNone/>
+              <a:tabLst/>
+              <a:defRPr/>
+            </a:pPr>
             <a:r>
               <a:rPr kumimoji="1" lang="zh-CN" altLang="en-US" dirty="0"/>
-              <a:t>沉淀、分享、成长，让自己和他人都能有所收获！</a:t>
+              <a:t>本章是小傅哥带着大家开发 </a:t>
+            </a:r>
+            <a:r>
+              <a:rPr kumimoji="1" lang="en-US" altLang="zh-CN" dirty="0"/>
+              <a:t>《ChatGPT</a:t>
+            </a:r>
+            <a:r>
+              <a:rPr kumimoji="1" lang="zh-CN" altLang="en-US" dirty="0"/>
+              <a:t> </a:t>
+            </a:r>
+            <a:r>
+              <a:rPr kumimoji="1" lang="en-US" altLang="zh-CN" dirty="0"/>
+              <a:t>AI</a:t>
+            </a:r>
+            <a:r>
+              <a:rPr kumimoji="1" lang="zh-CN" altLang="en-US" dirty="0"/>
+              <a:t> 问答助手</a:t>
+            </a:r>
+            <a:r>
+              <a:rPr kumimoji="1" lang="en-US" altLang="zh-CN" dirty="0"/>
+              <a:t>》</a:t>
+            </a:r>
+            <a:r>
+              <a:rPr kumimoji="1" lang="zh-CN" altLang="en-US" dirty="0"/>
+              <a:t>实战项目的，</a:t>
+            </a:r>
+            <a:r>
+              <a:rPr kumimoji="1" lang="zh-CN" altLang="en-US" sz="1200" b="1" dirty="0">
+                <a:latin typeface="Wawati SC" pitchFamily="82" charset="-122"/>
+                <a:ea typeface="Wawati SC" pitchFamily="82" charset="-122"/>
+              </a:rPr>
+              <a:t>第</a:t>
+            </a:r>
+            <a:r>
+              <a:rPr kumimoji="1" lang="en-US" altLang="zh-CN" sz="1200" b="1" dirty="0">
+                <a:latin typeface="Wawati SC" pitchFamily="82" charset="-122"/>
+                <a:ea typeface="Wawati SC" pitchFamily="82" charset="-122"/>
+              </a:rPr>
+              <a:t>7</a:t>
+            </a:r>
+            <a:r>
+              <a:rPr kumimoji="1" lang="zh-CN" altLang="en-US" sz="1200" b="1" dirty="0">
+                <a:latin typeface="Wawati SC" pitchFamily="82" charset="-122"/>
+                <a:ea typeface="Wawati SC" pitchFamily="82" charset="-122"/>
+              </a:rPr>
+              <a:t>节：多组任务服务配置</a:t>
+            </a:r>
+            <a:endParaRPr kumimoji="1" lang="en-US" altLang="zh-CN" sz="1200" b="1" dirty="0">
+              <a:latin typeface="Wawati SC" pitchFamily="82" charset="-122"/>
+              <a:ea typeface="Wawati SC" pitchFamily="82" charset="-122"/>
+            </a:endParaRPr>
+          </a:p>
+          <a:p>
+            <a:pPr marL="0" marR="0" lvl="0" indent="0" algn="l" defTabSz="914400" rtl="0" eaLnBrk="1" fontAlgn="auto" latinLnBrk="0" hangingPunct="1">
+              <a:lnSpc>
+                <a:spcPct val="100000"/>
+              </a:lnSpc>
+              <a:spcBef>
+                <a:spcPts val="0"/>
+              </a:spcBef>
+              <a:spcAft>
+                <a:spcPts val="0"/>
+              </a:spcAft>
+              <a:buClrTx/>
+              <a:buSzTx/>
+              <a:buFontTx/>
+              <a:buNone/>
+              <a:tabLst/>
+              <a:defRPr/>
+            </a:pPr>
+            <a:endParaRPr kumimoji="1" lang="en-US" altLang="zh-CN" sz="1200" b="1" dirty="0">
+              <a:latin typeface="Wawati SC" pitchFamily="82" charset="-122"/>
+              <a:ea typeface="Wawati SC" pitchFamily="82" charset="-122"/>
+            </a:endParaRPr>
+          </a:p>
+          <a:p>
+            <a:pPr marL="0" marR="0" lvl="0" indent="0" algn="l" defTabSz="914400" rtl="0" eaLnBrk="1" fontAlgn="auto" latinLnBrk="0" hangingPunct="1">
+              <a:lnSpc>
+                <a:spcPct val="100000"/>
+              </a:lnSpc>
+              <a:spcBef>
+                <a:spcPts val="0"/>
+              </a:spcBef>
+              <a:spcAft>
+                <a:spcPts val="0"/>
+              </a:spcAft>
+              <a:buClrTx/>
+              <a:buSzTx/>
+              <a:buFontTx/>
+              <a:buNone/>
+              <a:tabLst/>
+              <a:defRPr/>
+            </a:pPr>
+            <a:r>
+              <a:rPr kumimoji="1" lang="zh-CN" altLang="en-US" dirty="0"/>
+              <a:t>记得给小傅哥来个三连，我们要准备发车了。</a:t>
             </a:r>
             <a:endParaRPr kumimoji="1" lang="en-US" altLang="zh-CN" dirty="0"/>
           </a:p>
           <a:p>
-            <a:endParaRPr kumimoji="1" lang="en-US" altLang="zh-CN" dirty="0"/>
-          </a:p>
-          <a:p>
-            <a:r>
-              <a:rPr kumimoji="1" lang="zh-CN" altLang="en-US" dirty="0"/>
-              <a:t>我们下一章节再见，拜拜</a:t>
-            </a:r>
             <a:endParaRPr kumimoji="1" lang="en-US" altLang="zh-CN" dirty="0"/>
           </a:p>
         </p:txBody>
@@ -1915,18 +2803,18 @@
           <a:bodyPr/>
           <a:lstStyle/>
           <a:p>
-            <a:fld id="{E55B71EF-24F6-8C48-9D21-9B27703F9A44}" type="slidenum">
-              <a:rPr kumimoji="1" lang="zh-CN" altLang="en-US" smtClean="0"/>
+            <a:fld id="{CA6C74AE-A2D1-479E-B5B8-C94470671B8B}" type="slidenum">
+              <a:rPr lang="zh-CN" altLang="en-US" smtClean="0"/>
               <a:t>10</a:t>
             </a:fld>
-            <a:endParaRPr kumimoji="1" lang="zh-CN" altLang="en-US"/>
+            <a:endParaRPr lang="zh-CN" altLang="en-US"/>
           </a:p>
         </p:txBody>
       </p:sp>
     </p:spTree>
     <p:extLst>
       <p:ext uri="{BB962C8B-B14F-4D97-AF65-F5344CB8AC3E}">
-        <p14:creationId xmlns:p14="http://schemas.microsoft.com/office/powerpoint/2010/main" val="1125819306"/>
+        <p14:creationId xmlns:p14="http://schemas.microsoft.com/office/powerpoint/2010/main" val="1484538873"/>
       </p:ext>
     </p:extLst>
   </p:cSld>
@@ -2065,7 +2953,7 @@
           <a:p>
             <a:fld id="{D494CCE0-7367-4BD1-B6C8-BDBDF017F951}" type="datetimeFigureOut">
               <a:rPr lang="zh-CN" altLang="en-US" smtClean="0"/>
-              <a:t>2023/1/19</a:t>
+              <a:t>2023/1/27</a:t>
             </a:fld>
             <a:endParaRPr lang="zh-CN" altLang="en-US"/>
           </a:p>
@@ -2233,7 +3121,7 @@
           <a:p>
             <a:fld id="{D494CCE0-7367-4BD1-B6C8-BDBDF017F951}" type="datetimeFigureOut">
               <a:rPr lang="zh-CN" altLang="en-US" smtClean="0"/>
-              <a:t>2023/1/19</a:t>
+              <a:t>2023/1/27</a:t>
             </a:fld>
             <a:endParaRPr lang="zh-CN" altLang="en-US"/>
           </a:p>
@@ -2411,7 +3299,7 @@
           <a:p>
             <a:fld id="{D494CCE0-7367-4BD1-B6C8-BDBDF017F951}" type="datetimeFigureOut">
               <a:rPr lang="zh-CN" altLang="en-US" smtClean="0"/>
-              <a:t>2023/1/19</a:t>
+              <a:t>2023/1/27</a:t>
             </a:fld>
             <a:endParaRPr lang="zh-CN" altLang="en-US"/>
           </a:p>
@@ -3298,7 +4186,7 @@
           <a:p>
             <a:fld id="{D494CCE0-7367-4BD1-B6C8-BDBDF017F951}" type="datetimeFigureOut">
               <a:rPr lang="zh-CN" altLang="en-US" smtClean="0"/>
-              <a:t>2023/1/19</a:t>
+              <a:t>2023/1/27</a:t>
             </a:fld>
             <a:endParaRPr lang="zh-CN" altLang="en-US"/>
           </a:p>
@@ -3527,7 +4415,7 @@
           <a:p>
             <a:fld id="{D494CCE0-7367-4BD1-B6C8-BDBDF017F951}" type="datetimeFigureOut">
               <a:rPr lang="zh-CN" altLang="en-US" smtClean="0"/>
-              <a:t>2023/1/19</a:t>
+              <a:t>2023/1/27</a:t>
             </a:fld>
             <a:endParaRPr lang="zh-CN" altLang="en-US"/>
           </a:p>
@@ -3891,7 +4779,7 @@
           <a:p>
             <a:fld id="{D494CCE0-7367-4BD1-B6C8-BDBDF017F951}" type="datetimeFigureOut">
               <a:rPr lang="zh-CN" altLang="en-US" smtClean="0"/>
-              <a:t>2023/1/19</a:t>
+              <a:t>2023/1/27</a:t>
             </a:fld>
             <a:endParaRPr lang="zh-CN" altLang="en-US"/>
           </a:p>
@@ -4008,7 +4896,7 @@
           <a:p>
             <a:fld id="{D494CCE0-7367-4BD1-B6C8-BDBDF017F951}" type="datetimeFigureOut">
               <a:rPr lang="zh-CN" altLang="en-US" smtClean="0"/>
-              <a:t>2023/1/19</a:t>
+              <a:t>2023/1/27</a:t>
             </a:fld>
             <a:endParaRPr lang="zh-CN" altLang="en-US"/>
           </a:p>
@@ -4103,7 +4991,7 @@
           <a:p>
             <a:fld id="{D494CCE0-7367-4BD1-B6C8-BDBDF017F951}" type="datetimeFigureOut">
               <a:rPr lang="zh-CN" altLang="en-US" smtClean="0"/>
-              <a:t>2023/1/19</a:t>
+              <a:t>2023/1/27</a:t>
             </a:fld>
             <a:endParaRPr lang="zh-CN" altLang="en-US"/>
           </a:p>
@@ -4378,7 +5266,7 @@
           <a:p>
             <a:fld id="{D494CCE0-7367-4BD1-B6C8-BDBDF017F951}" type="datetimeFigureOut">
               <a:rPr lang="zh-CN" altLang="en-US" smtClean="0"/>
-              <a:t>2023/1/19</a:t>
+              <a:t>2023/1/27</a:t>
             </a:fld>
             <a:endParaRPr lang="zh-CN" altLang="en-US"/>
           </a:p>
@@ -4630,7 +5518,7 @@
           <a:p>
             <a:fld id="{D494CCE0-7367-4BD1-B6C8-BDBDF017F951}" type="datetimeFigureOut">
               <a:rPr lang="zh-CN" altLang="en-US" smtClean="0"/>
-              <a:t>2023/1/19</a:t>
+              <a:t>2023/1/27</a:t>
             </a:fld>
             <a:endParaRPr lang="zh-CN" altLang="en-US"/>
           </a:p>
@@ -4866,7 +5754,7 @@
           <a:p>
             <a:fld id="{D494CCE0-7367-4BD1-B6C8-BDBDF017F951}" type="datetimeFigureOut">
               <a:rPr lang="zh-CN" altLang="en-US" smtClean="0"/>
-              <a:t>2023/1/19</a:t>
+              <a:t>2023/1/27</a:t>
             </a:fld>
             <a:endParaRPr lang="zh-CN" altLang="en-US"/>
           </a:p>
@@ -6297,6 +7185,1787 @@
 </file>
 
 <file path=ppt/slides/slide10.xml><?xml version="1.0" encoding="utf-8"?>
+<p:sld xmlns:a="http://schemas.openxmlformats.org/drawingml/2006/main" xmlns:r="http://schemas.openxmlformats.org/officeDocument/2006/relationships" xmlns:p="http://schemas.openxmlformats.org/presentationml/2006/main">
+  <p:cSld>
+    <p:spTree>
+      <p:nvGrpSpPr>
+        <p:cNvPr id="1" name=""/>
+        <p:cNvGrpSpPr/>
+        <p:nvPr/>
+      </p:nvGrpSpPr>
+      <p:grpSpPr>
+        <a:xfrm>
+          <a:off x="0" y="0"/>
+          <a:ext cx="0" cy="0"/>
+          <a:chOff x="0" y="0"/>
+          <a:chExt cx="0" cy="0"/>
+        </a:xfrm>
+      </p:grpSpPr>
+      <p:sp>
+        <p:nvSpPr>
+          <p:cNvPr id="11" name="文本框 10">
+            <a:extLst>
+              <a:ext uri="{FF2B5EF4-FFF2-40B4-BE49-F238E27FC236}">
+                <a16:creationId xmlns:a16="http://schemas.microsoft.com/office/drawing/2014/main" id="{5F3E6489-9BD8-BF41-18EE-BB03FA324E4B}"/>
+              </a:ext>
+            </a:extLst>
+          </p:cNvPr>
+          <p:cNvSpPr txBox="1"/>
+          <p:nvPr/>
+        </p:nvSpPr>
+        <p:spPr>
+          <a:xfrm>
+            <a:off x="2610110" y="3205976"/>
+            <a:ext cx="9581890" cy="646331"/>
+          </a:xfrm>
+          <a:prstGeom prst="rect">
+            <a:avLst/>
+          </a:prstGeom>
+          <a:noFill/>
+        </p:spPr>
+        <p:txBody>
+          <a:bodyPr wrap="square" rtlCol="0">
+            <a:spAutoFit/>
+          </a:bodyPr>
+          <a:lstStyle/>
+          <a:p>
+            <a:r>
+              <a:rPr kumimoji="1" lang="en-US" altLang="zh-CN" sz="3600" b="1" dirty="0">
+                <a:latin typeface="Wawati SC" pitchFamily="82" charset="-122"/>
+                <a:ea typeface="Wawati SC" pitchFamily="82" charset="-122"/>
+              </a:rPr>
+              <a:t>【</a:t>
+            </a:r>
+            <a:r>
+              <a:rPr kumimoji="1" lang="zh-CN" altLang="en-US" sz="3600" b="1" dirty="0">
+                <a:latin typeface="Wawati SC" pitchFamily="82" charset="-122"/>
+                <a:ea typeface="Wawati SC" pitchFamily="82" charset="-122"/>
+              </a:rPr>
+              <a:t>扩展</a:t>
+            </a:r>
+            <a:r>
+              <a:rPr kumimoji="1" lang="en-US" altLang="zh-CN" sz="3600" b="1" dirty="0">
+                <a:latin typeface="Wawati SC" pitchFamily="82" charset="-122"/>
+                <a:ea typeface="Wawati SC" pitchFamily="82" charset="-122"/>
+              </a:rPr>
+              <a:t>】</a:t>
+            </a:r>
+            <a:r>
+              <a:rPr kumimoji="1" lang="zh-CN" altLang="en-US" sz="3600" b="1" dirty="0">
+                <a:latin typeface="Wawati SC" pitchFamily="82" charset="-122"/>
+                <a:ea typeface="Wawati SC" pitchFamily="82" charset="-122"/>
+              </a:rPr>
+              <a:t>第</a:t>
+            </a:r>
+            <a:r>
+              <a:rPr kumimoji="1" lang="en-US" altLang="zh-CN" sz="3600" b="1" dirty="0">
+                <a:latin typeface="Wawati SC" pitchFamily="82" charset="-122"/>
+                <a:ea typeface="Wawati SC" pitchFamily="82" charset="-122"/>
+              </a:rPr>
+              <a:t>7</a:t>
+            </a:r>
+            <a:r>
+              <a:rPr kumimoji="1" lang="zh-CN" altLang="en-US" sz="3600" b="1" dirty="0">
+                <a:latin typeface="Wawati SC" pitchFamily="82" charset="-122"/>
+                <a:ea typeface="Wawati SC" pitchFamily="82" charset="-122"/>
+              </a:rPr>
+              <a:t>节：多组任务服务配置</a:t>
+            </a:r>
+            <a:endParaRPr kumimoji="1" lang="en-US" altLang="zh-CN" sz="3600" b="1" dirty="0">
+              <a:latin typeface="Wawati SC" pitchFamily="82" charset="-122"/>
+              <a:ea typeface="Wawati SC" pitchFamily="82" charset="-122"/>
+            </a:endParaRPr>
+          </a:p>
+        </p:txBody>
+      </p:sp>
+      <p:sp>
+        <p:nvSpPr>
+          <p:cNvPr id="2" name="文本框 1">
+            <a:extLst>
+              <a:ext uri="{FF2B5EF4-FFF2-40B4-BE49-F238E27FC236}">
+                <a16:creationId xmlns:a16="http://schemas.microsoft.com/office/drawing/2014/main" id="{1F7667C4-6A67-AE70-6F0B-579ED5C15E49}"/>
+              </a:ext>
+            </a:extLst>
+          </p:cNvPr>
+          <p:cNvSpPr txBox="1"/>
+          <p:nvPr/>
+        </p:nvSpPr>
+        <p:spPr>
+          <a:xfrm>
+            <a:off x="-1456267" y="2506133"/>
+            <a:ext cx="184731" cy="369332"/>
+          </a:xfrm>
+          <a:prstGeom prst="rect">
+            <a:avLst/>
+          </a:prstGeom>
+          <a:noFill/>
+        </p:spPr>
+        <p:txBody>
+          <a:bodyPr wrap="none" rtlCol="0">
+            <a:spAutoFit/>
+          </a:bodyPr>
+          <a:lstStyle/>
+          <a:p>
+            <a:endParaRPr kumimoji="1" lang="zh-CN" altLang="en-US" dirty="0"/>
+          </a:p>
+        </p:txBody>
+      </p:sp>
+    </p:spTree>
+    <p:extLst>
+      <p:ext uri="{BB962C8B-B14F-4D97-AF65-F5344CB8AC3E}">
+        <p14:creationId xmlns:p14="http://schemas.microsoft.com/office/powerpoint/2010/main" val="2567106154"/>
+      </p:ext>
+    </p:extLst>
+  </p:cSld>
+  <p:clrMapOvr>
+    <a:masterClrMapping/>
+  </p:clrMapOvr>
+</p:sld>
+</file>
+
+<file path=ppt/slides/slide11.xml><?xml version="1.0" encoding="utf-8"?>
+<p:sld xmlns:a="http://schemas.openxmlformats.org/drawingml/2006/main" xmlns:r="http://schemas.openxmlformats.org/officeDocument/2006/relationships" xmlns:p="http://schemas.openxmlformats.org/presentationml/2006/main">
+  <p:cSld>
+    <p:spTree>
+      <p:nvGrpSpPr>
+        <p:cNvPr id="1" name=""/>
+        <p:cNvGrpSpPr/>
+        <p:nvPr/>
+      </p:nvGrpSpPr>
+      <p:grpSpPr>
+        <a:xfrm>
+          <a:off x="0" y="0"/>
+          <a:ext cx="0" cy="0"/>
+          <a:chOff x="0" y="0"/>
+          <a:chExt cx="0" cy="0"/>
+        </a:xfrm>
+      </p:grpSpPr>
+      <p:sp>
+        <p:nvSpPr>
+          <p:cNvPr id="3" name="圆角矩形 2">
+            <a:extLst>
+              <a:ext uri="{FF2B5EF4-FFF2-40B4-BE49-F238E27FC236}">
+                <a16:creationId xmlns:a16="http://schemas.microsoft.com/office/drawing/2014/main" id="{8EE09DAF-15A9-269F-6812-6854F708D944}"/>
+              </a:ext>
+            </a:extLst>
+          </p:cNvPr>
+          <p:cNvSpPr/>
+          <p:nvPr/>
+        </p:nvSpPr>
+        <p:spPr>
+          <a:xfrm>
+            <a:off x="0" y="826718"/>
+            <a:ext cx="12192000" cy="5185775"/>
+          </a:xfrm>
+          <a:prstGeom prst="roundRect">
+            <a:avLst>
+              <a:gd name="adj" fmla="val 0"/>
+            </a:avLst>
+          </a:prstGeom>
+          <a:solidFill>
+            <a:schemeClr val="bg1"/>
+          </a:solidFill>
+          <a:ln>
+            <a:noFill/>
+          </a:ln>
+        </p:spPr>
+        <p:style>
+          <a:lnRef idx="2">
+            <a:schemeClr val="accent1">
+              <a:shade val="50000"/>
+            </a:schemeClr>
+          </a:lnRef>
+          <a:fillRef idx="1">
+            <a:schemeClr val="accent1"/>
+          </a:fillRef>
+          <a:effectRef idx="0">
+            <a:schemeClr val="accent1"/>
+          </a:effectRef>
+          <a:fontRef idx="minor">
+            <a:schemeClr val="lt1"/>
+          </a:fontRef>
+        </p:style>
+        <p:txBody>
+          <a:bodyPr rtlCol="0" anchor="ctr"/>
+          <a:lstStyle/>
+          <a:p>
+            <a:pPr algn="ctr"/>
+            <a:endParaRPr kumimoji="1" lang="zh-CN" altLang="en-US" dirty="0"/>
+          </a:p>
+        </p:txBody>
+      </p:sp>
+      <p:sp>
+        <p:nvSpPr>
+          <p:cNvPr id="4" name="圆角矩形 3">
+            <a:extLst>
+              <a:ext uri="{FF2B5EF4-FFF2-40B4-BE49-F238E27FC236}">
+                <a16:creationId xmlns:a16="http://schemas.microsoft.com/office/drawing/2014/main" id="{1C2F1B7E-CA0E-EA0D-40C3-191E82AAC705}"/>
+              </a:ext>
+            </a:extLst>
+          </p:cNvPr>
+          <p:cNvSpPr/>
+          <p:nvPr/>
+        </p:nvSpPr>
+        <p:spPr>
+          <a:xfrm>
+            <a:off x="1052186" y="2080248"/>
+            <a:ext cx="1515650" cy="1214097"/>
+          </a:xfrm>
+          <a:prstGeom prst="roundRect">
+            <a:avLst>
+              <a:gd name="adj" fmla="val 8413"/>
+            </a:avLst>
+          </a:prstGeom>
+          <a:solidFill>
+            <a:srgbClr val="C00000"/>
+          </a:solidFill>
+          <a:ln>
+            <a:noFill/>
+          </a:ln>
+        </p:spPr>
+        <p:style>
+          <a:lnRef idx="2">
+            <a:schemeClr val="accent1">
+              <a:shade val="50000"/>
+            </a:schemeClr>
+          </a:lnRef>
+          <a:fillRef idx="1">
+            <a:schemeClr val="accent1"/>
+          </a:fillRef>
+          <a:effectRef idx="0">
+            <a:schemeClr val="accent1"/>
+          </a:effectRef>
+          <a:fontRef idx="minor">
+            <a:schemeClr val="lt1"/>
+          </a:fontRef>
+        </p:style>
+        <p:txBody>
+          <a:bodyPr rtlCol="0" anchor="ctr"/>
+          <a:lstStyle/>
+          <a:p>
+            <a:pPr algn="ctr"/>
+            <a:r>
+              <a:rPr kumimoji="1" lang="zh-CN" altLang="en-US" dirty="0"/>
+              <a:t>知识星球</a:t>
+            </a:r>
+            <a:r>
+              <a:rPr kumimoji="1" lang="en-US" altLang="zh-CN" dirty="0"/>
+              <a:t>01</a:t>
+            </a:r>
+            <a:endParaRPr kumimoji="1" lang="zh-CN" altLang="en-US" dirty="0"/>
+          </a:p>
+        </p:txBody>
+      </p:sp>
+      <p:sp>
+        <p:nvSpPr>
+          <p:cNvPr id="5" name="圆角矩形 4">
+            <a:extLst>
+              <a:ext uri="{FF2B5EF4-FFF2-40B4-BE49-F238E27FC236}">
+                <a16:creationId xmlns:a16="http://schemas.microsoft.com/office/drawing/2014/main" id="{6ED0B84C-9A6D-2F6E-AA46-C8763166C763}"/>
+              </a:ext>
+            </a:extLst>
+          </p:cNvPr>
+          <p:cNvSpPr/>
+          <p:nvPr/>
+        </p:nvSpPr>
+        <p:spPr>
+          <a:xfrm>
+            <a:off x="5382160" y="2080248"/>
+            <a:ext cx="1515650" cy="1214097"/>
+          </a:xfrm>
+          <a:prstGeom prst="roundRect">
+            <a:avLst>
+              <a:gd name="adj" fmla="val 8413"/>
+            </a:avLst>
+          </a:prstGeom>
+          <a:solidFill>
+            <a:schemeClr val="tx1"/>
+          </a:solidFill>
+          <a:ln>
+            <a:noFill/>
+          </a:ln>
+        </p:spPr>
+        <p:style>
+          <a:lnRef idx="2">
+            <a:schemeClr val="accent1">
+              <a:shade val="50000"/>
+            </a:schemeClr>
+          </a:lnRef>
+          <a:fillRef idx="1">
+            <a:schemeClr val="accent1"/>
+          </a:fillRef>
+          <a:effectRef idx="0">
+            <a:schemeClr val="accent1"/>
+          </a:effectRef>
+          <a:fontRef idx="minor">
+            <a:schemeClr val="lt1"/>
+          </a:fontRef>
+        </p:style>
+        <p:txBody>
+          <a:bodyPr rtlCol="0" anchor="ctr"/>
+          <a:lstStyle/>
+          <a:p>
+            <a:pPr algn="ctr"/>
+            <a:r>
+              <a:rPr kumimoji="1" lang="en-US" altLang="zh-CN" dirty="0"/>
+              <a:t>Chatbot</a:t>
+            </a:r>
+            <a:r>
+              <a:rPr kumimoji="1" lang="zh-CN" altLang="en-US" dirty="0"/>
+              <a:t> </a:t>
+            </a:r>
+            <a:endParaRPr kumimoji="1" lang="en-US" altLang="zh-CN" dirty="0"/>
+          </a:p>
+          <a:p>
+            <a:pPr algn="ctr"/>
+            <a:r>
+              <a:rPr kumimoji="1" lang="zh-CN" altLang="en-US" dirty="0"/>
+              <a:t>应用</a:t>
+            </a:r>
+          </a:p>
+        </p:txBody>
+      </p:sp>
+      <p:cxnSp>
+        <p:nvCxnSpPr>
+          <p:cNvPr id="7" name="直线箭头连接符 6">
+            <a:extLst>
+              <a:ext uri="{FF2B5EF4-FFF2-40B4-BE49-F238E27FC236}">
+                <a16:creationId xmlns:a16="http://schemas.microsoft.com/office/drawing/2014/main" id="{1D80DB8F-2B82-1B3C-A624-388B81E7EB9C}"/>
+              </a:ext>
+            </a:extLst>
+          </p:cNvPr>
+          <p:cNvCxnSpPr>
+            <a:cxnSpLocks/>
+            <a:stCxn id="4" idx="3"/>
+            <a:endCxn id="5" idx="1"/>
+          </p:cNvCxnSpPr>
+          <p:nvPr/>
+        </p:nvCxnSpPr>
+        <p:spPr>
+          <a:xfrm>
+            <a:off x="2567836" y="2687297"/>
+            <a:ext cx="2814324" cy="0"/>
+          </a:xfrm>
+          <a:prstGeom prst="straightConnector1">
+            <a:avLst/>
+          </a:prstGeom>
+          <a:ln w="28575">
+            <a:tailEnd type="triangle"/>
+          </a:ln>
+        </p:spPr>
+        <p:style>
+          <a:lnRef idx="1">
+            <a:schemeClr val="dk1"/>
+          </a:lnRef>
+          <a:fillRef idx="0">
+            <a:schemeClr val="dk1"/>
+          </a:fillRef>
+          <a:effectRef idx="0">
+            <a:schemeClr val="dk1"/>
+          </a:effectRef>
+          <a:fontRef idx="minor">
+            <a:schemeClr val="tx1"/>
+          </a:fontRef>
+        </p:style>
+      </p:cxnSp>
+      <p:sp>
+        <p:nvSpPr>
+          <p:cNvPr id="8" name="圆角矩形 7">
+            <a:extLst>
+              <a:ext uri="{FF2B5EF4-FFF2-40B4-BE49-F238E27FC236}">
+                <a16:creationId xmlns:a16="http://schemas.microsoft.com/office/drawing/2014/main" id="{6279ADFC-B377-C371-B5E6-BD723E0BB001}"/>
+              </a:ext>
+            </a:extLst>
+          </p:cNvPr>
+          <p:cNvSpPr/>
+          <p:nvPr/>
+        </p:nvSpPr>
+        <p:spPr>
+          <a:xfrm>
+            <a:off x="1052186" y="3833428"/>
+            <a:ext cx="1515650" cy="1214097"/>
+          </a:xfrm>
+          <a:prstGeom prst="roundRect">
+            <a:avLst>
+              <a:gd name="adj" fmla="val 8413"/>
+            </a:avLst>
+          </a:prstGeom>
+          <a:solidFill>
+            <a:srgbClr val="C00000"/>
+          </a:solidFill>
+          <a:ln>
+            <a:noFill/>
+          </a:ln>
+        </p:spPr>
+        <p:style>
+          <a:lnRef idx="2">
+            <a:schemeClr val="accent1">
+              <a:shade val="50000"/>
+            </a:schemeClr>
+          </a:lnRef>
+          <a:fillRef idx="1">
+            <a:schemeClr val="accent1"/>
+          </a:fillRef>
+          <a:effectRef idx="0">
+            <a:schemeClr val="accent1"/>
+          </a:effectRef>
+          <a:fontRef idx="minor">
+            <a:schemeClr val="lt1"/>
+          </a:fontRef>
+        </p:style>
+        <p:txBody>
+          <a:bodyPr rtlCol="0" anchor="ctr"/>
+          <a:lstStyle/>
+          <a:p>
+            <a:pPr algn="ctr"/>
+            <a:r>
+              <a:rPr kumimoji="1" lang="zh-CN" altLang="en-US" dirty="0"/>
+              <a:t>知识星球</a:t>
+            </a:r>
+            <a:r>
+              <a:rPr kumimoji="1" lang="en-US" altLang="zh-CN" dirty="0"/>
+              <a:t>02</a:t>
+            </a:r>
+            <a:endParaRPr kumimoji="1" lang="zh-CN" altLang="en-US" dirty="0"/>
+          </a:p>
+        </p:txBody>
+      </p:sp>
+      <p:sp>
+        <p:nvSpPr>
+          <p:cNvPr id="10" name="圆角矩形 9">
+            <a:extLst>
+              <a:ext uri="{FF2B5EF4-FFF2-40B4-BE49-F238E27FC236}">
+                <a16:creationId xmlns:a16="http://schemas.microsoft.com/office/drawing/2014/main" id="{A6D50ECB-5A0C-EF8F-3C9B-647E863D4AB4}"/>
+              </a:ext>
+            </a:extLst>
+          </p:cNvPr>
+          <p:cNvSpPr/>
+          <p:nvPr/>
+        </p:nvSpPr>
+        <p:spPr>
+          <a:xfrm>
+            <a:off x="8787080" y="2080247"/>
+            <a:ext cx="1515650" cy="1214097"/>
+          </a:xfrm>
+          <a:prstGeom prst="roundRect">
+            <a:avLst>
+              <a:gd name="adj" fmla="val 8413"/>
+            </a:avLst>
+          </a:prstGeom>
+          <a:solidFill>
+            <a:schemeClr val="accent5"/>
+          </a:solidFill>
+          <a:ln>
+            <a:noFill/>
+          </a:ln>
+        </p:spPr>
+        <p:style>
+          <a:lnRef idx="2">
+            <a:schemeClr val="accent1">
+              <a:shade val="50000"/>
+            </a:schemeClr>
+          </a:lnRef>
+          <a:fillRef idx="1">
+            <a:schemeClr val="accent1"/>
+          </a:fillRef>
+          <a:effectRef idx="0">
+            <a:schemeClr val="accent1"/>
+          </a:effectRef>
+          <a:fontRef idx="minor">
+            <a:schemeClr val="lt1"/>
+          </a:fontRef>
+        </p:style>
+        <p:txBody>
+          <a:bodyPr rtlCol="0" anchor="ctr"/>
+          <a:lstStyle/>
+          <a:p>
+            <a:pPr algn="ctr"/>
+            <a:r>
+              <a:rPr kumimoji="1" lang="en-US" altLang="zh-CN" dirty="0"/>
+              <a:t>Job</a:t>
+            </a:r>
+            <a:r>
+              <a:rPr kumimoji="1" lang="zh-CN" altLang="en-US" dirty="0"/>
+              <a:t> 服务</a:t>
+            </a:r>
+            <a:endParaRPr kumimoji="1" lang="en-US" altLang="zh-CN" dirty="0"/>
+          </a:p>
+        </p:txBody>
+      </p:sp>
+      <p:cxnSp>
+        <p:nvCxnSpPr>
+          <p:cNvPr id="13" name="直线箭头连接符 12">
+            <a:extLst>
+              <a:ext uri="{FF2B5EF4-FFF2-40B4-BE49-F238E27FC236}">
+                <a16:creationId xmlns:a16="http://schemas.microsoft.com/office/drawing/2014/main" id="{1FF01767-FCFD-E8EF-47B1-1215AFC3C45D}"/>
+              </a:ext>
+            </a:extLst>
+          </p:cNvPr>
+          <p:cNvCxnSpPr>
+            <a:stCxn id="5" idx="3"/>
+            <a:endCxn id="10" idx="1"/>
+          </p:cNvCxnSpPr>
+          <p:nvPr/>
+        </p:nvCxnSpPr>
+        <p:spPr>
+          <a:xfrm flipV="1">
+            <a:off x="6897810" y="2687296"/>
+            <a:ext cx="1889270" cy="1"/>
+          </a:xfrm>
+          <a:prstGeom prst="straightConnector1">
+            <a:avLst/>
+          </a:prstGeom>
+          <a:ln w="28575">
+            <a:tailEnd type="triangle"/>
+          </a:ln>
+        </p:spPr>
+        <p:style>
+          <a:lnRef idx="1">
+            <a:schemeClr val="dk1"/>
+          </a:lnRef>
+          <a:fillRef idx="0">
+            <a:schemeClr val="dk1"/>
+          </a:fillRef>
+          <a:effectRef idx="0">
+            <a:schemeClr val="dk1"/>
+          </a:effectRef>
+          <a:fontRef idx="minor">
+            <a:schemeClr val="tx1"/>
+          </a:fontRef>
+        </p:style>
+      </p:cxnSp>
+    </p:spTree>
+    <p:extLst>
+      <p:ext uri="{BB962C8B-B14F-4D97-AF65-F5344CB8AC3E}">
+        <p14:creationId xmlns:p14="http://schemas.microsoft.com/office/powerpoint/2010/main" val="2770689871"/>
+      </p:ext>
+    </p:extLst>
+  </p:cSld>
+  <p:clrMapOvr>
+    <a:masterClrMapping/>
+  </p:clrMapOvr>
+</p:sld>
+</file>
+
+<file path=ppt/slides/slide12.xml><?xml version="1.0" encoding="utf-8"?>
+<p:sld xmlns:a="http://schemas.openxmlformats.org/drawingml/2006/main" xmlns:r="http://schemas.openxmlformats.org/officeDocument/2006/relationships" xmlns:p="http://schemas.openxmlformats.org/presentationml/2006/main">
+  <p:cSld>
+    <p:spTree>
+      <p:nvGrpSpPr>
+        <p:cNvPr id="1" name=""/>
+        <p:cNvGrpSpPr/>
+        <p:nvPr/>
+      </p:nvGrpSpPr>
+      <p:grpSpPr>
+        <a:xfrm>
+          <a:off x="0" y="0"/>
+          <a:ext cx="0" cy="0"/>
+          <a:chOff x="0" y="0"/>
+          <a:chExt cx="0" cy="0"/>
+        </a:xfrm>
+      </p:grpSpPr>
+      <p:sp>
+        <p:nvSpPr>
+          <p:cNvPr id="3" name="圆角矩形 2">
+            <a:extLst>
+              <a:ext uri="{FF2B5EF4-FFF2-40B4-BE49-F238E27FC236}">
+                <a16:creationId xmlns:a16="http://schemas.microsoft.com/office/drawing/2014/main" id="{8EE09DAF-15A9-269F-6812-6854F708D944}"/>
+              </a:ext>
+            </a:extLst>
+          </p:cNvPr>
+          <p:cNvSpPr/>
+          <p:nvPr/>
+        </p:nvSpPr>
+        <p:spPr>
+          <a:xfrm>
+            <a:off x="0" y="826718"/>
+            <a:ext cx="12192000" cy="5185775"/>
+          </a:xfrm>
+          <a:prstGeom prst="roundRect">
+            <a:avLst>
+              <a:gd name="adj" fmla="val 0"/>
+            </a:avLst>
+          </a:prstGeom>
+          <a:solidFill>
+            <a:schemeClr val="bg1"/>
+          </a:solidFill>
+          <a:ln>
+            <a:noFill/>
+          </a:ln>
+        </p:spPr>
+        <p:style>
+          <a:lnRef idx="2">
+            <a:schemeClr val="accent1">
+              <a:shade val="50000"/>
+            </a:schemeClr>
+          </a:lnRef>
+          <a:fillRef idx="1">
+            <a:schemeClr val="accent1"/>
+          </a:fillRef>
+          <a:effectRef idx="0">
+            <a:schemeClr val="accent1"/>
+          </a:effectRef>
+          <a:fontRef idx="minor">
+            <a:schemeClr val="lt1"/>
+          </a:fontRef>
+        </p:style>
+        <p:txBody>
+          <a:bodyPr rtlCol="0" anchor="ctr"/>
+          <a:lstStyle/>
+          <a:p>
+            <a:pPr algn="ctr"/>
+            <a:endParaRPr kumimoji="1" lang="zh-CN" altLang="en-US" dirty="0"/>
+          </a:p>
+        </p:txBody>
+      </p:sp>
+      <p:sp>
+        <p:nvSpPr>
+          <p:cNvPr id="4" name="圆角矩形 3">
+            <a:extLst>
+              <a:ext uri="{FF2B5EF4-FFF2-40B4-BE49-F238E27FC236}">
+                <a16:creationId xmlns:a16="http://schemas.microsoft.com/office/drawing/2014/main" id="{1C2F1B7E-CA0E-EA0D-40C3-191E82AAC705}"/>
+              </a:ext>
+            </a:extLst>
+          </p:cNvPr>
+          <p:cNvSpPr/>
+          <p:nvPr/>
+        </p:nvSpPr>
+        <p:spPr>
+          <a:xfrm>
+            <a:off x="1052186" y="2080248"/>
+            <a:ext cx="1515650" cy="1214097"/>
+          </a:xfrm>
+          <a:prstGeom prst="roundRect">
+            <a:avLst>
+              <a:gd name="adj" fmla="val 8413"/>
+            </a:avLst>
+          </a:prstGeom>
+          <a:solidFill>
+            <a:srgbClr val="C00000"/>
+          </a:solidFill>
+          <a:ln>
+            <a:noFill/>
+          </a:ln>
+        </p:spPr>
+        <p:style>
+          <a:lnRef idx="2">
+            <a:schemeClr val="accent1">
+              <a:shade val="50000"/>
+            </a:schemeClr>
+          </a:lnRef>
+          <a:fillRef idx="1">
+            <a:schemeClr val="accent1"/>
+          </a:fillRef>
+          <a:effectRef idx="0">
+            <a:schemeClr val="accent1"/>
+          </a:effectRef>
+          <a:fontRef idx="minor">
+            <a:schemeClr val="lt1"/>
+          </a:fontRef>
+        </p:style>
+        <p:txBody>
+          <a:bodyPr rtlCol="0" anchor="ctr"/>
+          <a:lstStyle/>
+          <a:p>
+            <a:pPr algn="ctr"/>
+            <a:r>
+              <a:rPr kumimoji="1" lang="zh-CN" altLang="en-US" dirty="0"/>
+              <a:t>知识星球</a:t>
+            </a:r>
+            <a:r>
+              <a:rPr kumimoji="1" lang="en-US" altLang="zh-CN" dirty="0"/>
+              <a:t>01</a:t>
+            </a:r>
+            <a:endParaRPr kumimoji="1" lang="zh-CN" altLang="en-US" dirty="0"/>
+          </a:p>
+        </p:txBody>
+      </p:sp>
+      <p:sp>
+        <p:nvSpPr>
+          <p:cNvPr id="5" name="圆角矩形 4">
+            <a:extLst>
+              <a:ext uri="{FF2B5EF4-FFF2-40B4-BE49-F238E27FC236}">
+                <a16:creationId xmlns:a16="http://schemas.microsoft.com/office/drawing/2014/main" id="{6ED0B84C-9A6D-2F6E-AA46-C8763166C763}"/>
+              </a:ext>
+            </a:extLst>
+          </p:cNvPr>
+          <p:cNvSpPr/>
+          <p:nvPr/>
+        </p:nvSpPr>
+        <p:spPr>
+          <a:xfrm>
+            <a:off x="5382160" y="2080248"/>
+            <a:ext cx="1515650" cy="1214097"/>
+          </a:xfrm>
+          <a:prstGeom prst="roundRect">
+            <a:avLst>
+              <a:gd name="adj" fmla="val 8413"/>
+            </a:avLst>
+          </a:prstGeom>
+          <a:solidFill>
+            <a:schemeClr val="tx1"/>
+          </a:solidFill>
+          <a:ln>
+            <a:noFill/>
+          </a:ln>
+        </p:spPr>
+        <p:style>
+          <a:lnRef idx="2">
+            <a:schemeClr val="accent1">
+              <a:shade val="50000"/>
+            </a:schemeClr>
+          </a:lnRef>
+          <a:fillRef idx="1">
+            <a:schemeClr val="accent1"/>
+          </a:fillRef>
+          <a:effectRef idx="0">
+            <a:schemeClr val="accent1"/>
+          </a:effectRef>
+          <a:fontRef idx="minor">
+            <a:schemeClr val="lt1"/>
+          </a:fontRef>
+        </p:style>
+        <p:txBody>
+          <a:bodyPr rtlCol="0" anchor="ctr"/>
+          <a:lstStyle/>
+          <a:p>
+            <a:pPr algn="ctr"/>
+            <a:r>
+              <a:rPr kumimoji="1" lang="en-US" altLang="zh-CN" dirty="0"/>
+              <a:t>Chatbot</a:t>
+            </a:r>
+            <a:r>
+              <a:rPr kumimoji="1" lang="zh-CN" altLang="en-US" dirty="0"/>
+              <a:t> </a:t>
+            </a:r>
+            <a:endParaRPr kumimoji="1" lang="en-US" altLang="zh-CN" dirty="0"/>
+          </a:p>
+          <a:p>
+            <a:pPr algn="ctr"/>
+            <a:r>
+              <a:rPr kumimoji="1" lang="zh-CN" altLang="en-US" dirty="0"/>
+              <a:t>应用</a:t>
+            </a:r>
+          </a:p>
+        </p:txBody>
+      </p:sp>
+      <p:cxnSp>
+        <p:nvCxnSpPr>
+          <p:cNvPr id="7" name="直线箭头连接符 6">
+            <a:extLst>
+              <a:ext uri="{FF2B5EF4-FFF2-40B4-BE49-F238E27FC236}">
+                <a16:creationId xmlns:a16="http://schemas.microsoft.com/office/drawing/2014/main" id="{1D80DB8F-2B82-1B3C-A624-388B81E7EB9C}"/>
+              </a:ext>
+            </a:extLst>
+          </p:cNvPr>
+          <p:cNvCxnSpPr>
+            <a:cxnSpLocks/>
+            <a:stCxn id="4" idx="3"/>
+            <a:endCxn id="5" idx="1"/>
+          </p:cNvCxnSpPr>
+          <p:nvPr/>
+        </p:nvCxnSpPr>
+        <p:spPr>
+          <a:xfrm>
+            <a:off x="2567836" y="2687297"/>
+            <a:ext cx="2814324" cy="0"/>
+          </a:xfrm>
+          <a:prstGeom prst="straightConnector1">
+            <a:avLst/>
+          </a:prstGeom>
+          <a:ln w="28575">
+            <a:tailEnd type="triangle"/>
+          </a:ln>
+        </p:spPr>
+        <p:style>
+          <a:lnRef idx="1">
+            <a:schemeClr val="dk1"/>
+          </a:lnRef>
+          <a:fillRef idx="0">
+            <a:schemeClr val="dk1"/>
+          </a:fillRef>
+          <a:effectRef idx="0">
+            <a:schemeClr val="dk1"/>
+          </a:effectRef>
+          <a:fontRef idx="minor">
+            <a:schemeClr val="tx1"/>
+          </a:fontRef>
+        </p:style>
+      </p:cxnSp>
+      <p:sp>
+        <p:nvSpPr>
+          <p:cNvPr id="10" name="圆角矩形 9">
+            <a:extLst>
+              <a:ext uri="{FF2B5EF4-FFF2-40B4-BE49-F238E27FC236}">
+                <a16:creationId xmlns:a16="http://schemas.microsoft.com/office/drawing/2014/main" id="{A6D50ECB-5A0C-EF8F-3C9B-647E863D4AB4}"/>
+              </a:ext>
+            </a:extLst>
+          </p:cNvPr>
+          <p:cNvSpPr/>
+          <p:nvPr/>
+        </p:nvSpPr>
+        <p:spPr>
+          <a:xfrm>
+            <a:off x="8787080" y="2080247"/>
+            <a:ext cx="1515650" cy="1214097"/>
+          </a:xfrm>
+          <a:prstGeom prst="roundRect">
+            <a:avLst>
+              <a:gd name="adj" fmla="val 8413"/>
+            </a:avLst>
+          </a:prstGeom>
+          <a:solidFill>
+            <a:schemeClr val="accent5"/>
+          </a:solidFill>
+          <a:ln>
+            <a:noFill/>
+          </a:ln>
+        </p:spPr>
+        <p:style>
+          <a:lnRef idx="2">
+            <a:schemeClr val="accent1">
+              <a:shade val="50000"/>
+            </a:schemeClr>
+          </a:lnRef>
+          <a:fillRef idx="1">
+            <a:schemeClr val="accent1"/>
+          </a:fillRef>
+          <a:effectRef idx="0">
+            <a:schemeClr val="accent1"/>
+          </a:effectRef>
+          <a:fontRef idx="minor">
+            <a:schemeClr val="lt1"/>
+          </a:fontRef>
+        </p:style>
+        <p:txBody>
+          <a:bodyPr rtlCol="0" anchor="ctr"/>
+          <a:lstStyle/>
+          <a:p>
+            <a:pPr algn="ctr"/>
+            <a:r>
+              <a:rPr kumimoji="1" lang="en-US" altLang="zh-CN" dirty="0"/>
+              <a:t>Job</a:t>
+            </a:r>
+            <a:r>
+              <a:rPr kumimoji="1" lang="zh-CN" altLang="en-US" dirty="0"/>
+              <a:t> 服务</a:t>
+            </a:r>
+            <a:endParaRPr kumimoji="1" lang="en-US" altLang="zh-CN" dirty="0"/>
+          </a:p>
+        </p:txBody>
+      </p:sp>
+      <p:cxnSp>
+        <p:nvCxnSpPr>
+          <p:cNvPr id="13" name="直线箭头连接符 12">
+            <a:extLst>
+              <a:ext uri="{FF2B5EF4-FFF2-40B4-BE49-F238E27FC236}">
+                <a16:creationId xmlns:a16="http://schemas.microsoft.com/office/drawing/2014/main" id="{1FF01767-FCFD-E8EF-47B1-1215AFC3C45D}"/>
+              </a:ext>
+            </a:extLst>
+          </p:cNvPr>
+          <p:cNvCxnSpPr>
+            <a:stCxn id="5" idx="3"/>
+            <a:endCxn id="10" idx="1"/>
+          </p:cNvCxnSpPr>
+          <p:nvPr/>
+        </p:nvCxnSpPr>
+        <p:spPr>
+          <a:xfrm flipV="1">
+            <a:off x="6897810" y="2687296"/>
+            <a:ext cx="1889270" cy="1"/>
+          </a:xfrm>
+          <a:prstGeom prst="straightConnector1">
+            <a:avLst/>
+          </a:prstGeom>
+          <a:ln w="28575">
+            <a:tailEnd type="triangle"/>
+          </a:ln>
+        </p:spPr>
+        <p:style>
+          <a:lnRef idx="1">
+            <a:schemeClr val="dk1"/>
+          </a:lnRef>
+          <a:fillRef idx="0">
+            <a:schemeClr val="dk1"/>
+          </a:fillRef>
+          <a:effectRef idx="0">
+            <a:schemeClr val="dk1"/>
+          </a:effectRef>
+          <a:fontRef idx="minor">
+            <a:schemeClr val="tx1"/>
+          </a:fontRef>
+        </p:style>
+      </p:cxnSp>
+      <p:sp>
+        <p:nvSpPr>
+          <p:cNvPr id="11" name="圆角矩形 10">
+            <a:extLst>
+              <a:ext uri="{FF2B5EF4-FFF2-40B4-BE49-F238E27FC236}">
+                <a16:creationId xmlns:a16="http://schemas.microsoft.com/office/drawing/2014/main" id="{5D36AFDB-156D-2989-188A-1E20379B3E9F}"/>
+              </a:ext>
+            </a:extLst>
+          </p:cNvPr>
+          <p:cNvSpPr/>
+          <p:nvPr/>
+        </p:nvSpPr>
+        <p:spPr>
+          <a:xfrm>
+            <a:off x="1052186" y="3805475"/>
+            <a:ext cx="1515650" cy="1214097"/>
+          </a:xfrm>
+          <a:prstGeom prst="roundRect">
+            <a:avLst>
+              <a:gd name="adj" fmla="val 8413"/>
+            </a:avLst>
+          </a:prstGeom>
+          <a:solidFill>
+            <a:srgbClr val="C00000"/>
+          </a:solidFill>
+          <a:ln>
+            <a:noFill/>
+          </a:ln>
+        </p:spPr>
+        <p:style>
+          <a:lnRef idx="2">
+            <a:schemeClr val="accent1">
+              <a:shade val="50000"/>
+            </a:schemeClr>
+          </a:lnRef>
+          <a:fillRef idx="1">
+            <a:schemeClr val="accent1"/>
+          </a:fillRef>
+          <a:effectRef idx="0">
+            <a:schemeClr val="accent1"/>
+          </a:effectRef>
+          <a:fontRef idx="minor">
+            <a:schemeClr val="lt1"/>
+          </a:fontRef>
+        </p:style>
+        <p:txBody>
+          <a:bodyPr rtlCol="0" anchor="ctr"/>
+          <a:lstStyle/>
+          <a:p>
+            <a:pPr algn="ctr"/>
+            <a:r>
+              <a:rPr kumimoji="1" lang="zh-CN" altLang="en-US" dirty="0"/>
+              <a:t>知识星球</a:t>
+            </a:r>
+            <a:r>
+              <a:rPr kumimoji="1" lang="en-US" altLang="zh-CN" dirty="0"/>
+              <a:t>02</a:t>
+            </a:r>
+            <a:endParaRPr kumimoji="1" lang="zh-CN" altLang="en-US" dirty="0"/>
+          </a:p>
+        </p:txBody>
+      </p:sp>
+      <p:sp>
+        <p:nvSpPr>
+          <p:cNvPr id="12" name="圆角矩形 11">
+            <a:extLst>
+              <a:ext uri="{FF2B5EF4-FFF2-40B4-BE49-F238E27FC236}">
+                <a16:creationId xmlns:a16="http://schemas.microsoft.com/office/drawing/2014/main" id="{11E5B7B8-846C-9671-4346-9D1BE94672A4}"/>
+              </a:ext>
+            </a:extLst>
+          </p:cNvPr>
+          <p:cNvSpPr/>
+          <p:nvPr/>
+        </p:nvSpPr>
+        <p:spPr>
+          <a:xfrm>
+            <a:off x="5382160" y="3805475"/>
+            <a:ext cx="1515650" cy="1214097"/>
+          </a:xfrm>
+          <a:prstGeom prst="roundRect">
+            <a:avLst>
+              <a:gd name="adj" fmla="val 8413"/>
+            </a:avLst>
+          </a:prstGeom>
+          <a:solidFill>
+            <a:schemeClr val="tx1"/>
+          </a:solidFill>
+          <a:ln>
+            <a:noFill/>
+          </a:ln>
+        </p:spPr>
+        <p:style>
+          <a:lnRef idx="2">
+            <a:schemeClr val="accent1">
+              <a:shade val="50000"/>
+            </a:schemeClr>
+          </a:lnRef>
+          <a:fillRef idx="1">
+            <a:schemeClr val="accent1"/>
+          </a:fillRef>
+          <a:effectRef idx="0">
+            <a:schemeClr val="accent1"/>
+          </a:effectRef>
+          <a:fontRef idx="minor">
+            <a:schemeClr val="lt1"/>
+          </a:fontRef>
+        </p:style>
+        <p:txBody>
+          <a:bodyPr rtlCol="0" anchor="ctr"/>
+          <a:lstStyle/>
+          <a:p>
+            <a:pPr algn="ctr"/>
+            <a:r>
+              <a:rPr kumimoji="1" lang="en-US" altLang="zh-CN" dirty="0"/>
+              <a:t>Chatbot</a:t>
+            </a:r>
+            <a:r>
+              <a:rPr kumimoji="1" lang="zh-CN" altLang="en-US" dirty="0"/>
+              <a:t> </a:t>
+            </a:r>
+            <a:endParaRPr kumimoji="1" lang="en-US" altLang="zh-CN" dirty="0"/>
+          </a:p>
+          <a:p>
+            <a:pPr algn="ctr"/>
+            <a:r>
+              <a:rPr kumimoji="1" lang="zh-CN" altLang="en-US" dirty="0"/>
+              <a:t>应用</a:t>
+            </a:r>
+          </a:p>
+        </p:txBody>
+      </p:sp>
+      <p:cxnSp>
+        <p:nvCxnSpPr>
+          <p:cNvPr id="14" name="直线箭头连接符 13">
+            <a:extLst>
+              <a:ext uri="{FF2B5EF4-FFF2-40B4-BE49-F238E27FC236}">
+                <a16:creationId xmlns:a16="http://schemas.microsoft.com/office/drawing/2014/main" id="{C514EE12-65C6-7F29-672F-F21BF689072D}"/>
+              </a:ext>
+            </a:extLst>
+          </p:cNvPr>
+          <p:cNvCxnSpPr>
+            <a:cxnSpLocks/>
+            <a:stCxn id="11" idx="3"/>
+            <a:endCxn id="12" idx="1"/>
+          </p:cNvCxnSpPr>
+          <p:nvPr/>
+        </p:nvCxnSpPr>
+        <p:spPr>
+          <a:xfrm>
+            <a:off x="2567836" y="4412524"/>
+            <a:ext cx="2814324" cy="0"/>
+          </a:xfrm>
+          <a:prstGeom prst="straightConnector1">
+            <a:avLst/>
+          </a:prstGeom>
+          <a:ln w="28575">
+            <a:tailEnd type="triangle"/>
+          </a:ln>
+        </p:spPr>
+        <p:style>
+          <a:lnRef idx="1">
+            <a:schemeClr val="dk1"/>
+          </a:lnRef>
+          <a:fillRef idx="0">
+            <a:schemeClr val="dk1"/>
+          </a:fillRef>
+          <a:effectRef idx="0">
+            <a:schemeClr val="dk1"/>
+          </a:effectRef>
+          <a:fontRef idx="minor">
+            <a:schemeClr val="tx1"/>
+          </a:fontRef>
+        </p:style>
+      </p:cxnSp>
+      <p:sp>
+        <p:nvSpPr>
+          <p:cNvPr id="15" name="圆角矩形 14">
+            <a:extLst>
+              <a:ext uri="{FF2B5EF4-FFF2-40B4-BE49-F238E27FC236}">
+                <a16:creationId xmlns:a16="http://schemas.microsoft.com/office/drawing/2014/main" id="{B1E2A162-CD5D-2EE1-39CA-03045F700A92}"/>
+              </a:ext>
+            </a:extLst>
+          </p:cNvPr>
+          <p:cNvSpPr/>
+          <p:nvPr/>
+        </p:nvSpPr>
+        <p:spPr>
+          <a:xfrm>
+            <a:off x="8787080" y="3805474"/>
+            <a:ext cx="1515650" cy="1214097"/>
+          </a:xfrm>
+          <a:prstGeom prst="roundRect">
+            <a:avLst>
+              <a:gd name="adj" fmla="val 8413"/>
+            </a:avLst>
+          </a:prstGeom>
+          <a:solidFill>
+            <a:schemeClr val="accent5"/>
+          </a:solidFill>
+          <a:ln>
+            <a:noFill/>
+          </a:ln>
+        </p:spPr>
+        <p:style>
+          <a:lnRef idx="2">
+            <a:schemeClr val="accent1">
+              <a:shade val="50000"/>
+            </a:schemeClr>
+          </a:lnRef>
+          <a:fillRef idx="1">
+            <a:schemeClr val="accent1"/>
+          </a:fillRef>
+          <a:effectRef idx="0">
+            <a:schemeClr val="accent1"/>
+          </a:effectRef>
+          <a:fontRef idx="minor">
+            <a:schemeClr val="lt1"/>
+          </a:fontRef>
+        </p:style>
+        <p:txBody>
+          <a:bodyPr rtlCol="0" anchor="ctr"/>
+          <a:lstStyle/>
+          <a:p>
+            <a:pPr algn="ctr"/>
+            <a:r>
+              <a:rPr kumimoji="1" lang="en-US" altLang="zh-CN" dirty="0"/>
+              <a:t>Job</a:t>
+            </a:r>
+            <a:r>
+              <a:rPr kumimoji="1" lang="zh-CN" altLang="en-US" dirty="0"/>
+              <a:t> 服务</a:t>
+            </a:r>
+            <a:endParaRPr kumimoji="1" lang="en-US" altLang="zh-CN" dirty="0"/>
+          </a:p>
+        </p:txBody>
+      </p:sp>
+      <p:cxnSp>
+        <p:nvCxnSpPr>
+          <p:cNvPr id="16" name="直线箭头连接符 15">
+            <a:extLst>
+              <a:ext uri="{FF2B5EF4-FFF2-40B4-BE49-F238E27FC236}">
+                <a16:creationId xmlns:a16="http://schemas.microsoft.com/office/drawing/2014/main" id="{692A7405-FB79-BCA1-406B-D2A51A7C1540}"/>
+              </a:ext>
+            </a:extLst>
+          </p:cNvPr>
+          <p:cNvCxnSpPr>
+            <a:stCxn id="12" idx="3"/>
+            <a:endCxn id="15" idx="1"/>
+          </p:cNvCxnSpPr>
+          <p:nvPr/>
+        </p:nvCxnSpPr>
+        <p:spPr>
+          <a:xfrm flipV="1">
+            <a:off x="6897810" y="4412523"/>
+            <a:ext cx="1889270" cy="1"/>
+          </a:xfrm>
+          <a:prstGeom prst="straightConnector1">
+            <a:avLst/>
+          </a:prstGeom>
+          <a:ln w="28575">
+            <a:tailEnd type="triangle"/>
+          </a:ln>
+        </p:spPr>
+        <p:style>
+          <a:lnRef idx="1">
+            <a:schemeClr val="dk1"/>
+          </a:lnRef>
+          <a:fillRef idx="0">
+            <a:schemeClr val="dk1"/>
+          </a:fillRef>
+          <a:effectRef idx="0">
+            <a:schemeClr val="dk1"/>
+          </a:effectRef>
+          <a:fontRef idx="minor">
+            <a:schemeClr val="tx1"/>
+          </a:fontRef>
+        </p:style>
+      </p:cxnSp>
+    </p:spTree>
+    <p:extLst>
+      <p:ext uri="{BB962C8B-B14F-4D97-AF65-F5344CB8AC3E}">
+        <p14:creationId xmlns:p14="http://schemas.microsoft.com/office/powerpoint/2010/main" val="1144963535"/>
+      </p:ext>
+    </p:extLst>
+  </p:cSld>
+  <p:clrMapOvr>
+    <a:masterClrMapping/>
+  </p:clrMapOvr>
+</p:sld>
+</file>
+
+<file path=ppt/slides/slide13.xml><?xml version="1.0" encoding="utf-8"?>
+<p:sld xmlns:a="http://schemas.openxmlformats.org/drawingml/2006/main" xmlns:r="http://schemas.openxmlformats.org/officeDocument/2006/relationships" xmlns:p="http://schemas.openxmlformats.org/presentationml/2006/main">
+  <p:cSld>
+    <p:spTree>
+      <p:nvGrpSpPr>
+        <p:cNvPr id="1" name=""/>
+        <p:cNvGrpSpPr/>
+        <p:nvPr/>
+      </p:nvGrpSpPr>
+      <p:grpSpPr>
+        <a:xfrm>
+          <a:off x="0" y="0"/>
+          <a:ext cx="0" cy="0"/>
+          <a:chOff x="0" y="0"/>
+          <a:chExt cx="0" cy="0"/>
+        </a:xfrm>
+      </p:grpSpPr>
+      <p:sp>
+        <p:nvSpPr>
+          <p:cNvPr id="3" name="圆角矩形 2">
+            <a:extLst>
+              <a:ext uri="{FF2B5EF4-FFF2-40B4-BE49-F238E27FC236}">
+                <a16:creationId xmlns:a16="http://schemas.microsoft.com/office/drawing/2014/main" id="{8EE09DAF-15A9-269F-6812-6854F708D944}"/>
+              </a:ext>
+            </a:extLst>
+          </p:cNvPr>
+          <p:cNvSpPr/>
+          <p:nvPr/>
+        </p:nvSpPr>
+        <p:spPr>
+          <a:xfrm>
+            <a:off x="0" y="826718"/>
+            <a:ext cx="12192000" cy="5185775"/>
+          </a:xfrm>
+          <a:prstGeom prst="roundRect">
+            <a:avLst>
+              <a:gd name="adj" fmla="val 0"/>
+            </a:avLst>
+          </a:prstGeom>
+          <a:solidFill>
+            <a:schemeClr val="bg1"/>
+          </a:solidFill>
+          <a:ln>
+            <a:noFill/>
+          </a:ln>
+        </p:spPr>
+        <p:style>
+          <a:lnRef idx="2">
+            <a:schemeClr val="accent1">
+              <a:shade val="50000"/>
+            </a:schemeClr>
+          </a:lnRef>
+          <a:fillRef idx="1">
+            <a:schemeClr val="accent1"/>
+          </a:fillRef>
+          <a:effectRef idx="0">
+            <a:schemeClr val="accent1"/>
+          </a:effectRef>
+          <a:fontRef idx="minor">
+            <a:schemeClr val="lt1"/>
+          </a:fontRef>
+        </p:style>
+        <p:txBody>
+          <a:bodyPr rtlCol="0" anchor="ctr"/>
+          <a:lstStyle/>
+          <a:p>
+            <a:pPr algn="ctr"/>
+            <a:endParaRPr kumimoji="1" lang="zh-CN" altLang="en-US" dirty="0"/>
+          </a:p>
+        </p:txBody>
+      </p:sp>
+      <p:sp>
+        <p:nvSpPr>
+          <p:cNvPr id="4" name="圆角矩形 3">
+            <a:extLst>
+              <a:ext uri="{FF2B5EF4-FFF2-40B4-BE49-F238E27FC236}">
+                <a16:creationId xmlns:a16="http://schemas.microsoft.com/office/drawing/2014/main" id="{1C2F1B7E-CA0E-EA0D-40C3-191E82AAC705}"/>
+              </a:ext>
+            </a:extLst>
+          </p:cNvPr>
+          <p:cNvSpPr/>
+          <p:nvPr/>
+        </p:nvSpPr>
+        <p:spPr>
+          <a:xfrm>
+            <a:off x="1052186" y="2080248"/>
+            <a:ext cx="1515650" cy="1214097"/>
+          </a:xfrm>
+          <a:prstGeom prst="roundRect">
+            <a:avLst>
+              <a:gd name="adj" fmla="val 8413"/>
+            </a:avLst>
+          </a:prstGeom>
+          <a:solidFill>
+            <a:srgbClr val="C00000"/>
+          </a:solidFill>
+          <a:ln>
+            <a:noFill/>
+          </a:ln>
+        </p:spPr>
+        <p:style>
+          <a:lnRef idx="2">
+            <a:schemeClr val="accent1">
+              <a:shade val="50000"/>
+            </a:schemeClr>
+          </a:lnRef>
+          <a:fillRef idx="1">
+            <a:schemeClr val="accent1"/>
+          </a:fillRef>
+          <a:effectRef idx="0">
+            <a:schemeClr val="accent1"/>
+          </a:effectRef>
+          <a:fontRef idx="minor">
+            <a:schemeClr val="lt1"/>
+          </a:fontRef>
+        </p:style>
+        <p:txBody>
+          <a:bodyPr rtlCol="0" anchor="ctr"/>
+          <a:lstStyle/>
+          <a:p>
+            <a:pPr algn="ctr"/>
+            <a:r>
+              <a:rPr kumimoji="1" lang="zh-CN" altLang="en-US" dirty="0"/>
+              <a:t>知识星球</a:t>
+            </a:r>
+            <a:r>
+              <a:rPr kumimoji="1" lang="en-US" altLang="zh-CN" dirty="0"/>
+              <a:t>01</a:t>
+            </a:r>
+            <a:endParaRPr kumimoji="1" lang="zh-CN" altLang="en-US" dirty="0"/>
+          </a:p>
+        </p:txBody>
+      </p:sp>
+      <p:sp>
+        <p:nvSpPr>
+          <p:cNvPr id="5" name="圆角矩形 4">
+            <a:extLst>
+              <a:ext uri="{FF2B5EF4-FFF2-40B4-BE49-F238E27FC236}">
+                <a16:creationId xmlns:a16="http://schemas.microsoft.com/office/drawing/2014/main" id="{6ED0B84C-9A6D-2F6E-AA46-C8763166C763}"/>
+              </a:ext>
+            </a:extLst>
+          </p:cNvPr>
+          <p:cNvSpPr/>
+          <p:nvPr/>
+        </p:nvSpPr>
+        <p:spPr>
+          <a:xfrm>
+            <a:off x="5382160" y="2080248"/>
+            <a:ext cx="1515650" cy="1214097"/>
+          </a:xfrm>
+          <a:prstGeom prst="roundRect">
+            <a:avLst>
+              <a:gd name="adj" fmla="val 8413"/>
+            </a:avLst>
+          </a:prstGeom>
+          <a:solidFill>
+            <a:schemeClr val="tx1"/>
+          </a:solidFill>
+          <a:ln>
+            <a:noFill/>
+          </a:ln>
+        </p:spPr>
+        <p:style>
+          <a:lnRef idx="2">
+            <a:schemeClr val="accent1">
+              <a:shade val="50000"/>
+            </a:schemeClr>
+          </a:lnRef>
+          <a:fillRef idx="1">
+            <a:schemeClr val="accent1"/>
+          </a:fillRef>
+          <a:effectRef idx="0">
+            <a:schemeClr val="accent1"/>
+          </a:effectRef>
+          <a:fontRef idx="minor">
+            <a:schemeClr val="lt1"/>
+          </a:fontRef>
+        </p:style>
+        <p:txBody>
+          <a:bodyPr rtlCol="0" anchor="ctr"/>
+          <a:lstStyle/>
+          <a:p>
+            <a:pPr algn="ctr"/>
+            <a:r>
+              <a:rPr kumimoji="1" lang="en-US" altLang="zh-CN" dirty="0"/>
+              <a:t>Chatbot</a:t>
+            </a:r>
+            <a:r>
+              <a:rPr kumimoji="1" lang="zh-CN" altLang="en-US" dirty="0"/>
+              <a:t> </a:t>
+            </a:r>
+            <a:endParaRPr kumimoji="1" lang="en-US" altLang="zh-CN" dirty="0"/>
+          </a:p>
+          <a:p>
+            <a:pPr algn="ctr"/>
+            <a:r>
+              <a:rPr kumimoji="1" lang="zh-CN" altLang="en-US" dirty="0"/>
+              <a:t>应用</a:t>
+            </a:r>
+          </a:p>
+        </p:txBody>
+      </p:sp>
+      <p:cxnSp>
+        <p:nvCxnSpPr>
+          <p:cNvPr id="7" name="直线箭头连接符 6">
+            <a:extLst>
+              <a:ext uri="{FF2B5EF4-FFF2-40B4-BE49-F238E27FC236}">
+                <a16:creationId xmlns:a16="http://schemas.microsoft.com/office/drawing/2014/main" id="{1D80DB8F-2B82-1B3C-A624-388B81E7EB9C}"/>
+              </a:ext>
+            </a:extLst>
+          </p:cNvPr>
+          <p:cNvCxnSpPr>
+            <a:cxnSpLocks/>
+            <a:stCxn id="4" idx="3"/>
+            <a:endCxn id="5" idx="1"/>
+          </p:cNvCxnSpPr>
+          <p:nvPr/>
+        </p:nvCxnSpPr>
+        <p:spPr>
+          <a:xfrm>
+            <a:off x="2567836" y="2687297"/>
+            <a:ext cx="2814324" cy="0"/>
+          </a:xfrm>
+          <a:prstGeom prst="straightConnector1">
+            <a:avLst/>
+          </a:prstGeom>
+          <a:ln w="28575">
+            <a:tailEnd type="triangle"/>
+          </a:ln>
+        </p:spPr>
+        <p:style>
+          <a:lnRef idx="1">
+            <a:schemeClr val="dk1"/>
+          </a:lnRef>
+          <a:fillRef idx="0">
+            <a:schemeClr val="dk1"/>
+          </a:fillRef>
+          <a:effectRef idx="0">
+            <a:schemeClr val="dk1"/>
+          </a:effectRef>
+          <a:fontRef idx="minor">
+            <a:schemeClr val="tx1"/>
+          </a:fontRef>
+        </p:style>
+      </p:cxnSp>
+      <p:sp>
+        <p:nvSpPr>
+          <p:cNvPr id="10" name="圆角矩形 9">
+            <a:extLst>
+              <a:ext uri="{FF2B5EF4-FFF2-40B4-BE49-F238E27FC236}">
+                <a16:creationId xmlns:a16="http://schemas.microsoft.com/office/drawing/2014/main" id="{A6D50ECB-5A0C-EF8F-3C9B-647E863D4AB4}"/>
+              </a:ext>
+            </a:extLst>
+          </p:cNvPr>
+          <p:cNvSpPr/>
+          <p:nvPr/>
+        </p:nvSpPr>
+        <p:spPr>
+          <a:xfrm>
+            <a:off x="8787080" y="2080247"/>
+            <a:ext cx="1515650" cy="1214097"/>
+          </a:xfrm>
+          <a:prstGeom prst="roundRect">
+            <a:avLst>
+              <a:gd name="adj" fmla="val 8413"/>
+            </a:avLst>
+          </a:prstGeom>
+          <a:solidFill>
+            <a:schemeClr val="accent5"/>
+          </a:solidFill>
+          <a:ln>
+            <a:noFill/>
+          </a:ln>
+        </p:spPr>
+        <p:style>
+          <a:lnRef idx="2">
+            <a:schemeClr val="accent1">
+              <a:shade val="50000"/>
+            </a:schemeClr>
+          </a:lnRef>
+          <a:fillRef idx="1">
+            <a:schemeClr val="accent1"/>
+          </a:fillRef>
+          <a:effectRef idx="0">
+            <a:schemeClr val="accent1"/>
+          </a:effectRef>
+          <a:fontRef idx="minor">
+            <a:schemeClr val="lt1"/>
+          </a:fontRef>
+        </p:style>
+        <p:txBody>
+          <a:bodyPr rtlCol="0" anchor="ctr"/>
+          <a:lstStyle/>
+          <a:p>
+            <a:pPr algn="ctr"/>
+            <a:r>
+              <a:rPr kumimoji="1" lang="en-US" altLang="zh-CN" dirty="0"/>
+              <a:t>Job</a:t>
+            </a:r>
+            <a:r>
+              <a:rPr kumimoji="1" lang="zh-CN" altLang="en-US" dirty="0"/>
+              <a:t> 服务</a:t>
+            </a:r>
+            <a:r>
+              <a:rPr kumimoji="1" lang="en-US" altLang="zh-CN" dirty="0"/>
+              <a:t>01</a:t>
+            </a:r>
+          </a:p>
+        </p:txBody>
+      </p:sp>
+      <p:cxnSp>
+        <p:nvCxnSpPr>
+          <p:cNvPr id="13" name="直线箭头连接符 12">
+            <a:extLst>
+              <a:ext uri="{FF2B5EF4-FFF2-40B4-BE49-F238E27FC236}">
+                <a16:creationId xmlns:a16="http://schemas.microsoft.com/office/drawing/2014/main" id="{1FF01767-FCFD-E8EF-47B1-1215AFC3C45D}"/>
+              </a:ext>
+            </a:extLst>
+          </p:cNvPr>
+          <p:cNvCxnSpPr>
+            <a:stCxn id="5" idx="3"/>
+            <a:endCxn id="10" idx="1"/>
+          </p:cNvCxnSpPr>
+          <p:nvPr/>
+        </p:nvCxnSpPr>
+        <p:spPr>
+          <a:xfrm flipV="1">
+            <a:off x="6897810" y="2687296"/>
+            <a:ext cx="1889270" cy="1"/>
+          </a:xfrm>
+          <a:prstGeom prst="straightConnector1">
+            <a:avLst/>
+          </a:prstGeom>
+          <a:ln w="28575">
+            <a:tailEnd type="triangle"/>
+          </a:ln>
+        </p:spPr>
+        <p:style>
+          <a:lnRef idx="1">
+            <a:schemeClr val="dk1"/>
+          </a:lnRef>
+          <a:fillRef idx="0">
+            <a:schemeClr val="dk1"/>
+          </a:fillRef>
+          <a:effectRef idx="0">
+            <a:schemeClr val="dk1"/>
+          </a:effectRef>
+          <a:fontRef idx="minor">
+            <a:schemeClr val="tx1"/>
+          </a:fontRef>
+        </p:style>
+      </p:cxnSp>
+      <p:sp>
+        <p:nvSpPr>
+          <p:cNvPr id="11" name="圆角矩形 10">
+            <a:extLst>
+              <a:ext uri="{FF2B5EF4-FFF2-40B4-BE49-F238E27FC236}">
+                <a16:creationId xmlns:a16="http://schemas.microsoft.com/office/drawing/2014/main" id="{5D36AFDB-156D-2989-188A-1E20379B3E9F}"/>
+              </a:ext>
+            </a:extLst>
+          </p:cNvPr>
+          <p:cNvSpPr/>
+          <p:nvPr/>
+        </p:nvSpPr>
+        <p:spPr>
+          <a:xfrm>
+            <a:off x="1052186" y="3805475"/>
+            <a:ext cx="1515650" cy="1214097"/>
+          </a:xfrm>
+          <a:prstGeom prst="roundRect">
+            <a:avLst>
+              <a:gd name="adj" fmla="val 8413"/>
+            </a:avLst>
+          </a:prstGeom>
+          <a:solidFill>
+            <a:srgbClr val="C00000"/>
+          </a:solidFill>
+          <a:ln>
+            <a:noFill/>
+          </a:ln>
+        </p:spPr>
+        <p:style>
+          <a:lnRef idx="2">
+            <a:schemeClr val="accent1">
+              <a:shade val="50000"/>
+            </a:schemeClr>
+          </a:lnRef>
+          <a:fillRef idx="1">
+            <a:schemeClr val="accent1"/>
+          </a:fillRef>
+          <a:effectRef idx="0">
+            <a:schemeClr val="accent1"/>
+          </a:effectRef>
+          <a:fontRef idx="minor">
+            <a:schemeClr val="lt1"/>
+          </a:fontRef>
+        </p:style>
+        <p:txBody>
+          <a:bodyPr rtlCol="0" anchor="ctr"/>
+          <a:lstStyle/>
+          <a:p>
+            <a:pPr algn="ctr"/>
+            <a:r>
+              <a:rPr kumimoji="1" lang="zh-CN" altLang="en-US" dirty="0"/>
+              <a:t>知识星球</a:t>
+            </a:r>
+            <a:r>
+              <a:rPr kumimoji="1" lang="en-US" altLang="zh-CN" dirty="0"/>
+              <a:t>02</a:t>
+            </a:r>
+            <a:endParaRPr kumimoji="1" lang="zh-CN" altLang="en-US" dirty="0"/>
+          </a:p>
+        </p:txBody>
+      </p:sp>
+      <p:sp>
+        <p:nvSpPr>
+          <p:cNvPr id="15" name="圆角矩形 14">
+            <a:extLst>
+              <a:ext uri="{FF2B5EF4-FFF2-40B4-BE49-F238E27FC236}">
+                <a16:creationId xmlns:a16="http://schemas.microsoft.com/office/drawing/2014/main" id="{B1E2A162-CD5D-2EE1-39CA-03045F700A92}"/>
+              </a:ext>
+            </a:extLst>
+          </p:cNvPr>
+          <p:cNvSpPr/>
+          <p:nvPr/>
+        </p:nvSpPr>
+        <p:spPr>
+          <a:xfrm>
+            <a:off x="8787080" y="3805474"/>
+            <a:ext cx="1515650" cy="1214097"/>
+          </a:xfrm>
+          <a:prstGeom prst="roundRect">
+            <a:avLst>
+              <a:gd name="adj" fmla="val 8413"/>
+            </a:avLst>
+          </a:prstGeom>
+          <a:solidFill>
+            <a:schemeClr val="accent5"/>
+          </a:solidFill>
+          <a:ln>
+            <a:noFill/>
+          </a:ln>
+        </p:spPr>
+        <p:style>
+          <a:lnRef idx="2">
+            <a:schemeClr val="accent1">
+              <a:shade val="50000"/>
+            </a:schemeClr>
+          </a:lnRef>
+          <a:fillRef idx="1">
+            <a:schemeClr val="accent1"/>
+          </a:fillRef>
+          <a:effectRef idx="0">
+            <a:schemeClr val="accent1"/>
+          </a:effectRef>
+          <a:fontRef idx="minor">
+            <a:schemeClr val="lt1"/>
+          </a:fontRef>
+        </p:style>
+        <p:txBody>
+          <a:bodyPr rtlCol="0" anchor="ctr"/>
+          <a:lstStyle/>
+          <a:p>
+            <a:pPr algn="ctr"/>
+            <a:r>
+              <a:rPr kumimoji="1" lang="en-US" altLang="zh-CN" dirty="0"/>
+              <a:t>Job</a:t>
+            </a:r>
+            <a:r>
+              <a:rPr kumimoji="1" lang="zh-CN" altLang="en-US" dirty="0"/>
+              <a:t> 服务</a:t>
+            </a:r>
+            <a:r>
+              <a:rPr kumimoji="1" lang="en-US" altLang="zh-CN" dirty="0"/>
+              <a:t>02</a:t>
+            </a:r>
+          </a:p>
+        </p:txBody>
+      </p:sp>
+      <p:cxnSp>
+        <p:nvCxnSpPr>
+          <p:cNvPr id="16" name="直线箭头连接符 15">
+            <a:extLst>
+              <a:ext uri="{FF2B5EF4-FFF2-40B4-BE49-F238E27FC236}">
+                <a16:creationId xmlns:a16="http://schemas.microsoft.com/office/drawing/2014/main" id="{692A7405-FB79-BCA1-406B-D2A51A7C1540}"/>
+              </a:ext>
+            </a:extLst>
+          </p:cNvPr>
+          <p:cNvCxnSpPr>
+            <a:cxnSpLocks/>
+            <a:stCxn id="5" idx="3"/>
+            <a:endCxn id="15" idx="1"/>
+          </p:cNvCxnSpPr>
+          <p:nvPr/>
+        </p:nvCxnSpPr>
+        <p:spPr>
+          <a:xfrm>
+            <a:off x="6897810" y="2687297"/>
+            <a:ext cx="1889270" cy="1725226"/>
+          </a:xfrm>
+          <a:prstGeom prst="straightConnector1">
+            <a:avLst/>
+          </a:prstGeom>
+          <a:ln w="28575">
+            <a:tailEnd type="triangle"/>
+          </a:ln>
+        </p:spPr>
+        <p:style>
+          <a:lnRef idx="1">
+            <a:schemeClr val="dk1"/>
+          </a:lnRef>
+          <a:fillRef idx="0">
+            <a:schemeClr val="dk1"/>
+          </a:fillRef>
+          <a:effectRef idx="0">
+            <a:schemeClr val="dk1"/>
+          </a:effectRef>
+          <a:fontRef idx="minor">
+            <a:schemeClr val="tx1"/>
+          </a:fontRef>
+        </p:style>
+      </p:cxnSp>
+      <p:cxnSp>
+        <p:nvCxnSpPr>
+          <p:cNvPr id="6" name="直线箭头连接符 5">
+            <a:extLst>
+              <a:ext uri="{FF2B5EF4-FFF2-40B4-BE49-F238E27FC236}">
+                <a16:creationId xmlns:a16="http://schemas.microsoft.com/office/drawing/2014/main" id="{0BCF0DA1-ADF4-F970-4CF1-BD2C0BFF8785}"/>
+              </a:ext>
+            </a:extLst>
+          </p:cNvPr>
+          <p:cNvCxnSpPr>
+            <a:cxnSpLocks/>
+            <a:stCxn id="11" idx="3"/>
+            <a:endCxn id="5" idx="1"/>
+          </p:cNvCxnSpPr>
+          <p:nvPr/>
+        </p:nvCxnSpPr>
+        <p:spPr>
+          <a:xfrm flipV="1">
+            <a:off x="2567836" y="2687297"/>
+            <a:ext cx="2814324" cy="1725227"/>
+          </a:xfrm>
+          <a:prstGeom prst="straightConnector1">
+            <a:avLst/>
+          </a:prstGeom>
+          <a:ln w="28575">
+            <a:tailEnd type="triangle"/>
+          </a:ln>
+        </p:spPr>
+        <p:style>
+          <a:lnRef idx="1">
+            <a:schemeClr val="dk1"/>
+          </a:lnRef>
+          <a:fillRef idx="0">
+            <a:schemeClr val="dk1"/>
+          </a:fillRef>
+          <a:effectRef idx="0">
+            <a:schemeClr val="dk1"/>
+          </a:effectRef>
+          <a:fontRef idx="minor">
+            <a:schemeClr val="tx1"/>
+          </a:fontRef>
+        </p:style>
+      </p:cxnSp>
+    </p:spTree>
+    <p:extLst>
+      <p:ext uri="{BB962C8B-B14F-4D97-AF65-F5344CB8AC3E}">
+        <p14:creationId xmlns:p14="http://schemas.microsoft.com/office/powerpoint/2010/main" val="1686461069"/>
+      </p:ext>
+    </p:extLst>
+  </p:cSld>
+  <p:clrMapOvr>
+    <a:masterClrMapping/>
+  </p:clrMapOvr>
+</p:sld>
+</file>
+
+<file path=ppt/slides/slide14.xml><?xml version="1.0" encoding="utf-8"?>
 <p:sld xmlns:a="http://schemas.openxmlformats.org/drawingml/2006/main" xmlns:r="http://schemas.openxmlformats.org/officeDocument/2006/relationships" xmlns:p="http://schemas.openxmlformats.org/presentationml/2006/main">
   <p:cSld>
     <p:bg>

--- a/docs/ppt/ChatGPT AI 问答助手.pptx
+++ b/docs/ppt/ChatGPT AI 问答助手.pptx
@@ -5,23 +5,24 @@
     <p:sldMasterId id="2147483648" r:id="rId1"/>
   </p:sldMasterIdLst>
   <p:notesMasterIdLst>
-    <p:notesMasterId r:id="rId16"/>
+    <p:notesMasterId r:id="rId17"/>
   </p:notesMasterIdLst>
   <p:sldIdLst>
     <p:sldId id="366" r:id="rId2"/>
-    <p:sldId id="357" r:id="rId3"/>
-    <p:sldId id="365" r:id="rId4"/>
-    <p:sldId id="359" r:id="rId5"/>
-    <p:sldId id="360" r:id="rId6"/>
-    <p:sldId id="361" r:id="rId7"/>
-    <p:sldId id="362" r:id="rId8"/>
-    <p:sldId id="363" r:id="rId9"/>
-    <p:sldId id="364" r:id="rId10"/>
-    <p:sldId id="367" r:id="rId11"/>
-    <p:sldId id="368" r:id="rId12"/>
-    <p:sldId id="369" r:id="rId13"/>
-    <p:sldId id="370" r:id="rId14"/>
-    <p:sldId id="319" r:id="rId15"/>
+    <p:sldId id="371" r:id="rId3"/>
+    <p:sldId id="357" r:id="rId4"/>
+    <p:sldId id="365" r:id="rId5"/>
+    <p:sldId id="359" r:id="rId6"/>
+    <p:sldId id="360" r:id="rId7"/>
+    <p:sldId id="361" r:id="rId8"/>
+    <p:sldId id="362" r:id="rId9"/>
+    <p:sldId id="363" r:id="rId10"/>
+    <p:sldId id="364" r:id="rId11"/>
+    <p:sldId id="367" r:id="rId12"/>
+    <p:sldId id="368" r:id="rId13"/>
+    <p:sldId id="369" r:id="rId14"/>
+    <p:sldId id="370" r:id="rId15"/>
+    <p:sldId id="319" r:id="rId16"/>
   </p:sldIdLst>
   <p:sldSz cx="12192000" cy="6858000"/>
   <p:notesSz cx="6858000" cy="9144000"/>
@@ -213,7 +214,7 @@
           <a:p>
             <a:fld id="{F3BAE901-6633-4CD9-9632-3600882FF9FE}" type="datetimeFigureOut">
               <a:rPr lang="zh-CN" altLang="en-US" smtClean="0"/>
-              <a:t>2023/1/27</a:t>
+              <a:t>2023/1/28</a:t>
             </a:fld>
             <a:endParaRPr lang="zh-CN" altLang="en-US"/>
           </a:p>
@@ -839,7 +840,7 @@
     </p:spTree>
     <p:extLst>
       <p:ext uri="{BB962C8B-B14F-4D97-AF65-F5344CB8AC3E}">
-        <p14:creationId xmlns:p14="http://schemas.microsoft.com/office/powerpoint/2010/main" val="2754675476"/>
+        <p14:creationId xmlns:p14="http://schemas.microsoft.com/office/powerpoint/2010/main" val="1484538873"/>
       </p:ext>
     </p:extLst>
   </p:cSld>
@@ -1060,7 +1061,7 @@
     </p:spTree>
     <p:extLst>
       <p:ext uri="{BB962C8B-B14F-4D97-AF65-F5344CB8AC3E}">
-        <p14:creationId xmlns:p14="http://schemas.microsoft.com/office/powerpoint/2010/main" val="1814034268"/>
+        <p14:creationId xmlns:p14="http://schemas.microsoft.com/office/powerpoint/2010/main" val="2754675476"/>
       </p:ext>
     </p:extLst>
   </p:cSld>
@@ -1281,7 +1282,7 @@
     </p:spTree>
     <p:extLst>
       <p:ext uri="{BB962C8B-B14F-4D97-AF65-F5344CB8AC3E}">
-        <p14:creationId xmlns:p14="http://schemas.microsoft.com/office/powerpoint/2010/main" val="4165027695"/>
+        <p14:creationId xmlns:p14="http://schemas.microsoft.com/office/powerpoint/2010/main" val="1814034268"/>
       </p:ext>
     </p:extLst>
   </p:cSld>
@@ -1337,7 +1338,15 @@
           <a:p>
             <a:r>
               <a:rPr kumimoji="1" lang="zh-CN" altLang="en-US" dirty="0"/>
-              <a:t>好啦，本期视频到这里就结束了。感谢你的关注、点赞和转发</a:t>
+              <a:t>哈喽，大家好，我是技术</a:t>
+            </a:r>
+            <a:r>
+              <a:rPr kumimoji="1" lang="en-US" altLang="zh-CN" dirty="0"/>
+              <a:t>UP</a:t>
+            </a:r>
+            <a:r>
+              <a:rPr kumimoji="1" lang="zh-CN" altLang="en-US" dirty="0"/>
+              <a:t>主小傅哥</a:t>
             </a:r>
             <a:endParaRPr kumimoji="1" lang="en-US" altLang="zh-CN" dirty="0"/>
           </a:p>
@@ -1345,20 +1354,125 @@
             <a:endParaRPr kumimoji="1" lang="en-US" altLang="zh-CN" dirty="0"/>
           </a:p>
           <a:p>
+            <a:pPr marL="0" marR="0" lvl="0" indent="0" algn="l" defTabSz="914400" rtl="0" eaLnBrk="1" fontAlgn="auto" latinLnBrk="0" hangingPunct="1">
+              <a:lnSpc>
+                <a:spcPct val="100000"/>
+              </a:lnSpc>
+              <a:spcBef>
+                <a:spcPts val="0"/>
+              </a:spcBef>
+              <a:spcAft>
+                <a:spcPts val="0"/>
+              </a:spcAft>
+              <a:buClrTx/>
+              <a:buSzTx/>
+              <a:buFontTx/>
+              <a:buNone/>
+              <a:tabLst/>
+              <a:defRPr/>
+            </a:pPr>
             <a:r>
               <a:rPr kumimoji="1" lang="zh-CN" altLang="en-US" dirty="0"/>
-              <a:t>沉淀、分享、成长，让自己和他人都能有所收获！</a:t>
+              <a:t>本章是小傅哥带着大家开发 </a:t>
+            </a:r>
+            <a:r>
+              <a:rPr kumimoji="1" lang="en-US" altLang="zh-CN" dirty="0"/>
+              <a:t>《ChatGPT</a:t>
+            </a:r>
+            <a:r>
+              <a:rPr kumimoji="1" lang="zh-CN" altLang="en-US" dirty="0"/>
+              <a:t> </a:t>
+            </a:r>
+            <a:r>
+              <a:rPr kumimoji="1" lang="en-US" altLang="zh-CN" dirty="0"/>
+              <a:t>AI</a:t>
+            </a:r>
+            <a:r>
+              <a:rPr kumimoji="1" lang="zh-CN" altLang="en-US" dirty="0"/>
+              <a:t> 问答助手</a:t>
+            </a:r>
+            <a:r>
+              <a:rPr kumimoji="1" lang="en-US" altLang="zh-CN" dirty="0"/>
+              <a:t>》</a:t>
+            </a:r>
+            <a:r>
+              <a:rPr kumimoji="1" lang="zh-CN" altLang="en-US" dirty="0"/>
+              <a:t>实战项目的，</a:t>
+            </a:r>
+            <a:r>
+              <a:rPr kumimoji="1" lang="zh-CN" altLang="en-US" sz="1200" b="1" dirty="0">
+                <a:latin typeface="Wawati SC" pitchFamily="82" charset="-122"/>
+                <a:ea typeface="Wawati SC" pitchFamily="82" charset="-122"/>
+              </a:rPr>
+              <a:t>第</a:t>
+            </a:r>
+            <a:r>
+              <a:rPr kumimoji="1" lang="en-US" altLang="zh-CN" sz="1200" b="1" dirty="0">
+                <a:latin typeface="Wawati SC" pitchFamily="82" charset="-122"/>
+                <a:ea typeface="Wawati SC" pitchFamily="82" charset="-122"/>
+              </a:rPr>
+              <a:t>7</a:t>
+            </a:r>
+            <a:r>
+              <a:rPr kumimoji="1" lang="zh-CN" altLang="en-US" sz="1200" b="1" dirty="0">
+                <a:latin typeface="Wawati SC" pitchFamily="82" charset="-122"/>
+                <a:ea typeface="Wawati SC" pitchFamily="82" charset="-122"/>
+              </a:rPr>
+              <a:t>节：多组任务服务配置</a:t>
+            </a:r>
+            <a:endParaRPr kumimoji="1" lang="en-US" altLang="zh-CN" sz="1200" b="1" dirty="0">
+              <a:latin typeface="Wawati SC" pitchFamily="82" charset="-122"/>
+              <a:ea typeface="Wawati SC" pitchFamily="82" charset="-122"/>
+            </a:endParaRPr>
+          </a:p>
+          <a:p>
+            <a:pPr marL="0" marR="0" lvl="0" indent="0" algn="l" defTabSz="914400" rtl="0" eaLnBrk="1" fontAlgn="auto" latinLnBrk="0" hangingPunct="1">
+              <a:lnSpc>
+                <a:spcPct val="100000"/>
+              </a:lnSpc>
+              <a:spcBef>
+                <a:spcPts val="0"/>
+              </a:spcBef>
+              <a:spcAft>
+                <a:spcPts val="0"/>
+              </a:spcAft>
+              <a:buClrTx/>
+              <a:buSzTx/>
+              <a:buFontTx/>
+              <a:buNone/>
+              <a:tabLst/>
+              <a:defRPr/>
+            </a:pPr>
+            <a:endParaRPr kumimoji="1" lang="en-US" altLang="zh-CN" sz="1200" b="1" dirty="0">
+              <a:latin typeface="Wawati SC" pitchFamily="82" charset="-122"/>
+              <a:ea typeface="Wawati SC" pitchFamily="82" charset="-122"/>
+            </a:endParaRPr>
+          </a:p>
+          <a:p>
+            <a:pPr marL="0" marR="0" lvl="0" indent="0" algn="l" defTabSz="914400" rtl="0" eaLnBrk="1" fontAlgn="auto" latinLnBrk="0" hangingPunct="1">
+              <a:lnSpc>
+                <a:spcPct val="100000"/>
+              </a:lnSpc>
+              <a:spcBef>
+                <a:spcPts val="0"/>
+              </a:spcBef>
+              <a:spcAft>
+                <a:spcPts val="0"/>
+              </a:spcAft>
+              <a:buClrTx/>
+              <a:buSzTx/>
+              <a:buFontTx/>
+              <a:buNone/>
+              <a:tabLst/>
+              <a:defRPr/>
+            </a:pPr>
+            <a:r>
+              <a:rPr kumimoji="1" lang="zh-CN" altLang="en-US" dirty="0"/>
+              <a:t>记得给小傅哥来个三连，我们要准备发车了。</a:t>
             </a:r>
             <a:endParaRPr kumimoji="1" lang="en-US" altLang="zh-CN" dirty="0"/>
           </a:p>
           <a:p>
-            <a:endParaRPr kumimoji="1" lang="en-US" altLang="zh-CN" dirty="0"/>
-          </a:p>
-          <a:p>
-            <a:r>
-              <a:rPr kumimoji="1" lang="zh-CN" altLang="en-US" dirty="0"/>
-              <a:t>我们下一章节再见，拜拜</a:t>
-            </a:r>
             <a:endParaRPr kumimoji="1" lang="en-US" altLang="zh-CN" dirty="0"/>
           </a:p>
         </p:txBody>
@@ -1378,9 +1492,117 @@
           <a:bodyPr/>
           <a:lstStyle/>
           <a:p>
+            <a:fld id="{CA6C74AE-A2D1-479E-B5B8-C94470671B8B}" type="slidenum">
+              <a:rPr lang="zh-CN" altLang="en-US" smtClean="0"/>
+              <a:t>14</a:t>
+            </a:fld>
+            <a:endParaRPr lang="zh-CN" altLang="en-US"/>
+          </a:p>
+        </p:txBody>
+      </p:sp>
+    </p:spTree>
+    <p:extLst>
+      <p:ext uri="{BB962C8B-B14F-4D97-AF65-F5344CB8AC3E}">
+        <p14:creationId xmlns:p14="http://schemas.microsoft.com/office/powerpoint/2010/main" val="4165027695"/>
+      </p:ext>
+    </p:extLst>
+  </p:cSld>
+  <p:clrMapOvr>
+    <a:masterClrMapping/>
+  </p:clrMapOvr>
+</p:notes>
+</file>
+
+<file path=ppt/notesSlides/notesSlide14.xml><?xml version="1.0" encoding="utf-8"?>
+<p:notes xmlns:a="http://schemas.openxmlformats.org/drawingml/2006/main" xmlns:r="http://schemas.openxmlformats.org/officeDocument/2006/relationships" xmlns:p="http://schemas.openxmlformats.org/presentationml/2006/main">
+  <p:cSld>
+    <p:spTree>
+      <p:nvGrpSpPr>
+        <p:cNvPr id="1" name=""/>
+        <p:cNvGrpSpPr/>
+        <p:nvPr/>
+      </p:nvGrpSpPr>
+      <p:grpSpPr>
+        <a:xfrm>
+          <a:off x="0" y="0"/>
+          <a:ext cx="0" cy="0"/>
+          <a:chOff x="0" y="0"/>
+          <a:chExt cx="0" cy="0"/>
+        </a:xfrm>
+      </p:grpSpPr>
+      <p:sp>
+        <p:nvSpPr>
+          <p:cNvPr id="2" name="幻灯片图像占位符 1"/>
+          <p:cNvSpPr>
+            <a:spLocks noGrp="1" noRot="1" noChangeAspect="1"/>
+          </p:cNvSpPr>
+          <p:nvPr>
+            <p:ph type="sldImg"/>
+          </p:nvPr>
+        </p:nvSpPr>
+        <p:spPr/>
+      </p:sp>
+      <p:sp>
+        <p:nvSpPr>
+          <p:cNvPr id="3" name="备注占位符 2"/>
+          <p:cNvSpPr>
+            <a:spLocks noGrp="1"/>
+          </p:cNvSpPr>
+          <p:nvPr>
+            <p:ph type="body" idx="1"/>
+          </p:nvPr>
+        </p:nvSpPr>
+        <p:spPr/>
+        <p:txBody>
+          <a:bodyPr/>
+          <a:lstStyle/>
+          <a:p>
+            <a:r>
+              <a:rPr kumimoji="1" lang="zh-CN" altLang="en-US" dirty="0"/>
+              <a:t>好啦，本期视频到这里就结束了。感谢你的关注、点赞和转发</a:t>
+            </a:r>
+            <a:endParaRPr kumimoji="1" lang="en-US" altLang="zh-CN" dirty="0"/>
+          </a:p>
+          <a:p>
+            <a:endParaRPr kumimoji="1" lang="en-US" altLang="zh-CN" dirty="0"/>
+          </a:p>
+          <a:p>
+            <a:r>
+              <a:rPr kumimoji="1" lang="zh-CN" altLang="en-US" dirty="0"/>
+              <a:t>沉淀、分享、成长，让自己和他人都能有所收获！</a:t>
+            </a:r>
+            <a:endParaRPr kumimoji="1" lang="en-US" altLang="zh-CN" dirty="0"/>
+          </a:p>
+          <a:p>
+            <a:endParaRPr kumimoji="1" lang="en-US" altLang="zh-CN" dirty="0"/>
+          </a:p>
+          <a:p>
+            <a:r>
+              <a:rPr kumimoji="1" lang="zh-CN" altLang="en-US" dirty="0"/>
+              <a:t>我们下一章节再见，拜拜</a:t>
+            </a:r>
+            <a:endParaRPr kumimoji="1" lang="en-US" altLang="zh-CN" dirty="0"/>
+          </a:p>
+        </p:txBody>
+      </p:sp>
+      <p:sp>
+        <p:nvSpPr>
+          <p:cNvPr id="4" name="灯片编号占位符 3"/>
+          <p:cNvSpPr>
+            <a:spLocks noGrp="1"/>
+          </p:cNvSpPr>
+          <p:nvPr>
+            <p:ph type="sldNum" sz="quarter" idx="5"/>
+          </p:nvPr>
+        </p:nvSpPr>
+        <p:spPr/>
+        <p:txBody>
+          <a:bodyPr/>
+          <a:lstStyle/>
+          <a:p>
             <a:fld id="{E55B71EF-24F6-8C48-9D21-9B27703F9A44}" type="slidenum">
               <a:rPr kumimoji="1" lang="zh-CN" altLang="en-US" smtClean="0"/>
-              <a:t>14</a:t>
+              <a:t>15</a:t>
             </a:fld>
             <a:endParaRPr kumimoji="1" lang="zh-CN" altLang="en-US"/>
           </a:p>
@@ -1537,7 +1759,7 @@
     </p:spTree>
     <p:extLst>
       <p:ext uri="{BB962C8B-B14F-4D97-AF65-F5344CB8AC3E}">
-        <p14:creationId xmlns:p14="http://schemas.microsoft.com/office/powerpoint/2010/main" val="3871269075"/>
+        <p14:creationId xmlns:p14="http://schemas.microsoft.com/office/powerpoint/2010/main" val="918626191"/>
       </p:ext>
     </p:extLst>
   </p:cSld>
@@ -1639,11 +1861,11 @@
             </a:r>
             <a:r>
               <a:rPr kumimoji="1" lang="en-US" altLang="zh-CN" dirty="0"/>
-              <a:t>1</a:t>
+              <a:t>0</a:t>
             </a:r>
             <a:r>
               <a:rPr kumimoji="1" lang="zh-CN" altLang="en-US" dirty="0"/>
-              <a:t>节：工程创建和仓库使用</a:t>
+              <a:t>节：</a:t>
             </a:r>
             <a:endParaRPr kumimoji="1" lang="en-US" altLang="zh-CN" dirty="0"/>
           </a:p>
@@ -1685,7 +1907,7 @@
     </p:spTree>
     <p:extLst>
       <p:ext uri="{BB962C8B-B14F-4D97-AF65-F5344CB8AC3E}">
-        <p14:creationId xmlns:p14="http://schemas.microsoft.com/office/powerpoint/2010/main" val="882786908"/>
+        <p14:creationId xmlns:p14="http://schemas.microsoft.com/office/powerpoint/2010/main" val="3871269075"/>
       </p:ext>
     </p:extLst>
   </p:cSld>
@@ -1787,25 +2009,12 @@
             </a:r>
             <a:r>
               <a:rPr kumimoji="1" lang="en-US" altLang="zh-CN" dirty="0"/>
-              <a:t>2</a:t>
+              <a:t>1</a:t>
             </a:r>
             <a:r>
               <a:rPr kumimoji="1" lang="zh-CN" altLang="en-US" dirty="0"/>
-              <a:t>节：</a:t>
-            </a:r>
-            <a:r>
-              <a:rPr kumimoji="1" lang="zh-CN" altLang="en-US" sz="1200" b="1" dirty="0">
-                <a:latin typeface="Wawati SC" pitchFamily="82" charset="-122"/>
-                <a:ea typeface="Wawati SC" pitchFamily="82" charset="-122"/>
-              </a:rPr>
-              <a:t>创建知识星球，爬取接口信息</a:t>
-            </a:r>
-            <a:endParaRPr kumimoji="1" lang="en-US" altLang="zh-CN" sz="1200" b="1" dirty="0">
-              <a:latin typeface="Wawati SC" pitchFamily="82" charset="-122"/>
-              <a:ea typeface="Wawati SC" pitchFamily="82" charset="-122"/>
-            </a:endParaRPr>
-          </a:p>
-          <a:p>
+              <a:t>节：工程创建和仓库使用</a:t>
+            </a:r>
             <a:endParaRPr kumimoji="1" lang="en-US" altLang="zh-CN" dirty="0"/>
           </a:p>
           <a:p>
@@ -1837,7 +2046,7 @@
           <a:p>
             <a:fld id="{CA6C74AE-A2D1-479E-B5B8-C94470671B8B}" type="slidenum">
               <a:rPr lang="zh-CN" altLang="en-US" smtClean="0"/>
-              <a:t>5</a:t>
+              <a:t>4</a:t>
             </a:fld>
             <a:endParaRPr lang="zh-CN" altLang="en-US"/>
           </a:p>
@@ -1846,7 +2055,7 @@
     </p:spTree>
     <p:extLst>
       <p:ext uri="{BB962C8B-B14F-4D97-AF65-F5344CB8AC3E}">
-        <p14:creationId xmlns:p14="http://schemas.microsoft.com/office/powerpoint/2010/main" val="2701956946"/>
+        <p14:creationId xmlns:p14="http://schemas.microsoft.com/office/powerpoint/2010/main" val="882786908"/>
       </p:ext>
     </p:extLst>
   </p:cSld>
@@ -1944,42 +2153,22 @@
             </a:r>
             <a:r>
               <a:rPr kumimoji="1" lang="zh-CN" altLang="en-US" dirty="0"/>
-              <a:t>实战项目的，</a:t>
+              <a:t>实战项目的，第</a:t>
+            </a:r>
+            <a:r>
+              <a:rPr kumimoji="1" lang="en-US" altLang="zh-CN" dirty="0"/>
+              <a:t>2</a:t>
+            </a:r>
+            <a:r>
+              <a:rPr kumimoji="1" lang="zh-CN" altLang="en-US" dirty="0"/>
+              <a:t>节：</a:t>
             </a:r>
             <a:r>
               <a:rPr kumimoji="1" lang="zh-CN" altLang="en-US" sz="1200" b="1" dirty="0">
                 <a:latin typeface="Wawati SC" pitchFamily="82" charset="-122"/>
                 <a:ea typeface="Wawati SC" pitchFamily="82" charset="-122"/>
               </a:rPr>
-              <a:t>第</a:t>
-            </a:r>
-            <a:r>
-              <a:rPr kumimoji="1" lang="en-US" altLang="zh-CN" sz="1200" b="1" dirty="0">
-                <a:latin typeface="Wawati SC" pitchFamily="82" charset="-122"/>
-                <a:ea typeface="Wawati SC" pitchFamily="82" charset="-122"/>
-              </a:rPr>
-              <a:t>3</a:t>
-            </a:r>
-            <a:r>
-              <a:rPr kumimoji="1" lang="zh-CN" altLang="en-US" sz="1200" b="1" dirty="0">
-                <a:latin typeface="Wawati SC" pitchFamily="82" charset="-122"/>
-                <a:ea typeface="Wawati SC" pitchFamily="82" charset="-122"/>
-              </a:rPr>
-              <a:t>节：知识星球</a:t>
-            </a:r>
-            <a:r>
-              <a:rPr kumimoji="1" lang="en-US" altLang="zh-CN" sz="1200" b="1" dirty="0">
-                <a:latin typeface="Wawati SC" pitchFamily="82" charset="-122"/>
-                <a:ea typeface="Wawati SC" pitchFamily="82" charset="-122"/>
-              </a:rPr>
-              <a:t>API</a:t>
-            </a:r>
-            <a:r>
-              <a:rPr kumimoji="1" lang="zh-CN" altLang="en-US" sz="1200" b="1" dirty="0">
-                <a:latin typeface="Wawati SC" pitchFamily="82" charset="-122"/>
-                <a:ea typeface="Wawati SC" pitchFamily="82" charset="-122"/>
-              </a:rPr>
-              <a:t>调用，领域服务开发</a:t>
+              <a:t>创建知识星球，爬取接口信息</a:t>
             </a:r>
             <a:endParaRPr kumimoji="1" lang="en-US" altLang="zh-CN" sz="1200" b="1" dirty="0">
               <a:latin typeface="Wawati SC" pitchFamily="82" charset="-122"/>
@@ -1990,9 +2179,12 @@
             <a:endParaRPr kumimoji="1" lang="en-US" altLang="zh-CN" dirty="0"/>
           </a:p>
           <a:p>
+            <a:endParaRPr kumimoji="1" lang="en-US" altLang="zh-CN" dirty="0"/>
+          </a:p>
+          <a:p>
             <a:r>
               <a:rPr kumimoji="1" lang="zh-CN" altLang="en-US" dirty="0"/>
-              <a:t>记得给小傅哥来个三连，我们要准备发车了。</a:t>
+              <a:t>记得给小傅哥来个关注、点赞、分享，我们要准备发车了。</a:t>
             </a:r>
             <a:endParaRPr kumimoji="1" lang="en-US" altLang="zh-CN" dirty="0"/>
           </a:p>
@@ -2024,7 +2216,7 @@
     </p:spTree>
     <p:extLst>
       <p:ext uri="{BB962C8B-B14F-4D97-AF65-F5344CB8AC3E}">
-        <p14:creationId xmlns:p14="http://schemas.microsoft.com/office/powerpoint/2010/main" val="1509860633"/>
+        <p14:creationId xmlns:p14="http://schemas.microsoft.com/office/powerpoint/2010/main" val="2701956946"/>
       </p:ext>
     </p:extLst>
   </p:cSld>
@@ -2136,42 +2328,28 @@
                 <a:latin typeface="Wawati SC" pitchFamily="82" charset="-122"/>
                 <a:ea typeface="Wawati SC" pitchFamily="82" charset="-122"/>
               </a:rPr>
-              <a:t>4</a:t>
+              <a:t>3</a:t>
             </a:r>
             <a:r>
               <a:rPr kumimoji="1" lang="zh-CN" altLang="en-US" sz="1200" b="1" dirty="0">
                 <a:latin typeface="Wawati SC" pitchFamily="82" charset="-122"/>
                 <a:ea typeface="Wawati SC" pitchFamily="82" charset="-122"/>
               </a:rPr>
-              <a:t>节：对接 </a:t>
+              <a:t>节：知识星球</a:t>
             </a:r>
             <a:r>
               <a:rPr kumimoji="1" lang="en-US" altLang="zh-CN" sz="1200" b="1" dirty="0">
                 <a:latin typeface="Wawati SC" pitchFamily="82" charset="-122"/>
                 <a:ea typeface="Wawati SC" pitchFamily="82" charset="-122"/>
               </a:rPr>
-              <a:t>ChatGPT</a:t>
+              <a:t>API</a:t>
             </a:r>
             <a:r>
               <a:rPr kumimoji="1" lang="zh-CN" altLang="en-US" sz="1200" b="1" dirty="0">
                 <a:latin typeface="Wawati SC" pitchFamily="82" charset="-122"/>
                 <a:ea typeface="Wawati SC" pitchFamily="82" charset="-122"/>
               </a:rPr>
-              <a:t> </a:t>
-            </a:r>
-            <a:r>
-              <a:rPr kumimoji="1" lang="en-US" altLang="zh-CN" sz="1200" b="1" dirty="0">
-                <a:latin typeface="Wawati SC" pitchFamily="82" charset="-122"/>
-                <a:ea typeface="Wawati SC" pitchFamily="82" charset="-122"/>
-              </a:rPr>
-              <a:t>API</a:t>
-            </a:r>
-            <a:r>
-              <a:rPr kumimoji="1" lang="zh-CN" altLang="en-US" sz="1200" b="1" dirty="0">
-                <a:latin typeface="Wawati SC" pitchFamily="82" charset="-122"/>
-                <a:ea typeface="Wawati SC" pitchFamily="82" charset="-122"/>
-              </a:rPr>
-              <a:t> 接口</a:t>
+              <a:t>调用，领域服务开发</a:t>
             </a:r>
             <a:endParaRPr kumimoji="1" lang="en-US" altLang="zh-CN" sz="1200" b="1" dirty="0">
               <a:latin typeface="Wawati SC" pitchFamily="82" charset="-122"/>
@@ -2179,10 +2357,7 @@
             </a:endParaRPr>
           </a:p>
           <a:p>
-            <a:endParaRPr kumimoji="1" lang="en-US" altLang="zh-CN" sz="1200" b="1" dirty="0">
-              <a:latin typeface="Wawati SC" pitchFamily="82" charset="-122"/>
-              <a:ea typeface="Wawati SC" pitchFamily="82" charset="-122"/>
-            </a:endParaRPr>
+            <a:endParaRPr kumimoji="1" lang="en-US" altLang="zh-CN" dirty="0"/>
           </a:p>
           <a:p>
             <a:r>
@@ -2219,7 +2394,7 @@
     </p:spTree>
     <p:extLst>
       <p:ext uri="{BB962C8B-B14F-4D97-AF65-F5344CB8AC3E}">
-        <p14:creationId xmlns:p14="http://schemas.microsoft.com/office/powerpoint/2010/main" val="2046011273"/>
+        <p14:creationId xmlns:p14="http://schemas.microsoft.com/office/powerpoint/2010/main" val="1509860633"/>
       </p:ext>
     </p:extLst>
   </p:cSld>
@@ -2331,37 +2506,59 @@
                 <a:latin typeface="Wawati SC" pitchFamily="82" charset="-122"/>
                 <a:ea typeface="Wawati SC" pitchFamily="82" charset="-122"/>
               </a:rPr>
-              <a:t>5</a:t>
+              <a:t>4</a:t>
             </a:r>
             <a:r>
               <a:rPr kumimoji="1" lang="zh-CN" altLang="en-US" sz="1200" b="1" dirty="0">
                 <a:latin typeface="Wawati SC" pitchFamily="82" charset="-122"/>
                 <a:ea typeface="Wawati SC" pitchFamily="82" charset="-122"/>
               </a:rPr>
-              <a:t>节：整合知识星球与</a:t>
-            </a:r>
-            <a:r>
-              <a:rPr kumimoji="1" lang="en" altLang="zh-CN" sz="1200" b="1" dirty="0">
+              <a:t>节：对接 </a:t>
+            </a:r>
+            <a:r>
+              <a:rPr kumimoji="1" lang="en-US" altLang="zh-CN" sz="1200" b="1" dirty="0">
                 <a:latin typeface="Wawati SC" pitchFamily="82" charset="-122"/>
                 <a:ea typeface="Wawati SC" pitchFamily="82" charset="-122"/>
               </a:rPr>
               <a:t>ChatGPT</a:t>
             </a:r>
-          </a:p>
-          <a:p>
+            <a:r>
+              <a:rPr kumimoji="1" lang="zh-CN" altLang="en-US" sz="1200" b="1" dirty="0">
+                <a:latin typeface="Wawati SC" pitchFamily="82" charset="-122"/>
+                <a:ea typeface="Wawati SC" pitchFamily="82" charset="-122"/>
+              </a:rPr>
+              <a:t> </a:t>
+            </a:r>
+            <a:r>
+              <a:rPr kumimoji="1" lang="en-US" altLang="zh-CN" sz="1200" b="1" dirty="0">
+                <a:latin typeface="Wawati SC" pitchFamily="82" charset="-122"/>
+                <a:ea typeface="Wawati SC" pitchFamily="82" charset="-122"/>
+              </a:rPr>
+              <a:t>API</a:t>
+            </a:r>
+            <a:r>
+              <a:rPr kumimoji="1" lang="zh-CN" altLang="en-US" sz="1200" b="1" dirty="0">
+                <a:latin typeface="Wawati SC" pitchFamily="82" charset="-122"/>
+                <a:ea typeface="Wawati SC" pitchFamily="82" charset="-122"/>
+              </a:rPr>
+              <a:t> 接口</a:t>
+            </a:r>
             <a:endParaRPr kumimoji="1" lang="en-US" altLang="zh-CN" sz="1200" b="1" dirty="0">
               <a:latin typeface="Wawati SC" pitchFamily="82" charset="-122"/>
               <a:ea typeface="Wawati SC" pitchFamily="82" charset="-122"/>
             </a:endParaRPr>
           </a:p>
           <a:p>
+            <a:endParaRPr kumimoji="1" lang="en-US" altLang="zh-CN" sz="1200" b="1" dirty="0">
+              <a:latin typeface="Wawati SC" pitchFamily="82" charset="-122"/>
+              <a:ea typeface="Wawati SC" pitchFamily="82" charset="-122"/>
+            </a:endParaRPr>
+          </a:p>
+          <a:p>
             <a:r>
               <a:rPr kumimoji="1" lang="zh-CN" altLang="en-US" dirty="0"/>
               <a:t>记得给小傅哥来个三连，我们要准备发车了。</a:t>
             </a:r>
-            <a:endParaRPr kumimoji="1" lang="en-US" altLang="zh-CN" dirty="0"/>
-          </a:p>
-          <a:p>
             <a:endParaRPr kumimoji="1" lang="en-US" altLang="zh-CN" dirty="0"/>
           </a:p>
         </p:txBody>
@@ -2392,7 +2589,7 @@
     </p:spTree>
     <p:extLst>
       <p:ext uri="{BB962C8B-B14F-4D97-AF65-F5344CB8AC3E}">
-        <p14:creationId xmlns:p14="http://schemas.microsoft.com/office/powerpoint/2010/main" val="3283649359"/>
+        <p14:creationId xmlns:p14="http://schemas.microsoft.com/office/powerpoint/2010/main" val="2046011273"/>
       </p:ext>
     </p:extLst>
   </p:cSld>
@@ -2464,23 +2661,6 @@
             <a:endParaRPr kumimoji="1" lang="en-US" altLang="zh-CN" dirty="0"/>
           </a:p>
           <a:p>
-            <a:pPr marL="0" marR="0" lvl="0" indent="0" algn="l" defTabSz="914400" rtl="0" eaLnBrk="1" fontAlgn="auto" latinLnBrk="0" hangingPunct="1">
-              <a:lnSpc>
-                <a:spcPct val="100000"/>
-              </a:lnSpc>
-              <a:spcBef>
-                <a:spcPts val="0"/>
-              </a:spcBef>
-              <a:spcAft>
-                <a:spcPts val="0"/>
-              </a:spcAft>
-              <a:buClrTx/>
-              <a:buSzTx/>
-              <a:buFontTx/>
-              <a:buNone/>
-              <a:tabLst/>
-              <a:defRPr/>
-            </a:pPr>
             <a:r>
               <a:rPr kumimoji="1" lang="zh-CN" altLang="en-US" dirty="0"/>
               <a:t>本章是小傅哥带着大家开发 </a:t>
@@ -2521,33 +2701,22 @@
                 <a:latin typeface="Wawati SC" pitchFamily="82" charset="-122"/>
                 <a:ea typeface="Wawati SC" pitchFamily="82" charset="-122"/>
               </a:rPr>
-              <a:t>6</a:t>
+              <a:t>5</a:t>
             </a:r>
             <a:r>
               <a:rPr kumimoji="1" lang="zh-CN" altLang="en-US" sz="1200" b="1" dirty="0">
                 <a:latin typeface="Wawati SC" pitchFamily="82" charset="-122"/>
                 <a:ea typeface="Wawati SC" pitchFamily="82" charset="-122"/>
               </a:rPr>
-              <a:t>节：部署服务到 </a:t>
+              <a:t>节：整合知识星球与</a:t>
             </a:r>
             <a:r>
               <a:rPr kumimoji="1" lang="en" altLang="zh-CN" sz="1200" b="1" dirty="0">
                 <a:latin typeface="Wawati SC" pitchFamily="82" charset="-122"/>
                 <a:ea typeface="Wawati SC" pitchFamily="82" charset="-122"/>
               </a:rPr>
-              <a:t>Docker </a:t>
-            </a:r>
-            <a:r>
-              <a:rPr kumimoji="1" lang="zh-CN" altLang="en-US" sz="1200" b="1" dirty="0">
-                <a:latin typeface="Wawati SC" pitchFamily="82" charset="-122"/>
-                <a:ea typeface="Wawati SC" pitchFamily="82" charset="-122"/>
-              </a:rPr>
-              <a:t>容器</a:t>
-            </a:r>
-            <a:endParaRPr kumimoji="1" lang="en" altLang="zh-CN" sz="1200" b="1" dirty="0">
-              <a:latin typeface="Wawati SC" pitchFamily="82" charset="-122"/>
-              <a:ea typeface="Wawati SC" pitchFamily="82" charset="-122"/>
-            </a:endParaRPr>
+              <a:t>ChatGPT</a:t>
+            </a:r>
           </a:p>
           <a:p>
             <a:endParaRPr kumimoji="1" lang="en-US" altLang="zh-CN" sz="1200" b="1" dirty="0">
@@ -2593,7 +2762,7 @@
     </p:spTree>
     <p:extLst>
       <p:ext uri="{BB962C8B-B14F-4D97-AF65-F5344CB8AC3E}">
-        <p14:creationId xmlns:p14="http://schemas.microsoft.com/office/powerpoint/2010/main" val="2123040543"/>
+        <p14:creationId xmlns:p14="http://schemas.microsoft.com/office/powerpoint/2010/main" val="3283649359"/>
       </p:ext>
     </p:extLst>
   </p:cSld>
@@ -2722,61 +2891,41 @@
                 <a:latin typeface="Wawati SC" pitchFamily="82" charset="-122"/>
                 <a:ea typeface="Wawati SC" pitchFamily="82" charset="-122"/>
               </a:rPr>
-              <a:t>7</a:t>
+              <a:t>6</a:t>
             </a:r>
             <a:r>
               <a:rPr kumimoji="1" lang="zh-CN" altLang="en-US" sz="1200" b="1" dirty="0">
                 <a:latin typeface="Wawati SC" pitchFamily="82" charset="-122"/>
                 <a:ea typeface="Wawati SC" pitchFamily="82" charset="-122"/>
               </a:rPr>
-              <a:t>节：多组任务服务配置</a:t>
-            </a:r>
+              <a:t>节：部署服务到 </a:t>
+            </a:r>
+            <a:r>
+              <a:rPr kumimoji="1" lang="en" altLang="zh-CN" sz="1200" b="1" dirty="0">
+                <a:latin typeface="Wawati SC" pitchFamily="82" charset="-122"/>
+                <a:ea typeface="Wawati SC" pitchFamily="82" charset="-122"/>
+              </a:rPr>
+              <a:t>Docker </a:t>
+            </a:r>
+            <a:r>
+              <a:rPr kumimoji="1" lang="zh-CN" altLang="en-US" sz="1200" b="1" dirty="0">
+                <a:latin typeface="Wawati SC" pitchFamily="82" charset="-122"/>
+                <a:ea typeface="Wawati SC" pitchFamily="82" charset="-122"/>
+              </a:rPr>
+              <a:t>容器</a:t>
+            </a:r>
+            <a:endParaRPr kumimoji="1" lang="en" altLang="zh-CN" sz="1200" b="1" dirty="0">
+              <a:latin typeface="Wawati SC" pitchFamily="82" charset="-122"/>
+              <a:ea typeface="Wawati SC" pitchFamily="82" charset="-122"/>
+            </a:endParaRPr>
+          </a:p>
+          <a:p>
             <a:endParaRPr kumimoji="1" lang="en-US" altLang="zh-CN" sz="1200" b="1" dirty="0">
               <a:latin typeface="Wawati SC" pitchFamily="82" charset="-122"/>
               <a:ea typeface="Wawati SC" pitchFamily="82" charset="-122"/>
             </a:endParaRPr>
           </a:p>
           <a:p>
-            <a:pPr marL="0" marR="0" lvl="0" indent="0" algn="l" defTabSz="914400" rtl="0" eaLnBrk="1" fontAlgn="auto" latinLnBrk="0" hangingPunct="1">
-              <a:lnSpc>
-                <a:spcPct val="100000"/>
-              </a:lnSpc>
-              <a:spcBef>
-                <a:spcPts val="0"/>
-              </a:spcBef>
-              <a:spcAft>
-                <a:spcPts val="0"/>
-              </a:spcAft>
-              <a:buClrTx/>
-              <a:buSzTx/>
-              <a:buFontTx/>
-              <a:buNone/>
-              <a:tabLst/>
-              <a:defRPr/>
-            </a:pPr>
-            <a:endParaRPr kumimoji="1" lang="en-US" altLang="zh-CN" sz="1200" b="1" dirty="0">
-              <a:latin typeface="Wawati SC" pitchFamily="82" charset="-122"/>
-              <a:ea typeface="Wawati SC" pitchFamily="82" charset="-122"/>
-            </a:endParaRPr>
-          </a:p>
-          <a:p>
-            <a:pPr marL="0" marR="0" lvl="0" indent="0" algn="l" defTabSz="914400" rtl="0" eaLnBrk="1" fontAlgn="auto" latinLnBrk="0" hangingPunct="1">
-              <a:lnSpc>
-                <a:spcPct val="100000"/>
-              </a:lnSpc>
-              <a:spcBef>
-                <a:spcPts val="0"/>
-              </a:spcBef>
-              <a:spcAft>
-                <a:spcPts val="0"/>
-              </a:spcAft>
-              <a:buClrTx/>
-              <a:buSzTx/>
-              <a:buFontTx/>
-              <a:buNone/>
-              <a:tabLst/>
-              <a:defRPr/>
-            </a:pPr>
             <a:r>
               <a:rPr kumimoji="1" lang="zh-CN" altLang="en-US" dirty="0"/>
               <a:t>记得给小傅哥来个三连，我们要准备发车了。</a:t>
@@ -2814,7 +2963,7 @@
     </p:spTree>
     <p:extLst>
       <p:ext uri="{BB962C8B-B14F-4D97-AF65-F5344CB8AC3E}">
-        <p14:creationId xmlns:p14="http://schemas.microsoft.com/office/powerpoint/2010/main" val="1484538873"/>
+        <p14:creationId xmlns:p14="http://schemas.microsoft.com/office/powerpoint/2010/main" val="2123040543"/>
       </p:ext>
     </p:extLst>
   </p:cSld>
@@ -2953,7 +3102,7 @@
           <a:p>
             <a:fld id="{D494CCE0-7367-4BD1-B6C8-BDBDF017F951}" type="datetimeFigureOut">
               <a:rPr lang="zh-CN" altLang="en-US" smtClean="0"/>
-              <a:t>2023/1/27</a:t>
+              <a:t>2023/1/28</a:t>
             </a:fld>
             <a:endParaRPr lang="zh-CN" altLang="en-US"/>
           </a:p>
@@ -3121,7 +3270,7 @@
           <a:p>
             <a:fld id="{D494CCE0-7367-4BD1-B6C8-BDBDF017F951}" type="datetimeFigureOut">
               <a:rPr lang="zh-CN" altLang="en-US" smtClean="0"/>
-              <a:t>2023/1/27</a:t>
+              <a:t>2023/1/28</a:t>
             </a:fld>
             <a:endParaRPr lang="zh-CN" altLang="en-US"/>
           </a:p>
@@ -3299,7 +3448,7 @@
           <a:p>
             <a:fld id="{D494CCE0-7367-4BD1-B6C8-BDBDF017F951}" type="datetimeFigureOut">
               <a:rPr lang="zh-CN" altLang="en-US" smtClean="0"/>
-              <a:t>2023/1/27</a:t>
+              <a:t>2023/1/28</a:t>
             </a:fld>
             <a:endParaRPr lang="zh-CN" altLang="en-US"/>
           </a:p>
@@ -4186,7 +4335,7 @@
           <a:p>
             <a:fld id="{D494CCE0-7367-4BD1-B6C8-BDBDF017F951}" type="datetimeFigureOut">
               <a:rPr lang="zh-CN" altLang="en-US" smtClean="0"/>
-              <a:t>2023/1/27</a:t>
+              <a:t>2023/1/28</a:t>
             </a:fld>
             <a:endParaRPr lang="zh-CN" altLang="en-US"/>
           </a:p>
@@ -4415,7 +4564,7 @@
           <a:p>
             <a:fld id="{D494CCE0-7367-4BD1-B6C8-BDBDF017F951}" type="datetimeFigureOut">
               <a:rPr lang="zh-CN" altLang="en-US" smtClean="0"/>
-              <a:t>2023/1/27</a:t>
+              <a:t>2023/1/28</a:t>
             </a:fld>
             <a:endParaRPr lang="zh-CN" altLang="en-US"/>
           </a:p>
@@ -4779,7 +4928,7 @@
           <a:p>
             <a:fld id="{D494CCE0-7367-4BD1-B6C8-BDBDF017F951}" type="datetimeFigureOut">
               <a:rPr lang="zh-CN" altLang="en-US" smtClean="0"/>
-              <a:t>2023/1/27</a:t>
+              <a:t>2023/1/28</a:t>
             </a:fld>
             <a:endParaRPr lang="zh-CN" altLang="en-US"/>
           </a:p>
@@ -4896,7 +5045,7 @@
           <a:p>
             <a:fld id="{D494CCE0-7367-4BD1-B6C8-BDBDF017F951}" type="datetimeFigureOut">
               <a:rPr lang="zh-CN" altLang="en-US" smtClean="0"/>
-              <a:t>2023/1/27</a:t>
+              <a:t>2023/1/28</a:t>
             </a:fld>
             <a:endParaRPr lang="zh-CN" altLang="en-US"/>
           </a:p>
@@ -4991,7 +5140,7 @@
           <a:p>
             <a:fld id="{D494CCE0-7367-4BD1-B6C8-BDBDF017F951}" type="datetimeFigureOut">
               <a:rPr lang="zh-CN" altLang="en-US" smtClean="0"/>
-              <a:t>2023/1/27</a:t>
+              <a:t>2023/1/28</a:t>
             </a:fld>
             <a:endParaRPr lang="zh-CN" altLang="en-US"/>
           </a:p>
@@ -5266,7 +5415,7 @@
           <a:p>
             <a:fld id="{D494CCE0-7367-4BD1-B6C8-BDBDF017F951}" type="datetimeFigureOut">
               <a:rPr lang="zh-CN" altLang="en-US" smtClean="0"/>
-              <a:t>2023/1/27</a:t>
+              <a:t>2023/1/28</a:t>
             </a:fld>
             <a:endParaRPr lang="zh-CN" altLang="en-US"/>
           </a:p>
@@ -5518,7 +5667,7 @@
           <a:p>
             <a:fld id="{D494CCE0-7367-4BD1-B6C8-BDBDF017F951}" type="datetimeFigureOut">
               <a:rPr lang="zh-CN" altLang="en-US" smtClean="0"/>
-              <a:t>2023/1/27</a:t>
+              <a:t>2023/1/28</a:t>
             </a:fld>
             <a:endParaRPr lang="zh-CN" altLang="en-US"/>
           </a:p>
@@ -5754,7 +5903,7 @@
           <a:p>
             <a:fld id="{D494CCE0-7367-4BD1-B6C8-BDBDF017F951}" type="datetimeFigureOut">
               <a:rPr lang="zh-CN" altLang="en-US" smtClean="0"/>
-              <a:t>2023/1/27</a:t>
+              <a:t>2023/1/28</a:t>
             </a:fld>
             <a:endParaRPr lang="zh-CN" altLang="en-US"/>
           </a:p>
@@ -7230,6 +7379,138 @@
           <a:lstStyle/>
           <a:p>
             <a:r>
+              <a:rPr kumimoji="1" lang="zh-CN" altLang="en-US" sz="3600" b="1" dirty="0">
+                <a:latin typeface="Wawati SC" pitchFamily="82" charset="-122"/>
+                <a:ea typeface="Wawati SC" pitchFamily="82" charset="-122"/>
+              </a:rPr>
+              <a:t>第</a:t>
+            </a:r>
+            <a:r>
+              <a:rPr kumimoji="1" lang="en-US" altLang="zh-CN" sz="3600" b="1" dirty="0">
+                <a:latin typeface="Wawati SC" pitchFamily="82" charset="-122"/>
+                <a:ea typeface="Wawati SC" pitchFamily="82" charset="-122"/>
+              </a:rPr>
+              <a:t>6</a:t>
+            </a:r>
+            <a:r>
+              <a:rPr kumimoji="1" lang="zh-CN" altLang="en-US" sz="3600" b="1" dirty="0">
+                <a:latin typeface="Wawati SC" pitchFamily="82" charset="-122"/>
+                <a:ea typeface="Wawati SC" pitchFamily="82" charset="-122"/>
+              </a:rPr>
+              <a:t>节：部署服务到 </a:t>
+            </a:r>
+            <a:r>
+              <a:rPr kumimoji="1" lang="en" altLang="zh-CN" sz="3600" b="1" dirty="0">
+                <a:latin typeface="Wawati SC" pitchFamily="82" charset="-122"/>
+                <a:ea typeface="Wawati SC" pitchFamily="82" charset="-122"/>
+              </a:rPr>
+              <a:t>Docker </a:t>
+            </a:r>
+            <a:r>
+              <a:rPr kumimoji="1" lang="zh-CN" altLang="en-US" sz="3600" b="1" dirty="0">
+                <a:latin typeface="Wawati SC" pitchFamily="82" charset="-122"/>
+                <a:ea typeface="Wawati SC" pitchFamily="82" charset="-122"/>
+              </a:rPr>
+              <a:t>容器</a:t>
+            </a:r>
+            <a:endParaRPr kumimoji="1" lang="en-US" altLang="zh-CN" sz="3600" b="1" dirty="0">
+              <a:latin typeface="Wawati SC" pitchFamily="82" charset="-122"/>
+              <a:ea typeface="Wawati SC" pitchFamily="82" charset="-122"/>
+            </a:endParaRPr>
+          </a:p>
+        </p:txBody>
+      </p:sp>
+      <p:sp>
+        <p:nvSpPr>
+          <p:cNvPr id="2" name="文本框 1">
+            <a:extLst>
+              <a:ext uri="{FF2B5EF4-FFF2-40B4-BE49-F238E27FC236}">
+                <a16:creationId xmlns:a16="http://schemas.microsoft.com/office/drawing/2014/main" id="{1F7667C4-6A67-AE70-6F0B-579ED5C15E49}"/>
+              </a:ext>
+            </a:extLst>
+          </p:cNvPr>
+          <p:cNvSpPr txBox="1"/>
+          <p:nvPr/>
+        </p:nvSpPr>
+        <p:spPr>
+          <a:xfrm>
+            <a:off x="-1456267" y="2506133"/>
+            <a:ext cx="184731" cy="369332"/>
+          </a:xfrm>
+          <a:prstGeom prst="rect">
+            <a:avLst/>
+          </a:prstGeom>
+          <a:noFill/>
+        </p:spPr>
+        <p:txBody>
+          <a:bodyPr wrap="none" rtlCol="0">
+            <a:spAutoFit/>
+          </a:bodyPr>
+          <a:lstStyle/>
+          <a:p>
+            <a:endParaRPr kumimoji="1" lang="zh-CN" altLang="en-US" dirty="0"/>
+          </a:p>
+        </p:txBody>
+      </p:sp>
+    </p:spTree>
+    <p:extLst>
+      <p:ext uri="{BB962C8B-B14F-4D97-AF65-F5344CB8AC3E}">
+        <p14:creationId xmlns:p14="http://schemas.microsoft.com/office/powerpoint/2010/main" val="3055953625"/>
+      </p:ext>
+    </p:extLst>
+  </p:cSld>
+  <p:clrMapOvr>
+    <a:masterClrMapping/>
+  </p:clrMapOvr>
+</p:sld>
+</file>
+
+<file path=ppt/slides/slide11.xml><?xml version="1.0" encoding="utf-8"?>
+<p:sld xmlns:a="http://schemas.openxmlformats.org/drawingml/2006/main" xmlns:r="http://schemas.openxmlformats.org/officeDocument/2006/relationships" xmlns:p="http://schemas.openxmlformats.org/presentationml/2006/main">
+  <p:cSld>
+    <p:spTree>
+      <p:nvGrpSpPr>
+        <p:cNvPr id="1" name=""/>
+        <p:cNvGrpSpPr/>
+        <p:nvPr/>
+      </p:nvGrpSpPr>
+      <p:grpSpPr>
+        <a:xfrm>
+          <a:off x="0" y="0"/>
+          <a:ext cx="0" cy="0"/>
+          <a:chOff x="0" y="0"/>
+          <a:chExt cx="0" cy="0"/>
+        </a:xfrm>
+      </p:grpSpPr>
+      <p:sp>
+        <p:nvSpPr>
+          <p:cNvPr id="11" name="文本框 10">
+            <a:extLst>
+              <a:ext uri="{FF2B5EF4-FFF2-40B4-BE49-F238E27FC236}">
+                <a16:creationId xmlns:a16="http://schemas.microsoft.com/office/drawing/2014/main" id="{5F3E6489-9BD8-BF41-18EE-BB03FA324E4B}"/>
+              </a:ext>
+            </a:extLst>
+          </p:cNvPr>
+          <p:cNvSpPr txBox="1"/>
+          <p:nvPr/>
+        </p:nvSpPr>
+        <p:spPr>
+          <a:xfrm>
+            <a:off x="2610110" y="3205976"/>
+            <a:ext cx="9581890" cy="646331"/>
+          </a:xfrm>
+          <a:prstGeom prst="rect">
+            <a:avLst/>
+          </a:prstGeom>
+          <a:noFill/>
+        </p:spPr>
+        <p:txBody>
+          <a:bodyPr wrap="square" rtlCol="0">
+            <a:spAutoFit/>
+          </a:bodyPr>
+          <a:lstStyle/>
+          <a:p>
+            <a:r>
               <a:rPr kumimoji="1" lang="en-US" altLang="zh-CN" sz="3600" b="1" dirty="0">
                 <a:latin typeface="Wawati SC" pitchFamily="82" charset="-122"/>
                 <a:ea typeface="Wawati SC" pitchFamily="82" charset="-122"/>
@@ -7323,7 +7604,7 @@
 </p:sld>
 </file>
 
-<file path=ppt/slides/slide11.xml><?xml version="1.0" encoding="utf-8"?>
+<file path=ppt/slides/slide12.xml><?xml version="1.0" encoding="utf-8"?>
 <p:sld xmlns:a="http://schemas.openxmlformats.org/drawingml/2006/main" xmlns:r="http://schemas.openxmlformats.org/officeDocument/2006/relationships" xmlns:p="http://schemas.openxmlformats.org/presentationml/2006/main">
   <p:cSld>
     <p:spTree>
@@ -7747,7 +8028,7 @@
 </p:sld>
 </file>
 
-<file path=ppt/slides/slide12.xml><?xml version="1.0" encoding="utf-8"?>
+<file path=ppt/slides/slide13.xml><?xml version="1.0" encoding="utf-8"?>
 <p:sld xmlns:a="http://schemas.openxmlformats.org/drawingml/2006/main" xmlns:r="http://schemas.openxmlformats.org/officeDocument/2006/relationships" xmlns:p="http://schemas.openxmlformats.org/presentationml/2006/main">
   <p:cSld>
     <p:spTree>
@@ -8387,7 +8668,7 @@
 </p:sld>
 </file>
 
-<file path=ppt/slides/slide13.xml><?xml version="1.0" encoding="utf-8"?>
+<file path=ppt/slides/slide14.xml><?xml version="1.0" encoding="utf-8"?>
 <p:sld xmlns:a="http://schemas.openxmlformats.org/drawingml/2006/main" xmlns:r="http://schemas.openxmlformats.org/officeDocument/2006/relationships" xmlns:p="http://schemas.openxmlformats.org/presentationml/2006/main">
   <p:cSld>
     <p:spTree>
@@ -8965,7 +9246,7 @@
 </p:sld>
 </file>
 
-<file path=ppt/slides/slide14.xml><?xml version="1.0" encoding="utf-8"?>
+<file path=ppt/slides/slide15.xml><?xml version="1.0" encoding="utf-8"?>
 <p:sld xmlns:a="http://schemas.openxmlformats.org/drawingml/2006/main" xmlns:r="http://schemas.openxmlformats.org/officeDocument/2006/relationships" xmlns:p="http://schemas.openxmlformats.org/presentationml/2006/main">
   <p:cSld>
     <p:bg>
@@ -9299,6 +9580,659 @@
       </p:pic>
       <p:sp>
         <p:nvSpPr>
+          <p:cNvPr id="5" name="文本框 4">
+            <a:extLst>
+              <a:ext uri="{FF2B5EF4-FFF2-40B4-BE49-F238E27FC236}">
+                <a16:creationId xmlns:a16="http://schemas.microsoft.com/office/drawing/2014/main" id="{289B8436-7421-4C9C-821E-F95859860417}"/>
+              </a:ext>
+            </a:extLst>
+          </p:cNvPr>
+          <p:cNvSpPr txBox="1"/>
+          <p:nvPr/>
+        </p:nvSpPr>
+        <p:spPr>
+          <a:xfrm>
+            <a:off x="709211" y="1120611"/>
+            <a:ext cx="6916233" cy="584775"/>
+          </a:xfrm>
+          <a:prstGeom prst="rect">
+            <a:avLst/>
+          </a:prstGeom>
+          <a:noFill/>
+        </p:spPr>
+        <p:txBody>
+          <a:bodyPr wrap="square" rtlCol="0">
+            <a:spAutoFit/>
+          </a:bodyPr>
+          <a:lstStyle/>
+          <a:p>
+            <a:r>
+              <a:rPr kumimoji="1" lang="en-US" altLang="zh-CN" sz="1600" b="1" dirty="0">
+                <a:solidFill>
+                  <a:srgbClr val="C00000"/>
+                </a:solidFill>
+                <a:latin typeface="Libian SC" panose="02010600040101010101" pitchFamily="2" charset="-122"/>
+                <a:ea typeface="Libian SC" panose="02010600040101010101" pitchFamily="2" charset="-122"/>
+              </a:rPr>
+              <a:t>ChatGPT</a:t>
+            </a:r>
+            <a:r>
+              <a:rPr kumimoji="1" lang="zh-CN" altLang="en-US" sz="1600" dirty="0">
+                <a:latin typeface="Libian SC" panose="02010600040101010101" pitchFamily="2" charset="-122"/>
+                <a:ea typeface="Libian SC" panose="02010600040101010101" pitchFamily="2" charset="-122"/>
+              </a:rPr>
+              <a:t> 是由 </a:t>
+            </a:r>
+            <a:r>
+              <a:rPr kumimoji="1" lang="en-US" altLang="zh-CN" sz="1600" dirty="0">
+                <a:latin typeface="Libian SC" panose="02010600040101010101" pitchFamily="2" charset="-122"/>
+                <a:ea typeface="Libian SC" panose="02010600040101010101" pitchFamily="2" charset="-122"/>
+              </a:rPr>
+              <a:t>OpenAI</a:t>
+            </a:r>
+            <a:r>
+              <a:rPr kumimoji="1" lang="zh-CN" altLang="en-US" sz="1600" dirty="0">
+                <a:latin typeface="Libian SC" panose="02010600040101010101" pitchFamily="2" charset="-122"/>
+                <a:ea typeface="Libian SC" panose="02010600040101010101" pitchFamily="2" charset="-122"/>
+              </a:rPr>
+              <a:t> 训练的大型语言模型，可以生成文本，解释代码，回答问题等。现将 </a:t>
+            </a:r>
+            <a:r>
+              <a:rPr kumimoji="1" lang="en-US" altLang="zh-CN" sz="1600" dirty="0">
+                <a:latin typeface="Libian SC" panose="02010600040101010101" pitchFamily="2" charset="-122"/>
+                <a:ea typeface="Libian SC" panose="02010600040101010101" pitchFamily="2" charset="-122"/>
+              </a:rPr>
+              <a:t>ChatGPT</a:t>
+            </a:r>
+            <a:r>
+              <a:rPr kumimoji="1" lang="zh-CN" altLang="en-US" sz="1600" dirty="0">
+                <a:latin typeface="Libian SC" panose="02010600040101010101" pitchFamily="2" charset="-122"/>
+                <a:ea typeface="Libian SC" panose="02010600040101010101" pitchFamily="2" charset="-122"/>
+              </a:rPr>
+              <a:t> 对接到</a:t>
+            </a:r>
+            <a:r>
+              <a:rPr kumimoji="1" lang="zh-CN" altLang="en-US" sz="1600" b="1" dirty="0">
+                <a:solidFill>
+                  <a:srgbClr val="C00000"/>
+                </a:solidFill>
+                <a:latin typeface="Libian SC" panose="02010600040101010101" pitchFamily="2" charset="-122"/>
+                <a:ea typeface="Libian SC" panose="02010600040101010101" pitchFamily="2" charset="-122"/>
+              </a:rPr>
+              <a:t>知识星球</a:t>
+            </a:r>
+            <a:r>
+              <a:rPr kumimoji="1" lang="zh-CN" altLang="en-US" sz="1600" dirty="0">
+                <a:latin typeface="Libian SC" panose="02010600040101010101" pitchFamily="2" charset="-122"/>
+                <a:ea typeface="Libian SC" panose="02010600040101010101" pitchFamily="2" charset="-122"/>
+              </a:rPr>
+              <a:t>，通过爬虫接口回答用户提问。 </a:t>
+            </a:r>
+          </a:p>
+        </p:txBody>
+      </p:sp>
+      <p:sp>
+        <p:nvSpPr>
+          <p:cNvPr id="7" name="文本框 6">
+            <a:extLst>
+              <a:ext uri="{FF2B5EF4-FFF2-40B4-BE49-F238E27FC236}">
+                <a16:creationId xmlns:a16="http://schemas.microsoft.com/office/drawing/2014/main" id="{EBB5D830-A9F3-34F8-F361-BCD8FD6459CF}"/>
+              </a:ext>
+            </a:extLst>
+          </p:cNvPr>
+          <p:cNvSpPr txBox="1"/>
+          <p:nvPr/>
+        </p:nvSpPr>
+        <p:spPr>
+          <a:xfrm>
+            <a:off x="1444318" y="5658770"/>
+            <a:ext cx="7958011" cy="338554"/>
+          </a:xfrm>
+          <a:prstGeom prst="rect">
+            <a:avLst/>
+          </a:prstGeom>
+          <a:noFill/>
+        </p:spPr>
+        <p:txBody>
+          <a:bodyPr wrap="square">
+            <a:spAutoFit/>
+          </a:bodyPr>
+          <a:lstStyle/>
+          <a:p>
+            <a:pPr algn="dist"/>
+            <a:r>
+              <a:rPr lang="en-US" altLang="zh-CN" sz="1600" dirty="0">
+                <a:solidFill>
+                  <a:schemeClr val="tx1">
+                    <a:lumMod val="75000"/>
+                    <a:lumOff val="25000"/>
+                  </a:schemeClr>
+                </a:solidFill>
+                <a:latin typeface="Chalkduster" panose="03050602040202020205" pitchFamily="66" charset="0"/>
+                <a:ea typeface="Microsoft YaHei" panose="020B0503020204020204" pitchFamily="34" charset="-122"/>
+              </a:rPr>
+              <a:t>ChatGPT</a:t>
+            </a:r>
+            <a:r>
+              <a:rPr lang="zh-CN" altLang="en-US" sz="1600" dirty="0">
+                <a:solidFill>
+                  <a:schemeClr val="tx1">
+                    <a:lumMod val="75000"/>
+                    <a:lumOff val="25000"/>
+                  </a:schemeClr>
+                </a:solidFill>
+                <a:latin typeface="Chalkduster" panose="03050602040202020205" pitchFamily="66" charset="0"/>
+                <a:ea typeface="Microsoft YaHei" panose="020B0503020204020204" pitchFamily="34" charset="-122"/>
+              </a:rPr>
+              <a:t> </a:t>
+            </a:r>
+            <a:r>
+              <a:rPr lang="en-US" altLang="zh-CN" sz="1600" dirty="0">
+                <a:solidFill>
+                  <a:schemeClr val="tx1">
+                    <a:lumMod val="75000"/>
+                    <a:lumOff val="25000"/>
+                  </a:schemeClr>
+                </a:solidFill>
+                <a:latin typeface="Chalkduster" panose="03050602040202020205" pitchFamily="66" charset="0"/>
+                <a:ea typeface="Microsoft YaHei" panose="020B0503020204020204" pitchFamily="34" charset="-122"/>
+              </a:rPr>
+              <a:t>/</a:t>
+            </a:r>
+            <a:r>
+              <a:rPr lang="zh-CN" altLang="en-US" sz="1600" dirty="0">
+                <a:solidFill>
+                  <a:schemeClr val="tx1">
+                    <a:lumMod val="75000"/>
+                    <a:lumOff val="25000"/>
+                  </a:schemeClr>
+                </a:solidFill>
+                <a:latin typeface="Chalkduster" panose="03050602040202020205" pitchFamily="66" charset="0"/>
+                <a:ea typeface="Microsoft YaHei" panose="020B0503020204020204" pitchFamily="34" charset="-122"/>
+              </a:rPr>
+              <a:t> </a:t>
+            </a:r>
+            <a:r>
+              <a:rPr lang="en-US" altLang="zh-CN" sz="1600" dirty="0">
+                <a:solidFill>
+                  <a:schemeClr val="tx1">
+                    <a:lumMod val="75000"/>
+                    <a:lumOff val="25000"/>
+                  </a:schemeClr>
+                </a:solidFill>
+                <a:latin typeface="Chalkduster" panose="03050602040202020205" pitchFamily="66" charset="0"/>
+                <a:ea typeface="Microsoft YaHei" panose="020B0503020204020204" pitchFamily="34" charset="-122"/>
+              </a:rPr>
+              <a:t>API</a:t>
+            </a:r>
+            <a:r>
+              <a:rPr lang="zh-CN" altLang="en-US" sz="1600" dirty="0">
+                <a:solidFill>
+                  <a:schemeClr val="tx1">
+                    <a:lumMod val="75000"/>
+                    <a:lumOff val="25000"/>
+                  </a:schemeClr>
+                </a:solidFill>
+                <a:latin typeface="Chalkduster" panose="03050602040202020205" pitchFamily="66" charset="0"/>
+                <a:ea typeface="Microsoft YaHei" panose="020B0503020204020204" pitchFamily="34" charset="-122"/>
+              </a:rPr>
+              <a:t> / </a:t>
+            </a:r>
+            <a:r>
+              <a:rPr lang="en-US" altLang="zh-CN" sz="1600" dirty="0">
+                <a:solidFill>
+                  <a:schemeClr val="tx1">
+                    <a:lumMod val="75000"/>
+                    <a:lumOff val="25000"/>
+                  </a:schemeClr>
+                </a:solidFill>
+                <a:latin typeface="Chalkduster" panose="03050602040202020205" pitchFamily="66" charset="0"/>
+                <a:ea typeface="Microsoft YaHei" panose="020B0503020204020204" pitchFamily="34" charset="-122"/>
+              </a:rPr>
+              <a:t>DDD</a:t>
+            </a:r>
+            <a:r>
+              <a:rPr lang="zh-CN" altLang="en-US" sz="1600" dirty="0">
+                <a:solidFill>
+                  <a:schemeClr val="tx1">
+                    <a:lumMod val="75000"/>
+                    <a:lumOff val="25000"/>
+                  </a:schemeClr>
+                </a:solidFill>
+                <a:latin typeface="Chalkduster" panose="03050602040202020205" pitchFamily="66" charset="0"/>
+                <a:ea typeface="Microsoft YaHei" panose="020B0503020204020204" pitchFamily="34" charset="-122"/>
+              </a:rPr>
+              <a:t> / </a:t>
+            </a:r>
+            <a:r>
+              <a:rPr lang="en-US" altLang="zh-CN" sz="1600" dirty="0">
+                <a:solidFill>
+                  <a:schemeClr val="tx1">
+                    <a:lumMod val="75000"/>
+                    <a:lumOff val="25000"/>
+                  </a:schemeClr>
+                </a:solidFill>
+                <a:latin typeface="Chalkduster" panose="03050602040202020205" pitchFamily="66" charset="0"/>
+                <a:ea typeface="Microsoft YaHei" panose="020B0503020204020204" pitchFamily="34" charset="-122"/>
+              </a:rPr>
+              <a:t>Github</a:t>
+            </a:r>
+            <a:r>
+              <a:rPr lang="zh-CN" altLang="en-US" sz="1600" dirty="0">
+                <a:solidFill>
+                  <a:schemeClr val="tx1">
+                    <a:lumMod val="75000"/>
+                    <a:lumOff val="25000"/>
+                  </a:schemeClr>
+                </a:solidFill>
+                <a:latin typeface="Chalkduster" panose="03050602040202020205" pitchFamily="66" charset="0"/>
+                <a:ea typeface="Microsoft YaHei" panose="020B0503020204020204" pitchFamily="34" charset="-122"/>
+              </a:rPr>
+              <a:t> / </a:t>
+            </a:r>
+            <a:r>
+              <a:rPr lang="en" altLang="zh-CN" sz="1600" dirty="0">
+                <a:solidFill>
+                  <a:schemeClr val="tx1">
+                    <a:lumMod val="75000"/>
+                    <a:lumOff val="25000"/>
+                  </a:schemeClr>
+                </a:solidFill>
+                <a:latin typeface="Chalkduster" panose="03050602040202020205" pitchFamily="66" charset="0"/>
+                <a:ea typeface="Microsoft YaHei" panose="020B0503020204020204" pitchFamily="34" charset="-122"/>
+              </a:rPr>
+              <a:t>reptile</a:t>
+            </a:r>
+            <a:r>
+              <a:rPr lang="zh-CN" altLang="en-US" sz="1600" dirty="0">
+                <a:solidFill>
+                  <a:schemeClr val="tx1">
+                    <a:lumMod val="75000"/>
+                    <a:lumOff val="25000"/>
+                  </a:schemeClr>
+                </a:solidFill>
+                <a:latin typeface="Chalkduster" panose="03050602040202020205" pitchFamily="66" charset="0"/>
+                <a:ea typeface="Microsoft YaHei" panose="020B0503020204020204" pitchFamily="34" charset="-122"/>
+              </a:rPr>
+              <a:t> / </a:t>
+            </a:r>
+            <a:r>
+              <a:rPr lang="en-US" altLang="zh-CN" sz="1600" dirty="0">
+                <a:solidFill>
+                  <a:schemeClr val="tx1">
+                    <a:lumMod val="75000"/>
+                    <a:lumOff val="25000"/>
+                  </a:schemeClr>
+                </a:solidFill>
+                <a:latin typeface="Chalkduster" panose="03050602040202020205" pitchFamily="66" charset="0"/>
+                <a:ea typeface="Microsoft YaHei" panose="020B0503020204020204" pitchFamily="34" charset="-122"/>
+              </a:rPr>
+              <a:t>Q&amp;A</a:t>
+            </a:r>
+            <a:r>
+              <a:rPr lang="zh-CN" altLang="en-US" sz="1600" dirty="0">
+                <a:solidFill>
+                  <a:schemeClr val="tx1">
+                    <a:lumMod val="75000"/>
+                    <a:lumOff val="25000"/>
+                  </a:schemeClr>
+                </a:solidFill>
+                <a:latin typeface="Chalkduster" panose="03050602040202020205" pitchFamily="66" charset="0"/>
+                <a:ea typeface="Microsoft YaHei" panose="020B0503020204020204" pitchFamily="34" charset="-122"/>
+              </a:rPr>
+              <a:t> / </a:t>
+            </a:r>
+            <a:r>
+              <a:rPr lang="en-US" altLang="zh-CN" sz="1600" dirty="0">
+                <a:solidFill>
+                  <a:schemeClr val="tx1">
+                    <a:lumMod val="75000"/>
+                    <a:lumOff val="25000"/>
+                  </a:schemeClr>
+                </a:solidFill>
+                <a:latin typeface="Chalkduster" panose="03050602040202020205" pitchFamily="66" charset="0"/>
+                <a:ea typeface="Microsoft YaHei" panose="020B0503020204020204" pitchFamily="34" charset="-122"/>
+              </a:rPr>
+              <a:t>job</a:t>
+            </a:r>
+            <a:r>
+              <a:rPr lang="zh-CN" altLang="en-US" sz="1600" dirty="0">
+                <a:solidFill>
+                  <a:schemeClr val="tx1">
+                    <a:lumMod val="75000"/>
+                    <a:lumOff val="25000"/>
+                  </a:schemeClr>
+                </a:solidFill>
+                <a:latin typeface="Chalkduster" panose="03050602040202020205" pitchFamily="66" charset="0"/>
+                <a:ea typeface="Microsoft YaHei" panose="020B0503020204020204" pitchFamily="34" charset="-122"/>
+              </a:rPr>
+              <a:t> / </a:t>
+            </a:r>
+            <a:r>
+              <a:rPr lang="en-US" altLang="zh-CN" sz="1600" dirty="0">
+                <a:solidFill>
+                  <a:schemeClr val="tx1">
+                    <a:lumMod val="75000"/>
+                    <a:lumOff val="25000"/>
+                  </a:schemeClr>
+                </a:solidFill>
+                <a:latin typeface="Chalkduster" panose="03050602040202020205" pitchFamily="66" charset="0"/>
+                <a:ea typeface="Microsoft YaHei" panose="020B0503020204020204" pitchFamily="34" charset="-122"/>
+              </a:rPr>
+              <a:t>Docker</a:t>
+            </a:r>
+            <a:endParaRPr lang="zh-CN" altLang="en-US" sz="1600" dirty="0">
+              <a:solidFill>
+                <a:schemeClr val="tx1">
+                  <a:lumMod val="75000"/>
+                  <a:lumOff val="25000"/>
+                </a:schemeClr>
+              </a:solidFill>
+              <a:latin typeface="Chalkduster" panose="03050602040202020205" pitchFamily="66" charset="0"/>
+              <a:ea typeface="Microsoft YaHei" panose="020B0503020204020204" pitchFamily="34" charset="-122"/>
+            </a:endParaRPr>
+          </a:p>
+        </p:txBody>
+      </p:sp>
+      <p:sp>
+        <p:nvSpPr>
+          <p:cNvPr id="4" name="文本框 3">
+            <a:extLst>
+              <a:ext uri="{FF2B5EF4-FFF2-40B4-BE49-F238E27FC236}">
+                <a16:creationId xmlns:a16="http://schemas.microsoft.com/office/drawing/2014/main" id="{41782DE9-1C26-2C22-0CBD-FDCE89153BFF}"/>
+              </a:ext>
+            </a:extLst>
+          </p:cNvPr>
+          <p:cNvSpPr txBox="1"/>
+          <p:nvPr/>
+        </p:nvSpPr>
+        <p:spPr>
+          <a:xfrm>
+            <a:off x="0" y="2719556"/>
+            <a:ext cx="12191999" cy="2308324"/>
+          </a:xfrm>
+          <a:prstGeom prst="rect">
+            <a:avLst/>
+          </a:prstGeom>
+          <a:solidFill>
+            <a:schemeClr val="bg1">
+              <a:alpha val="0"/>
+            </a:schemeClr>
+          </a:solidFill>
+        </p:spPr>
+        <p:txBody>
+          <a:bodyPr wrap="square" rtlCol="0">
+            <a:spAutoFit/>
+          </a:bodyPr>
+          <a:lstStyle/>
+          <a:p>
+            <a:pPr algn="ctr"/>
+            <a:r>
+              <a:rPr kumimoji="1" lang="en-US" altLang="zh-CN" sz="7200" b="1" dirty="0">
+                <a:latin typeface="Wawati SC" pitchFamily="82" charset="-122"/>
+                <a:ea typeface="Wawati SC" pitchFamily="82" charset="-122"/>
+              </a:rPr>
+              <a:t>《ChatGPT</a:t>
+            </a:r>
+            <a:r>
+              <a:rPr kumimoji="1" lang="zh-CN" altLang="en-US" sz="7200" b="1" dirty="0">
+                <a:latin typeface="Wawati SC" pitchFamily="82" charset="-122"/>
+                <a:ea typeface="Wawati SC" pitchFamily="82" charset="-122"/>
+              </a:rPr>
+              <a:t> </a:t>
+            </a:r>
+            <a:r>
+              <a:rPr kumimoji="1" lang="en-US" altLang="zh-CN" sz="7200" b="1" dirty="0">
+                <a:solidFill>
+                  <a:srgbClr val="C00000"/>
+                </a:solidFill>
+                <a:latin typeface="Wawati SC" pitchFamily="82" charset="-122"/>
+                <a:ea typeface="Wawati SC" pitchFamily="82" charset="-122"/>
+              </a:rPr>
+              <a:t>AI</a:t>
+            </a:r>
+            <a:r>
+              <a:rPr kumimoji="1" lang="zh-CN" altLang="en-US" sz="7200" b="1" dirty="0">
+                <a:solidFill>
+                  <a:srgbClr val="C00000"/>
+                </a:solidFill>
+                <a:latin typeface="Wawati SC" pitchFamily="82" charset="-122"/>
+                <a:ea typeface="Wawati SC" pitchFamily="82" charset="-122"/>
+              </a:rPr>
+              <a:t> </a:t>
+            </a:r>
+            <a:r>
+              <a:rPr kumimoji="1" lang="zh-CN" altLang="en-US" sz="7200" b="1" dirty="0">
+                <a:latin typeface="Wawati SC" pitchFamily="82" charset="-122"/>
+                <a:ea typeface="Wawati SC" pitchFamily="82" charset="-122"/>
+              </a:rPr>
+              <a:t>问答助手</a:t>
+            </a:r>
+            <a:r>
+              <a:rPr kumimoji="1" lang="en-US" altLang="zh-CN" sz="7200" b="1" dirty="0">
+                <a:latin typeface="Wawati SC" pitchFamily="82" charset="-122"/>
+                <a:ea typeface="Wawati SC" pitchFamily="82" charset="-122"/>
+              </a:rPr>
+              <a:t>》</a:t>
+            </a:r>
+            <a:r>
+              <a:rPr kumimoji="1" lang="zh-CN" altLang="en-US" sz="7200" b="1" dirty="0">
+                <a:latin typeface="Wawati SC" pitchFamily="82" charset="-122"/>
+                <a:ea typeface="Wawati SC" pitchFamily="82" charset="-122"/>
+              </a:rPr>
+              <a:t>实战项目</a:t>
+            </a:r>
+            <a:r>
+              <a:rPr kumimoji="1" lang="en-US" altLang="zh-CN" sz="7200" b="1" dirty="0">
+                <a:latin typeface="Wawati SC" pitchFamily="82" charset="-122"/>
+                <a:ea typeface="Wawati SC" pitchFamily="82" charset="-122"/>
+              </a:rPr>
+              <a:t>👨🏻‍💻</a:t>
+            </a:r>
+            <a:endParaRPr kumimoji="1" lang="zh-CN" altLang="en-US" sz="7200" b="1" dirty="0">
+              <a:latin typeface="Wawati SC" pitchFamily="82" charset="-122"/>
+              <a:ea typeface="Wawati SC" pitchFamily="82" charset="-122"/>
+            </a:endParaRPr>
+          </a:p>
+        </p:txBody>
+      </p:sp>
+      <p:pic>
+        <p:nvPicPr>
+          <p:cNvPr id="8" name="图片 7">
+            <a:extLst>
+              <a:ext uri="{FF2B5EF4-FFF2-40B4-BE49-F238E27FC236}">
+                <a16:creationId xmlns:a16="http://schemas.microsoft.com/office/drawing/2014/main" id="{201A0F11-045D-B76C-D424-FDB171BC8B12}"/>
+              </a:ext>
+            </a:extLst>
+          </p:cNvPr>
+          <p:cNvPicPr>
+            <a:picLocks noChangeAspect="1"/>
+          </p:cNvPicPr>
+          <p:nvPr/>
+        </p:nvPicPr>
+        <p:blipFill>
+          <a:blip r:embed="rId5">
+            <a:extLst>
+              <a:ext uri="{28A0092B-C50C-407E-A947-70E740481C1C}">
+                <a14:useLocalDpi xmlns:a14="http://schemas.microsoft.com/office/drawing/2010/main" val="0"/>
+              </a:ext>
+            </a:extLst>
+          </a:blip>
+          <a:stretch>
+            <a:fillRect/>
+          </a:stretch>
+        </p:blipFill>
+        <p:spPr>
+          <a:xfrm>
+            <a:off x="5601813" y="1988926"/>
+            <a:ext cx="988373" cy="988373"/>
+          </a:xfrm>
+          <a:prstGeom prst="rect">
+            <a:avLst/>
+          </a:prstGeom>
+        </p:spPr>
+      </p:pic>
+      <p:sp>
+        <p:nvSpPr>
+          <p:cNvPr id="10" name="椭圆 9">
+            <a:extLst>
+              <a:ext uri="{FF2B5EF4-FFF2-40B4-BE49-F238E27FC236}">
+                <a16:creationId xmlns:a16="http://schemas.microsoft.com/office/drawing/2014/main" id="{C5723937-BD11-1C8E-B7AE-162220269B49}"/>
+              </a:ext>
+            </a:extLst>
+          </p:cNvPr>
+          <p:cNvSpPr/>
+          <p:nvPr/>
+        </p:nvSpPr>
+        <p:spPr>
+          <a:xfrm>
+            <a:off x="9352847" y="3986941"/>
+            <a:ext cx="2789669" cy="2789669"/>
+          </a:xfrm>
+          <a:prstGeom prst="ellipse">
+            <a:avLst/>
+          </a:prstGeom>
+          <a:blipFill>
+            <a:blip r:embed="rId6"/>
+            <a:stretch>
+              <a:fillRect/>
+            </a:stretch>
+          </a:blipFill>
+          <a:ln w="38100">
+            <a:solidFill>
+              <a:schemeClr val="bg1"/>
+            </a:solidFill>
+          </a:ln>
+        </p:spPr>
+        <p:style>
+          <a:lnRef idx="2">
+            <a:schemeClr val="accent1">
+              <a:shade val="50000"/>
+            </a:schemeClr>
+          </a:lnRef>
+          <a:fillRef idx="1">
+            <a:schemeClr val="accent1"/>
+          </a:fillRef>
+          <a:effectRef idx="0">
+            <a:schemeClr val="accent1"/>
+          </a:effectRef>
+          <a:fontRef idx="minor">
+            <a:schemeClr val="lt1"/>
+          </a:fontRef>
+        </p:style>
+        <p:txBody>
+          <a:bodyPr rtlCol="0" anchor="ctr"/>
+          <a:lstStyle/>
+          <a:p>
+            <a:pPr algn="ctr"/>
+            <a:endParaRPr kumimoji="1" lang="zh-CN" altLang="en-US" dirty="0"/>
+          </a:p>
+        </p:txBody>
+      </p:sp>
+    </p:spTree>
+    <p:extLst>
+      <p:ext uri="{BB962C8B-B14F-4D97-AF65-F5344CB8AC3E}">
+        <p14:creationId xmlns:p14="http://schemas.microsoft.com/office/powerpoint/2010/main" val="3774752615"/>
+      </p:ext>
+    </p:extLst>
+  </p:cSld>
+  <p:clrMapOvr>
+    <a:masterClrMapping/>
+  </p:clrMapOvr>
+</p:sld>
+</file>
+
+<file path=ppt/slides/slide3.xml><?xml version="1.0" encoding="utf-8"?>
+<p:sld xmlns:a="http://schemas.openxmlformats.org/drawingml/2006/main" xmlns:r="http://schemas.openxmlformats.org/officeDocument/2006/relationships" xmlns:p="http://schemas.openxmlformats.org/presentationml/2006/main">
+  <p:cSld>
+    <p:spTree>
+      <p:nvGrpSpPr>
+        <p:cNvPr id="1" name=""/>
+        <p:cNvGrpSpPr/>
+        <p:nvPr/>
+      </p:nvGrpSpPr>
+      <p:grpSpPr>
+        <a:xfrm>
+          <a:off x="0" y="0"/>
+          <a:ext cx="0" cy="0"/>
+          <a:chOff x="0" y="0"/>
+          <a:chExt cx="0" cy="0"/>
+        </a:xfrm>
+      </p:grpSpPr>
+      <p:pic>
+        <p:nvPicPr>
+          <p:cNvPr id="2" name="图片 1">
+            <a:extLst>
+              <a:ext uri="{FF2B5EF4-FFF2-40B4-BE49-F238E27FC236}">
+                <a16:creationId xmlns:a16="http://schemas.microsoft.com/office/drawing/2014/main" id="{73ECC1B4-404F-44ED-2BA4-B73777376F46}"/>
+              </a:ext>
+            </a:extLst>
+          </p:cNvPr>
+          <p:cNvPicPr>
+            <a:picLocks noChangeAspect="1"/>
+          </p:cNvPicPr>
+          <p:nvPr/>
+        </p:nvPicPr>
+        <p:blipFill>
+          <a:blip r:embed="rId3">
+            <a:extLst>
+              <a:ext uri="{28A0092B-C50C-407E-A947-70E740481C1C}">
+                <a14:useLocalDpi xmlns:a14="http://schemas.microsoft.com/office/drawing/2010/main" val="0"/>
+              </a:ext>
+            </a:extLst>
+          </a:blip>
+          <a:stretch>
+            <a:fillRect/>
+          </a:stretch>
+        </p:blipFill>
+        <p:spPr>
+          <a:xfrm>
+            <a:off x="0" y="837071"/>
+            <a:ext cx="12192000" cy="5183857"/>
+          </a:xfrm>
+          <a:prstGeom prst="rect">
+            <a:avLst/>
+          </a:prstGeom>
+        </p:spPr>
+      </p:pic>
+      <p:pic>
+        <p:nvPicPr>
+          <p:cNvPr id="3" name="图片 2">
+            <a:extLst>
+              <a:ext uri="{FF2B5EF4-FFF2-40B4-BE49-F238E27FC236}">
+                <a16:creationId xmlns:a16="http://schemas.microsoft.com/office/drawing/2014/main" id="{12B517C9-C379-1AD2-894E-27CFF0AF9F2A}"/>
+              </a:ext>
+            </a:extLst>
+          </p:cNvPr>
+          <p:cNvPicPr>
+            <a:picLocks noChangeAspect="1"/>
+          </p:cNvPicPr>
+          <p:nvPr/>
+        </p:nvPicPr>
+        <p:blipFill>
+          <a:blip r:embed="rId4">
+            <a:extLst>
+              <a:ext uri="{28A0092B-C50C-407E-A947-70E740481C1C}">
+                <a14:useLocalDpi xmlns:a14="http://schemas.microsoft.com/office/drawing/2010/main" val="0"/>
+              </a:ext>
+            </a:extLst>
+          </a:blip>
+          <a:stretch>
+            <a:fillRect/>
+          </a:stretch>
+        </p:blipFill>
+        <p:spPr>
+          <a:xfrm>
+            <a:off x="218603" y="1143552"/>
+            <a:ext cx="490608" cy="490608"/>
+          </a:xfrm>
+          <a:prstGeom prst="rect">
+            <a:avLst/>
+          </a:prstGeom>
+        </p:spPr>
+      </p:pic>
+      <p:sp>
+        <p:nvSpPr>
           <p:cNvPr id="4" name="文本框 3">
             <a:extLst>
               <a:ext uri="{FF2B5EF4-FFF2-40B4-BE49-F238E27FC236}">
@@ -9850,7 +10784,7 @@
 </p:sld>
 </file>
 
-<file path=ppt/slides/slide3.xml><?xml version="1.0" encoding="utf-8"?>
+<file path=ppt/slides/slide4.xml><?xml version="1.0" encoding="utf-8"?>
 <p:sld xmlns:a="http://schemas.openxmlformats.org/drawingml/2006/main" xmlns:r="http://schemas.openxmlformats.org/officeDocument/2006/relationships" xmlns:p="http://schemas.openxmlformats.org/presentationml/2006/main">
   <p:cSld>
     <p:spTree>
@@ -9932,7 +10866,7 @@
 </p:sld>
 </file>
 
-<file path=ppt/slides/slide4.xml><?xml version="1.0" encoding="utf-8"?>
+<file path=ppt/slides/slide5.xml><?xml version="1.0" encoding="utf-8"?>
 <p:sld xmlns:a="http://schemas.openxmlformats.org/drawingml/2006/main" xmlns:r="http://schemas.openxmlformats.org/officeDocument/2006/relationships" xmlns:p="http://schemas.openxmlformats.org/presentationml/2006/main">
   <p:cSld>
     <p:spTree>
@@ -10065,88 +10999,6 @@
 </p:sld>
 </file>
 
-<file path=ppt/slides/slide5.xml><?xml version="1.0" encoding="utf-8"?>
-<p:sld xmlns:a="http://schemas.openxmlformats.org/drawingml/2006/main" xmlns:r="http://schemas.openxmlformats.org/officeDocument/2006/relationships" xmlns:p="http://schemas.openxmlformats.org/presentationml/2006/main">
-  <p:cSld>
-    <p:spTree>
-      <p:nvGrpSpPr>
-        <p:cNvPr id="1" name=""/>
-        <p:cNvGrpSpPr/>
-        <p:nvPr/>
-      </p:nvGrpSpPr>
-      <p:grpSpPr>
-        <a:xfrm>
-          <a:off x="0" y="0"/>
-          <a:ext cx="0" cy="0"/>
-          <a:chOff x="0" y="0"/>
-          <a:chExt cx="0" cy="0"/>
-        </a:xfrm>
-      </p:grpSpPr>
-      <p:sp>
-        <p:nvSpPr>
-          <p:cNvPr id="11" name="文本框 10">
-            <a:extLst>
-              <a:ext uri="{FF2B5EF4-FFF2-40B4-BE49-F238E27FC236}">
-                <a16:creationId xmlns:a16="http://schemas.microsoft.com/office/drawing/2014/main" id="{5F3E6489-9BD8-BF41-18EE-BB03FA324E4B}"/>
-              </a:ext>
-            </a:extLst>
-          </p:cNvPr>
-          <p:cNvSpPr txBox="1"/>
-          <p:nvPr/>
-        </p:nvSpPr>
-        <p:spPr>
-          <a:xfrm>
-            <a:off x="2610110" y="3205976"/>
-            <a:ext cx="9581890" cy="646331"/>
-          </a:xfrm>
-          <a:prstGeom prst="rect">
-            <a:avLst/>
-          </a:prstGeom>
-          <a:noFill/>
-        </p:spPr>
-        <p:txBody>
-          <a:bodyPr wrap="square" rtlCol="0">
-            <a:spAutoFit/>
-          </a:bodyPr>
-          <a:lstStyle/>
-          <a:p>
-            <a:r>
-              <a:rPr kumimoji="1" lang="zh-CN" altLang="en-US" sz="3600" b="1" dirty="0">
-                <a:latin typeface="Wawati SC" pitchFamily="82" charset="-122"/>
-                <a:ea typeface="Wawati SC" pitchFamily="82" charset="-122"/>
-              </a:rPr>
-              <a:t>第</a:t>
-            </a:r>
-            <a:r>
-              <a:rPr kumimoji="1" lang="en-US" altLang="zh-CN" sz="3600" b="1" dirty="0">
-                <a:latin typeface="Wawati SC" pitchFamily="82" charset="-122"/>
-                <a:ea typeface="Wawati SC" pitchFamily="82" charset="-122"/>
-              </a:rPr>
-              <a:t>2</a:t>
-            </a:r>
-            <a:r>
-              <a:rPr kumimoji="1" lang="zh-CN" altLang="en-US" sz="3600" b="1" dirty="0">
-                <a:latin typeface="Wawati SC" pitchFamily="82" charset="-122"/>
-                <a:ea typeface="Wawati SC" pitchFamily="82" charset="-122"/>
-              </a:rPr>
-              <a:t>节：创建知识星球，爬取接口信息</a:t>
-            </a:r>
-          </a:p>
-        </p:txBody>
-      </p:sp>
-    </p:spTree>
-    <p:extLst>
-      <p:ext uri="{BB962C8B-B14F-4D97-AF65-F5344CB8AC3E}">
-        <p14:creationId xmlns:p14="http://schemas.microsoft.com/office/powerpoint/2010/main" val="114784132"/>
-      </p:ext>
-    </p:extLst>
-  </p:cSld>
-  <p:clrMapOvr>
-    <a:masterClrMapping/>
-  </p:clrMapOvr>
-</p:sld>
-</file>
-
 <file path=ppt/slides/slide6.xml><?xml version="1.0" encoding="utf-8"?>
 <p:sld xmlns:a="http://schemas.openxmlformats.org/drawingml/2006/main" xmlns:r="http://schemas.openxmlformats.org/officeDocument/2006/relationships" xmlns:p="http://schemas.openxmlformats.org/presentationml/2006/main">
   <p:cSld>
@@ -10204,40 +11056,22 @@
                 <a:latin typeface="Wawati SC" pitchFamily="82" charset="-122"/>
                 <a:ea typeface="Wawati SC" pitchFamily="82" charset="-122"/>
               </a:rPr>
-              <a:t>3</a:t>
+              <a:t>2</a:t>
             </a:r>
             <a:r>
               <a:rPr kumimoji="1" lang="zh-CN" altLang="en-US" sz="3600" b="1" dirty="0">
                 <a:latin typeface="Wawati SC" pitchFamily="82" charset="-122"/>
                 <a:ea typeface="Wawati SC" pitchFamily="82" charset="-122"/>
               </a:rPr>
-              <a:t>节：知识星球</a:t>
-            </a:r>
-            <a:r>
-              <a:rPr kumimoji="1" lang="en-US" altLang="zh-CN" sz="3600" b="1" dirty="0">
-                <a:latin typeface="Wawati SC" pitchFamily="82" charset="-122"/>
-                <a:ea typeface="Wawati SC" pitchFamily="82" charset="-122"/>
-              </a:rPr>
-              <a:t>API</a:t>
-            </a:r>
-            <a:r>
-              <a:rPr kumimoji="1" lang="zh-CN" altLang="en-US" sz="3600" b="1" dirty="0">
-                <a:latin typeface="Wawati SC" pitchFamily="82" charset="-122"/>
-                <a:ea typeface="Wawati SC" pitchFamily="82" charset="-122"/>
-              </a:rPr>
-              <a:t>调用，领域服务开发</a:t>
-            </a:r>
-            <a:endParaRPr kumimoji="1" lang="en-US" altLang="zh-CN" sz="3600" b="1" dirty="0">
-              <a:latin typeface="Wawati SC" pitchFamily="82" charset="-122"/>
-              <a:ea typeface="Wawati SC" pitchFamily="82" charset="-122"/>
-            </a:endParaRPr>
+              <a:t>节：创建知识星球，爬取接口信息</a:t>
+            </a:r>
           </a:p>
         </p:txBody>
       </p:sp>
     </p:spTree>
     <p:extLst>
       <p:ext uri="{BB962C8B-B14F-4D97-AF65-F5344CB8AC3E}">
-        <p14:creationId xmlns:p14="http://schemas.microsoft.com/office/powerpoint/2010/main" val="406337100"/>
+        <p14:creationId xmlns:p14="http://schemas.microsoft.com/office/powerpoint/2010/main" val="114784132"/>
       </p:ext>
     </p:extLst>
   </p:cSld>
@@ -10304,42 +11138,28 @@
                 <a:latin typeface="Wawati SC" pitchFamily="82" charset="-122"/>
                 <a:ea typeface="Wawati SC" pitchFamily="82" charset="-122"/>
               </a:rPr>
-              <a:t>4</a:t>
+              <a:t>3</a:t>
             </a:r>
             <a:r>
               <a:rPr kumimoji="1" lang="zh-CN" altLang="en-US" sz="3600" b="1" dirty="0">
                 <a:latin typeface="Wawati SC" pitchFamily="82" charset="-122"/>
                 <a:ea typeface="Wawati SC" pitchFamily="82" charset="-122"/>
               </a:rPr>
-              <a:t>节：对接 </a:t>
+              <a:t>节：知识星球</a:t>
             </a:r>
             <a:r>
               <a:rPr kumimoji="1" lang="en-US" altLang="zh-CN" sz="3600" b="1" dirty="0">
                 <a:latin typeface="Wawati SC" pitchFamily="82" charset="-122"/>
                 <a:ea typeface="Wawati SC" pitchFamily="82" charset="-122"/>
               </a:rPr>
-              <a:t>ChatGPT</a:t>
+              <a:t>API</a:t>
             </a:r>
             <a:r>
               <a:rPr kumimoji="1" lang="zh-CN" altLang="en-US" sz="3600" b="1" dirty="0">
                 <a:latin typeface="Wawati SC" pitchFamily="82" charset="-122"/>
                 <a:ea typeface="Wawati SC" pitchFamily="82" charset="-122"/>
               </a:rPr>
-              <a:t> </a:t>
-            </a:r>
-            <a:r>
-              <a:rPr kumimoji="1" lang="en-US" altLang="zh-CN" sz="3600" b="1" dirty="0">
-                <a:latin typeface="Wawati SC" pitchFamily="82" charset="-122"/>
-                <a:ea typeface="Wawati SC" pitchFamily="82" charset="-122"/>
-              </a:rPr>
-              <a:t>API</a:t>
-            </a:r>
-            <a:r>
-              <a:rPr kumimoji="1" lang="zh-CN" altLang="en-US" sz="3600" b="1" dirty="0">
-                <a:latin typeface="Wawati SC" pitchFamily="82" charset="-122"/>
-                <a:ea typeface="Wawati SC" pitchFamily="82" charset="-122"/>
-              </a:rPr>
-              <a:t> 接口</a:t>
+              <a:t>调用，领域服务开发</a:t>
             </a:r>
             <a:endParaRPr kumimoji="1" lang="en-US" altLang="zh-CN" sz="3600" b="1" dirty="0">
               <a:latin typeface="Wawati SC" pitchFamily="82" charset="-122"/>
@@ -10351,7 +11171,7 @@
     </p:spTree>
     <p:extLst>
       <p:ext uri="{BB962C8B-B14F-4D97-AF65-F5344CB8AC3E}">
-        <p14:creationId xmlns:p14="http://schemas.microsoft.com/office/powerpoint/2010/main" val="2167048868"/>
+        <p14:creationId xmlns:p14="http://schemas.microsoft.com/office/powerpoint/2010/main" val="406337100"/>
       </p:ext>
     </p:extLst>
   </p:cSld>
@@ -10418,21 +11238,42 @@
                 <a:latin typeface="Wawati SC" pitchFamily="82" charset="-122"/>
                 <a:ea typeface="Wawati SC" pitchFamily="82" charset="-122"/>
               </a:rPr>
-              <a:t>5</a:t>
+              <a:t>4</a:t>
             </a:r>
             <a:r>
               <a:rPr kumimoji="1" lang="zh-CN" altLang="en-US" sz="3600" b="1" dirty="0">
                 <a:latin typeface="Wawati SC" pitchFamily="82" charset="-122"/>
                 <a:ea typeface="Wawati SC" pitchFamily="82" charset="-122"/>
               </a:rPr>
-              <a:t>节：整合知识星球与</a:t>
-            </a:r>
-            <a:r>
-              <a:rPr kumimoji="1" lang="en" altLang="zh-CN" sz="3600" b="1" dirty="0">
+              <a:t>节：对接 </a:t>
+            </a:r>
+            <a:r>
+              <a:rPr kumimoji="1" lang="en-US" altLang="zh-CN" sz="3600" b="1" dirty="0">
                 <a:latin typeface="Wawati SC" pitchFamily="82" charset="-122"/>
                 <a:ea typeface="Wawati SC" pitchFamily="82" charset="-122"/>
               </a:rPr>
               <a:t>ChatGPT</a:t>
+            </a:r>
+            <a:r>
+              <a:rPr kumimoji="1" lang="zh-CN" altLang="en-US" sz="3600" b="1" dirty="0">
+                <a:latin typeface="Wawati SC" pitchFamily="82" charset="-122"/>
+                <a:ea typeface="Wawati SC" pitchFamily="82" charset="-122"/>
+              </a:rPr>
+              <a:t> </a:t>
+            </a:r>
+            <a:r>
+              <a:rPr kumimoji="1" lang="en-US" altLang="zh-CN" sz="3600" b="1" dirty="0">
+                <a:latin typeface="Wawati SC" pitchFamily="82" charset="-122"/>
+                <a:ea typeface="Wawati SC" pitchFamily="82" charset="-122"/>
+              </a:rPr>
+              <a:t>API</a:t>
+            </a:r>
+            <a:r>
+              <a:rPr kumimoji="1" lang="zh-CN" altLang="en-US" sz="3600" b="1" dirty="0">
+                <a:latin typeface="Wawati SC" pitchFamily="82" charset="-122"/>
+                <a:ea typeface="Wawati SC" pitchFamily="82" charset="-122"/>
+              </a:rPr>
+              <a:t> 接口</a:t>
             </a:r>
             <a:endParaRPr kumimoji="1" lang="en-US" altLang="zh-CN" sz="3600" b="1" dirty="0">
               <a:latin typeface="Wawati SC" pitchFamily="82" charset="-122"/>
@@ -10444,7 +11285,7 @@
     </p:spTree>
     <p:extLst>
       <p:ext uri="{BB962C8B-B14F-4D97-AF65-F5344CB8AC3E}">
-        <p14:creationId xmlns:p14="http://schemas.microsoft.com/office/powerpoint/2010/main" val="3961166238"/>
+        <p14:creationId xmlns:p14="http://schemas.microsoft.com/office/powerpoint/2010/main" val="2167048868"/>
       </p:ext>
     </p:extLst>
   </p:cSld>
@@ -10511,28 +11352,21 @@
                 <a:latin typeface="Wawati SC" pitchFamily="82" charset="-122"/>
                 <a:ea typeface="Wawati SC" pitchFamily="82" charset="-122"/>
               </a:rPr>
-              <a:t>6</a:t>
+              <a:t>5</a:t>
             </a:r>
             <a:r>
               <a:rPr kumimoji="1" lang="zh-CN" altLang="en-US" sz="3600" b="1" dirty="0">
                 <a:latin typeface="Wawati SC" pitchFamily="82" charset="-122"/>
                 <a:ea typeface="Wawati SC" pitchFamily="82" charset="-122"/>
               </a:rPr>
-              <a:t>节：部署服务到 </a:t>
+              <a:t>节：整合知识星球与</a:t>
             </a:r>
             <a:r>
               <a:rPr kumimoji="1" lang="en" altLang="zh-CN" sz="3600" b="1" dirty="0">
                 <a:latin typeface="Wawati SC" pitchFamily="82" charset="-122"/>
                 <a:ea typeface="Wawati SC" pitchFamily="82" charset="-122"/>
               </a:rPr>
-              <a:t>Docker </a:t>
-            </a:r>
-            <a:r>
-              <a:rPr kumimoji="1" lang="zh-CN" altLang="en-US" sz="3600" b="1" dirty="0">
-                <a:latin typeface="Wawati SC" pitchFamily="82" charset="-122"/>
-                <a:ea typeface="Wawati SC" pitchFamily="82" charset="-122"/>
-              </a:rPr>
-              <a:t>容器</a:t>
+              <a:t>ChatGPT</a:t>
             </a:r>
             <a:endParaRPr kumimoji="1" lang="en-US" altLang="zh-CN" sz="3600" b="1" dirty="0">
               <a:latin typeface="Wawati SC" pitchFamily="82" charset="-122"/>
@@ -10541,42 +11375,10 @@
           </a:p>
         </p:txBody>
       </p:sp>
-      <p:sp>
-        <p:nvSpPr>
-          <p:cNvPr id="2" name="文本框 1">
-            <a:extLst>
-              <a:ext uri="{FF2B5EF4-FFF2-40B4-BE49-F238E27FC236}">
-                <a16:creationId xmlns:a16="http://schemas.microsoft.com/office/drawing/2014/main" id="{1F7667C4-6A67-AE70-6F0B-579ED5C15E49}"/>
-              </a:ext>
-            </a:extLst>
-          </p:cNvPr>
-          <p:cNvSpPr txBox="1"/>
-          <p:nvPr/>
-        </p:nvSpPr>
-        <p:spPr>
-          <a:xfrm>
-            <a:off x="-1456267" y="2506133"/>
-            <a:ext cx="184731" cy="369332"/>
-          </a:xfrm>
-          <a:prstGeom prst="rect">
-            <a:avLst/>
-          </a:prstGeom>
-          <a:noFill/>
-        </p:spPr>
-        <p:txBody>
-          <a:bodyPr wrap="none" rtlCol="0">
-            <a:spAutoFit/>
-          </a:bodyPr>
-          <a:lstStyle/>
-          <a:p>
-            <a:endParaRPr kumimoji="1" lang="zh-CN" altLang="en-US" dirty="0"/>
-          </a:p>
-        </p:txBody>
-      </p:sp>
     </p:spTree>
     <p:extLst>
       <p:ext uri="{BB962C8B-B14F-4D97-AF65-F5344CB8AC3E}">
-        <p14:creationId xmlns:p14="http://schemas.microsoft.com/office/powerpoint/2010/main" val="3055953625"/>
+        <p14:creationId xmlns:p14="http://schemas.microsoft.com/office/powerpoint/2010/main" val="3961166238"/>
       </p:ext>
     </p:extLst>
   </p:cSld>

--- a/docs/ppt/ChatGPT AI 问答助手.pptx
+++ b/docs/ppt/ChatGPT AI 问答助手.pptx
@@ -5,24 +5,25 @@
     <p:sldMasterId id="2147483648" r:id="rId1"/>
   </p:sldMasterIdLst>
   <p:notesMasterIdLst>
-    <p:notesMasterId r:id="rId17"/>
+    <p:notesMasterId r:id="rId18"/>
   </p:notesMasterIdLst>
   <p:sldIdLst>
     <p:sldId id="366" r:id="rId2"/>
     <p:sldId id="371" r:id="rId3"/>
-    <p:sldId id="357" r:id="rId4"/>
-    <p:sldId id="365" r:id="rId5"/>
-    <p:sldId id="359" r:id="rId6"/>
-    <p:sldId id="360" r:id="rId7"/>
-    <p:sldId id="361" r:id="rId8"/>
-    <p:sldId id="362" r:id="rId9"/>
-    <p:sldId id="363" r:id="rId10"/>
-    <p:sldId id="364" r:id="rId11"/>
-    <p:sldId id="367" r:id="rId12"/>
-    <p:sldId id="368" r:id="rId13"/>
-    <p:sldId id="369" r:id="rId14"/>
-    <p:sldId id="370" r:id="rId15"/>
-    <p:sldId id="319" r:id="rId16"/>
+    <p:sldId id="372" r:id="rId4"/>
+    <p:sldId id="357" r:id="rId5"/>
+    <p:sldId id="365" r:id="rId6"/>
+    <p:sldId id="359" r:id="rId7"/>
+    <p:sldId id="360" r:id="rId8"/>
+    <p:sldId id="361" r:id="rId9"/>
+    <p:sldId id="362" r:id="rId10"/>
+    <p:sldId id="363" r:id="rId11"/>
+    <p:sldId id="364" r:id="rId12"/>
+    <p:sldId id="367" r:id="rId13"/>
+    <p:sldId id="368" r:id="rId14"/>
+    <p:sldId id="369" r:id="rId15"/>
+    <p:sldId id="370" r:id="rId16"/>
+    <p:sldId id="319" r:id="rId17"/>
   </p:sldIdLst>
   <p:sldSz cx="12192000" cy="6858000"/>
   <p:notesSz cx="6858000" cy="9144000"/>
@@ -214,7 +215,7 @@
           <a:p>
             <a:fld id="{F3BAE901-6633-4CD9-9632-3600882FF9FE}" type="datetimeFigureOut">
               <a:rPr lang="zh-CN" altLang="en-US" smtClean="0"/>
-              <a:t>2023/1/28</a:t>
+              <a:t>2023/1/29</a:t>
             </a:fld>
             <a:endParaRPr lang="zh-CN" altLang="en-US"/>
           </a:p>
@@ -748,61 +749,41 @@
                 <a:latin typeface="Wawati SC" pitchFamily="82" charset="-122"/>
                 <a:ea typeface="Wawati SC" pitchFamily="82" charset="-122"/>
               </a:rPr>
-              <a:t>7</a:t>
+              <a:t>6</a:t>
             </a:r>
             <a:r>
               <a:rPr kumimoji="1" lang="zh-CN" altLang="en-US" sz="1200" b="1" dirty="0">
                 <a:latin typeface="Wawati SC" pitchFamily="82" charset="-122"/>
                 <a:ea typeface="Wawati SC" pitchFamily="82" charset="-122"/>
               </a:rPr>
-              <a:t>节：多组任务服务配置</a:t>
-            </a:r>
+              <a:t>节：部署服务到 </a:t>
+            </a:r>
+            <a:r>
+              <a:rPr kumimoji="1" lang="en" altLang="zh-CN" sz="1200" b="1" dirty="0">
+                <a:latin typeface="Wawati SC" pitchFamily="82" charset="-122"/>
+                <a:ea typeface="Wawati SC" pitchFamily="82" charset="-122"/>
+              </a:rPr>
+              <a:t>Docker </a:t>
+            </a:r>
+            <a:r>
+              <a:rPr kumimoji="1" lang="zh-CN" altLang="en-US" sz="1200" b="1" dirty="0">
+                <a:latin typeface="Wawati SC" pitchFamily="82" charset="-122"/>
+                <a:ea typeface="Wawati SC" pitchFamily="82" charset="-122"/>
+              </a:rPr>
+              <a:t>容器</a:t>
+            </a:r>
+            <a:endParaRPr kumimoji="1" lang="en" altLang="zh-CN" sz="1200" b="1" dirty="0">
+              <a:latin typeface="Wawati SC" pitchFamily="82" charset="-122"/>
+              <a:ea typeface="Wawati SC" pitchFamily="82" charset="-122"/>
+            </a:endParaRPr>
+          </a:p>
+          <a:p>
             <a:endParaRPr kumimoji="1" lang="en-US" altLang="zh-CN" sz="1200" b="1" dirty="0">
               <a:latin typeface="Wawati SC" pitchFamily="82" charset="-122"/>
               <a:ea typeface="Wawati SC" pitchFamily="82" charset="-122"/>
             </a:endParaRPr>
           </a:p>
           <a:p>
-            <a:pPr marL="0" marR="0" lvl="0" indent="0" algn="l" defTabSz="914400" rtl="0" eaLnBrk="1" fontAlgn="auto" latinLnBrk="0" hangingPunct="1">
-              <a:lnSpc>
-                <a:spcPct val="100000"/>
-              </a:lnSpc>
-              <a:spcBef>
-                <a:spcPts val="0"/>
-              </a:spcBef>
-              <a:spcAft>
-                <a:spcPts val="0"/>
-              </a:spcAft>
-              <a:buClrTx/>
-              <a:buSzTx/>
-              <a:buFontTx/>
-              <a:buNone/>
-              <a:tabLst/>
-              <a:defRPr/>
-            </a:pPr>
-            <a:endParaRPr kumimoji="1" lang="en-US" altLang="zh-CN" sz="1200" b="1" dirty="0">
-              <a:latin typeface="Wawati SC" pitchFamily="82" charset="-122"/>
-              <a:ea typeface="Wawati SC" pitchFamily="82" charset="-122"/>
-            </a:endParaRPr>
-          </a:p>
-          <a:p>
-            <a:pPr marL="0" marR="0" lvl="0" indent="0" algn="l" defTabSz="914400" rtl="0" eaLnBrk="1" fontAlgn="auto" latinLnBrk="0" hangingPunct="1">
-              <a:lnSpc>
-                <a:spcPct val="100000"/>
-              </a:lnSpc>
-              <a:spcBef>
-                <a:spcPts val="0"/>
-              </a:spcBef>
-              <a:spcAft>
-                <a:spcPts val="0"/>
-              </a:spcAft>
-              <a:buClrTx/>
-              <a:buSzTx/>
-              <a:buFontTx/>
-              <a:buNone/>
-              <a:tabLst/>
-              <a:defRPr/>
-            </a:pPr>
             <a:r>
               <a:rPr kumimoji="1" lang="zh-CN" altLang="en-US" dirty="0"/>
               <a:t>记得给小傅哥来个三连，我们要准备发车了。</a:t>
@@ -840,7 +821,7 @@
     </p:spTree>
     <p:extLst>
       <p:ext uri="{BB962C8B-B14F-4D97-AF65-F5344CB8AC3E}">
-        <p14:creationId xmlns:p14="http://schemas.microsoft.com/office/powerpoint/2010/main" val="1484538873"/>
+        <p14:creationId xmlns:p14="http://schemas.microsoft.com/office/powerpoint/2010/main" val="2123040543"/>
       </p:ext>
     </p:extLst>
   </p:cSld>
@@ -1061,7 +1042,7 @@
     </p:spTree>
     <p:extLst>
       <p:ext uri="{BB962C8B-B14F-4D97-AF65-F5344CB8AC3E}">
-        <p14:creationId xmlns:p14="http://schemas.microsoft.com/office/powerpoint/2010/main" val="2754675476"/>
+        <p14:creationId xmlns:p14="http://schemas.microsoft.com/office/powerpoint/2010/main" val="1484538873"/>
       </p:ext>
     </p:extLst>
   </p:cSld>
@@ -1282,7 +1263,7 @@
     </p:spTree>
     <p:extLst>
       <p:ext uri="{BB962C8B-B14F-4D97-AF65-F5344CB8AC3E}">
-        <p14:creationId xmlns:p14="http://schemas.microsoft.com/office/powerpoint/2010/main" val="1814034268"/>
+        <p14:creationId xmlns:p14="http://schemas.microsoft.com/office/powerpoint/2010/main" val="2754675476"/>
       </p:ext>
     </p:extLst>
   </p:cSld>
@@ -1503,7 +1484,7 @@
     </p:spTree>
     <p:extLst>
       <p:ext uri="{BB962C8B-B14F-4D97-AF65-F5344CB8AC3E}">
-        <p14:creationId xmlns:p14="http://schemas.microsoft.com/office/powerpoint/2010/main" val="4165027695"/>
+        <p14:creationId xmlns:p14="http://schemas.microsoft.com/office/powerpoint/2010/main" val="1814034268"/>
       </p:ext>
     </p:extLst>
   </p:cSld>
@@ -1559,7 +1540,15 @@
           <a:p>
             <a:r>
               <a:rPr kumimoji="1" lang="zh-CN" altLang="en-US" dirty="0"/>
-              <a:t>好啦，本期视频到这里就结束了。感谢你的关注、点赞和转发</a:t>
+              <a:t>哈喽，大家好，我是技术</a:t>
+            </a:r>
+            <a:r>
+              <a:rPr kumimoji="1" lang="en-US" altLang="zh-CN" dirty="0"/>
+              <a:t>UP</a:t>
+            </a:r>
+            <a:r>
+              <a:rPr kumimoji="1" lang="zh-CN" altLang="en-US" dirty="0"/>
+              <a:t>主小傅哥</a:t>
             </a:r>
             <a:endParaRPr kumimoji="1" lang="en-US" altLang="zh-CN" dirty="0"/>
           </a:p>
@@ -1567,20 +1556,125 @@
             <a:endParaRPr kumimoji="1" lang="en-US" altLang="zh-CN" dirty="0"/>
           </a:p>
           <a:p>
+            <a:pPr marL="0" marR="0" lvl="0" indent="0" algn="l" defTabSz="914400" rtl="0" eaLnBrk="1" fontAlgn="auto" latinLnBrk="0" hangingPunct="1">
+              <a:lnSpc>
+                <a:spcPct val="100000"/>
+              </a:lnSpc>
+              <a:spcBef>
+                <a:spcPts val="0"/>
+              </a:spcBef>
+              <a:spcAft>
+                <a:spcPts val="0"/>
+              </a:spcAft>
+              <a:buClrTx/>
+              <a:buSzTx/>
+              <a:buFontTx/>
+              <a:buNone/>
+              <a:tabLst/>
+              <a:defRPr/>
+            </a:pPr>
             <a:r>
               <a:rPr kumimoji="1" lang="zh-CN" altLang="en-US" dirty="0"/>
-              <a:t>沉淀、分享、成长，让自己和他人都能有所收获！</a:t>
+              <a:t>本章是小傅哥带着大家开发 </a:t>
+            </a:r>
+            <a:r>
+              <a:rPr kumimoji="1" lang="en-US" altLang="zh-CN" dirty="0"/>
+              <a:t>《ChatGPT</a:t>
+            </a:r>
+            <a:r>
+              <a:rPr kumimoji="1" lang="zh-CN" altLang="en-US" dirty="0"/>
+              <a:t> </a:t>
+            </a:r>
+            <a:r>
+              <a:rPr kumimoji="1" lang="en-US" altLang="zh-CN" dirty="0"/>
+              <a:t>AI</a:t>
+            </a:r>
+            <a:r>
+              <a:rPr kumimoji="1" lang="zh-CN" altLang="en-US" dirty="0"/>
+              <a:t> 问答助手</a:t>
+            </a:r>
+            <a:r>
+              <a:rPr kumimoji="1" lang="en-US" altLang="zh-CN" dirty="0"/>
+              <a:t>》</a:t>
+            </a:r>
+            <a:r>
+              <a:rPr kumimoji="1" lang="zh-CN" altLang="en-US" dirty="0"/>
+              <a:t>实战项目的，</a:t>
+            </a:r>
+            <a:r>
+              <a:rPr kumimoji="1" lang="zh-CN" altLang="en-US" sz="1200" b="1" dirty="0">
+                <a:latin typeface="Wawati SC" pitchFamily="82" charset="-122"/>
+                <a:ea typeface="Wawati SC" pitchFamily="82" charset="-122"/>
+              </a:rPr>
+              <a:t>第</a:t>
+            </a:r>
+            <a:r>
+              <a:rPr kumimoji="1" lang="en-US" altLang="zh-CN" sz="1200" b="1" dirty="0">
+                <a:latin typeface="Wawati SC" pitchFamily="82" charset="-122"/>
+                <a:ea typeface="Wawati SC" pitchFamily="82" charset="-122"/>
+              </a:rPr>
+              <a:t>7</a:t>
+            </a:r>
+            <a:r>
+              <a:rPr kumimoji="1" lang="zh-CN" altLang="en-US" sz="1200" b="1" dirty="0">
+                <a:latin typeface="Wawati SC" pitchFamily="82" charset="-122"/>
+                <a:ea typeface="Wawati SC" pitchFamily="82" charset="-122"/>
+              </a:rPr>
+              <a:t>节：多组任务服务配置</a:t>
+            </a:r>
+            <a:endParaRPr kumimoji="1" lang="en-US" altLang="zh-CN" sz="1200" b="1" dirty="0">
+              <a:latin typeface="Wawati SC" pitchFamily="82" charset="-122"/>
+              <a:ea typeface="Wawati SC" pitchFamily="82" charset="-122"/>
+            </a:endParaRPr>
+          </a:p>
+          <a:p>
+            <a:pPr marL="0" marR="0" lvl="0" indent="0" algn="l" defTabSz="914400" rtl="0" eaLnBrk="1" fontAlgn="auto" latinLnBrk="0" hangingPunct="1">
+              <a:lnSpc>
+                <a:spcPct val="100000"/>
+              </a:lnSpc>
+              <a:spcBef>
+                <a:spcPts val="0"/>
+              </a:spcBef>
+              <a:spcAft>
+                <a:spcPts val="0"/>
+              </a:spcAft>
+              <a:buClrTx/>
+              <a:buSzTx/>
+              <a:buFontTx/>
+              <a:buNone/>
+              <a:tabLst/>
+              <a:defRPr/>
+            </a:pPr>
+            <a:endParaRPr kumimoji="1" lang="en-US" altLang="zh-CN" sz="1200" b="1" dirty="0">
+              <a:latin typeface="Wawati SC" pitchFamily="82" charset="-122"/>
+              <a:ea typeface="Wawati SC" pitchFamily="82" charset="-122"/>
+            </a:endParaRPr>
+          </a:p>
+          <a:p>
+            <a:pPr marL="0" marR="0" lvl="0" indent="0" algn="l" defTabSz="914400" rtl="0" eaLnBrk="1" fontAlgn="auto" latinLnBrk="0" hangingPunct="1">
+              <a:lnSpc>
+                <a:spcPct val="100000"/>
+              </a:lnSpc>
+              <a:spcBef>
+                <a:spcPts val="0"/>
+              </a:spcBef>
+              <a:spcAft>
+                <a:spcPts val="0"/>
+              </a:spcAft>
+              <a:buClrTx/>
+              <a:buSzTx/>
+              <a:buFontTx/>
+              <a:buNone/>
+              <a:tabLst/>
+              <a:defRPr/>
+            </a:pPr>
+            <a:r>
+              <a:rPr kumimoji="1" lang="zh-CN" altLang="en-US" dirty="0"/>
+              <a:t>记得给小傅哥来个三连，我们要准备发车了。</a:t>
             </a:r>
             <a:endParaRPr kumimoji="1" lang="en-US" altLang="zh-CN" dirty="0"/>
           </a:p>
           <a:p>
-            <a:endParaRPr kumimoji="1" lang="en-US" altLang="zh-CN" dirty="0"/>
-          </a:p>
-          <a:p>
-            <a:r>
-              <a:rPr kumimoji="1" lang="zh-CN" altLang="en-US" dirty="0"/>
-              <a:t>我们下一章节再见，拜拜</a:t>
-            </a:r>
             <a:endParaRPr kumimoji="1" lang="en-US" altLang="zh-CN" dirty="0"/>
           </a:p>
         </p:txBody>
@@ -1600,9 +1694,117 @@
           <a:bodyPr/>
           <a:lstStyle/>
           <a:p>
+            <a:fld id="{CA6C74AE-A2D1-479E-B5B8-C94470671B8B}" type="slidenum">
+              <a:rPr lang="zh-CN" altLang="en-US" smtClean="0"/>
+              <a:t>15</a:t>
+            </a:fld>
+            <a:endParaRPr lang="zh-CN" altLang="en-US"/>
+          </a:p>
+        </p:txBody>
+      </p:sp>
+    </p:spTree>
+    <p:extLst>
+      <p:ext uri="{BB962C8B-B14F-4D97-AF65-F5344CB8AC3E}">
+        <p14:creationId xmlns:p14="http://schemas.microsoft.com/office/powerpoint/2010/main" val="4165027695"/>
+      </p:ext>
+    </p:extLst>
+  </p:cSld>
+  <p:clrMapOvr>
+    <a:masterClrMapping/>
+  </p:clrMapOvr>
+</p:notes>
+</file>
+
+<file path=ppt/notesSlides/notesSlide15.xml><?xml version="1.0" encoding="utf-8"?>
+<p:notes xmlns:a="http://schemas.openxmlformats.org/drawingml/2006/main" xmlns:r="http://schemas.openxmlformats.org/officeDocument/2006/relationships" xmlns:p="http://schemas.openxmlformats.org/presentationml/2006/main">
+  <p:cSld>
+    <p:spTree>
+      <p:nvGrpSpPr>
+        <p:cNvPr id="1" name=""/>
+        <p:cNvGrpSpPr/>
+        <p:nvPr/>
+      </p:nvGrpSpPr>
+      <p:grpSpPr>
+        <a:xfrm>
+          <a:off x="0" y="0"/>
+          <a:ext cx="0" cy="0"/>
+          <a:chOff x="0" y="0"/>
+          <a:chExt cx="0" cy="0"/>
+        </a:xfrm>
+      </p:grpSpPr>
+      <p:sp>
+        <p:nvSpPr>
+          <p:cNvPr id="2" name="幻灯片图像占位符 1"/>
+          <p:cNvSpPr>
+            <a:spLocks noGrp="1" noRot="1" noChangeAspect="1"/>
+          </p:cNvSpPr>
+          <p:nvPr>
+            <p:ph type="sldImg"/>
+          </p:nvPr>
+        </p:nvSpPr>
+        <p:spPr/>
+      </p:sp>
+      <p:sp>
+        <p:nvSpPr>
+          <p:cNvPr id="3" name="备注占位符 2"/>
+          <p:cNvSpPr>
+            <a:spLocks noGrp="1"/>
+          </p:cNvSpPr>
+          <p:nvPr>
+            <p:ph type="body" idx="1"/>
+          </p:nvPr>
+        </p:nvSpPr>
+        <p:spPr/>
+        <p:txBody>
+          <a:bodyPr/>
+          <a:lstStyle/>
+          <a:p>
+            <a:r>
+              <a:rPr kumimoji="1" lang="zh-CN" altLang="en-US" dirty="0"/>
+              <a:t>好啦，本期视频到这里就结束了。感谢你的关注、点赞和转发</a:t>
+            </a:r>
+            <a:endParaRPr kumimoji="1" lang="en-US" altLang="zh-CN" dirty="0"/>
+          </a:p>
+          <a:p>
+            <a:endParaRPr kumimoji="1" lang="en-US" altLang="zh-CN" dirty="0"/>
+          </a:p>
+          <a:p>
+            <a:r>
+              <a:rPr kumimoji="1" lang="zh-CN" altLang="en-US" dirty="0"/>
+              <a:t>沉淀、分享、成长，让自己和他人都能有所收获！</a:t>
+            </a:r>
+            <a:endParaRPr kumimoji="1" lang="en-US" altLang="zh-CN" dirty="0"/>
+          </a:p>
+          <a:p>
+            <a:endParaRPr kumimoji="1" lang="en-US" altLang="zh-CN" dirty="0"/>
+          </a:p>
+          <a:p>
+            <a:r>
+              <a:rPr kumimoji="1" lang="zh-CN" altLang="en-US" dirty="0"/>
+              <a:t>我们下一章节再见，拜拜</a:t>
+            </a:r>
+            <a:endParaRPr kumimoji="1" lang="en-US" altLang="zh-CN" dirty="0"/>
+          </a:p>
+        </p:txBody>
+      </p:sp>
+      <p:sp>
+        <p:nvSpPr>
+          <p:cNvPr id="4" name="灯片编号占位符 3"/>
+          <p:cNvSpPr>
+            <a:spLocks noGrp="1"/>
+          </p:cNvSpPr>
+          <p:nvPr>
+            <p:ph type="sldNum" sz="quarter" idx="5"/>
+          </p:nvPr>
+        </p:nvSpPr>
+        <p:spPr/>
+        <p:txBody>
+          <a:bodyPr/>
+          <a:lstStyle/>
+          <a:p>
             <a:fld id="{E55B71EF-24F6-8C48-9D21-9B27703F9A44}" type="slidenum">
               <a:rPr kumimoji="1" lang="zh-CN" altLang="en-US" smtClean="0"/>
-              <a:t>15</a:t>
+              <a:t>16</a:t>
             </a:fld>
             <a:endParaRPr kumimoji="1" lang="zh-CN" altLang="en-US"/>
           </a:p>
@@ -1907,7 +2109,7 @@
     </p:spTree>
     <p:extLst>
       <p:ext uri="{BB962C8B-B14F-4D97-AF65-F5344CB8AC3E}">
-        <p14:creationId xmlns:p14="http://schemas.microsoft.com/office/powerpoint/2010/main" val="3871269075"/>
+        <p14:creationId xmlns:p14="http://schemas.microsoft.com/office/powerpoint/2010/main" val="3195085052"/>
       </p:ext>
     </p:extLst>
   </p:cSld>
@@ -2009,11 +2211,11 @@
             </a:r>
             <a:r>
               <a:rPr kumimoji="1" lang="en-US" altLang="zh-CN" dirty="0"/>
-              <a:t>1</a:t>
+              <a:t>0</a:t>
             </a:r>
             <a:r>
               <a:rPr kumimoji="1" lang="zh-CN" altLang="en-US" dirty="0"/>
-              <a:t>节：工程创建和仓库使用</a:t>
+              <a:t>节：</a:t>
             </a:r>
             <a:endParaRPr kumimoji="1" lang="en-US" altLang="zh-CN" dirty="0"/>
           </a:p>
@@ -2055,7 +2257,7 @@
     </p:spTree>
     <p:extLst>
       <p:ext uri="{BB962C8B-B14F-4D97-AF65-F5344CB8AC3E}">
-        <p14:creationId xmlns:p14="http://schemas.microsoft.com/office/powerpoint/2010/main" val="882786908"/>
+        <p14:creationId xmlns:p14="http://schemas.microsoft.com/office/powerpoint/2010/main" val="3871269075"/>
       </p:ext>
     </p:extLst>
   </p:cSld>
@@ -2157,25 +2359,12 @@
             </a:r>
             <a:r>
               <a:rPr kumimoji="1" lang="en-US" altLang="zh-CN" dirty="0"/>
-              <a:t>2</a:t>
+              <a:t>1</a:t>
             </a:r>
             <a:r>
               <a:rPr kumimoji="1" lang="zh-CN" altLang="en-US" dirty="0"/>
-              <a:t>节：</a:t>
-            </a:r>
-            <a:r>
-              <a:rPr kumimoji="1" lang="zh-CN" altLang="en-US" sz="1200" b="1" dirty="0">
-                <a:latin typeface="Wawati SC" pitchFamily="82" charset="-122"/>
-                <a:ea typeface="Wawati SC" pitchFamily="82" charset="-122"/>
-              </a:rPr>
-              <a:t>创建知识星球，爬取接口信息</a:t>
-            </a:r>
-            <a:endParaRPr kumimoji="1" lang="en-US" altLang="zh-CN" sz="1200" b="1" dirty="0">
-              <a:latin typeface="Wawati SC" pitchFamily="82" charset="-122"/>
-              <a:ea typeface="Wawati SC" pitchFamily="82" charset="-122"/>
-            </a:endParaRPr>
-          </a:p>
-          <a:p>
+              <a:t>节：工程创建和仓库使用</a:t>
+            </a:r>
             <a:endParaRPr kumimoji="1" lang="en-US" altLang="zh-CN" dirty="0"/>
           </a:p>
           <a:p>
@@ -2207,7 +2396,7 @@
           <a:p>
             <a:fld id="{CA6C74AE-A2D1-479E-B5B8-C94470671B8B}" type="slidenum">
               <a:rPr lang="zh-CN" altLang="en-US" smtClean="0"/>
-              <a:t>6</a:t>
+              <a:t>5</a:t>
             </a:fld>
             <a:endParaRPr lang="zh-CN" altLang="en-US"/>
           </a:p>
@@ -2216,7 +2405,7 @@
     </p:spTree>
     <p:extLst>
       <p:ext uri="{BB962C8B-B14F-4D97-AF65-F5344CB8AC3E}">
-        <p14:creationId xmlns:p14="http://schemas.microsoft.com/office/powerpoint/2010/main" val="2701956946"/>
+        <p14:creationId xmlns:p14="http://schemas.microsoft.com/office/powerpoint/2010/main" val="882786908"/>
       </p:ext>
     </p:extLst>
   </p:cSld>
@@ -2314,42 +2503,22 @@
             </a:r>
             <a:r>
               <a:rPr kumimoji="1" lang="zh-CN" altLang="en-US" dirty="0"/>
-              <a:t>实战项目的，</a:t>
+              <a:t>实战项目的，第</a:t>
+            </a:r>
+            <a:r>
+              <a:rPr kumimoji="1" lang="en-US" altLang="zh-CN" dirty="0"/>
+              <a:t>2</a:t>
+            </a:r>
+            <a:r>
+              <a:rPr kumimoji="1" lang="zh-CN" altLang="en-US" dirty="0"/>
+              <a:t>节：</a:t>
             </a:r>
             <a:r>
               <a:rPr kumimoji="1" lang="zh-CN" altLang="en-US" sz="1200" b="1" dirty="0">
                 <a:latin typeface="Wawati SC" pitchFamily="82" charset="-122"/>
                 <a:ea typeface="Wawati SC" pitchFamily="82" charset="-122"/>
               </a:rPr>
-              <a:t>第</a:t>
-            </a:r>
-            <a:r>
-              <a:rPr kumimoji="1" lang="en-US" altLang="zh-CN" sz="1200" b="1" dirty="0">
-                <a:latin typeface="Wawati SC" pitchFamily="82" charset="-122"/>
-                <a:ea typeface="Wawati SC" pitchFamily="82" charset="-122"/>
-              </a:rPr>
-              <a:t>3</a:t>
-            </a:r>
-            <a:r>
-              <a:rPr kumimoji="1" lang="zh-CN" altLang="en-US" sz="1200" b="1" dirty="0">
-                <a:latin typeface="Wawati SC" pitchFamily="82" charset="-122"/>
-                <a:ea typeface="Wawati SC" pitchFamily="82" charset="-122"/>
-              </a:rPr>
-              <a:t>节：知识星球</a:t>
-            </a:r>
-            <a:r>
-              <a:rPr kumimoji="1" lang="en-US" altLang="zh-CN" sz="1200" b="1" dirty="0">
-                <a:latin typeface="Wawati SC" pitchFamily="82" charset="-122"/>
-                <a:ea typeface="Wawati SC" pitchFamily="82" charset="-122"/>
-              </a:rPr>
-              <a:t>API</a:t>
-            </a:r>
-            <a:r>
-              <a:rPr kumimoji="1" lang="zh-CN" altLang="en-US" sz="1200" b="1" dirty="0">
-                <a:latin typeface="Wawati SC" pitchFamily="82" charset="-122"/>
-                <a:ea typeface="Wawati SC" pitchFamily="82" charset="-122"/>
-              </a:rPr>
-              <a:t>调用，领域服务开发</a:t>
+              <a:t>创建知识星球，爬取接口信息</a:t>
             </a:r>
             <a:endParaRPr kumimoji="1" lang="en-US" altLang="zh-CN" sz="1200" b="1" dirty="0">
               <a:latin typeface="Wawati SC" pitchFamily="82" charset="-122"/>
@@ -2360,9 +2529,12 @@
             <a:endParaRPr kumimoji="1" lang="en-US" altLang="zh-CN" dirty="0"/>
           </a:p>
           <a:p>
+            <a:endParaRPr kumimoji="1" lang="en-US" altLang="zh-CN" dirty="0"/>
+          </a:p>
+          <a:p>
             <a:r>
               <a:rPr kumimoji="1" lang="zh-CN" altLang="en-US" dirty="0"/>
-              <a:t>记得给小傅哥来个三连，我们要准备发车了。</a:t>
+              <a:t>记得给小傅哥来个关注、点赞、分享，我们要准备发车了。</a:t>
             </a:r>
             <a:endParaRPr kumimoji="1" lang="en-US" altLang="zh-CN" dirty="0"/>
           </a:p>
@@ -2394,7 +2566,7 @@
     </p:spTree>
     <p:extLst>
       <p:ext uri="{BB962C8B-B14F-4D97-AF65-F5344CB8AC3E}">
-        <p14:creationId xmlns:p14="http://schemas.microsoft.com/office/powerpoint/2010/main" val="1509860633"/>
+        <p14:creationId xmlns:p14="http://schemas.microsoft.com/office/powerpoint/2010/main" val="2701956946"/>
       </p:ext>
     </p:extLst>
   </p:cSld>
@@ -2506,42 +2678,28 @@
                 <a:latin typeface="Wawati SC" pitchFamily="82" charset="-122"/>
                 <a:ea typeface="Wawati SC" pitchFamily="82" charset="-122"/>
               </a:rPr>
-              <a:t>4</a:t>
+              <a:t>3</a:t>
             </a:r>
             <a:r>
               <a:rPr kumimoji="1" lang="zh-CN" altLang="en-US" sz="1200" b="1" dirty="0">
                 <a:latin typeface="Wawati SC" pitchFamily="82" charset="-122"/>
                 <a:ea typeface="Wawati SC" pitchFamily="82" charset="-122"/>
               </a:rPr>
-              <a:t>节：对接 </a:t>
+              <a:t>节：知识星球</a:t>
             </a:r>
             <a:r>
               <a:rPr kumimoji="1" lang="en-US" altLang="zh-CN" sz="1200" b="1" dirty="0">
                 <a:latin typeface="Wawati SC" pitchFamily="82" charset="-122"/>
                 <a:ea typeface="Wawati SC" pitchFamily="82" charset="-122"/>
               </a:rPr>
-              <a:t>ChatGPT</a:t>
+              <a:t>API</a:t>
             </a:r>
             <a:r>
               <a:rPr kumimoji="1" lang="zh-CN" altLang="en-US" sz="1200" b="1" dirty="0">
                 <a:latin typeface="Wawati SC" pitchFamily="82" charset="-122"/>
                 <a:ea typeface="Wawati SC" pitchFamily="82" charset="-122"/>
               </a:rPr>
-              <a:t> </a:t>
-            </a:r>
-            <a:r>
-              <a:rPr kumimoji="1" lang="en-US" altLang="zh-CN" sz="1200" b="1" dirty="0">
-                <a:latin typeface="Wawati SC" pitchFamily="82" charset="-122"/>
-                <a:ea typeface="Wawati SC" pitchFamily="82" charset="-122"/>
-              </a:rPr>
-              <a:t>API</a:t>
-            </a:r>
-            <a:r>
-              <a:rPr kumimoji="1" lang="zh-CN" altLang="en-US" sz="1200" b="1" dirty="0">
-                <a:latin typeface="Wawati SC" pitchFamily="82" charset="-122"/>
-                <a:ea typeface="Wawati SC" pitchFamily="82" charset="-122"/>
-              </a:rPr>
-              <a:t> 接口</a:t>
+              <a:t>调用，领域服务开发</a:t>
             </a:r>
             <a:endParaRPr kumimoji="1" lang="en-US" altLang="zh-CN" sz="1200" b="1" dirty="0">
               <a:latin typeface="Wawati SC" pitchFamily="82" charset="-122"/>
@@ -2549,10 +2707,7 @@
             </a:endParaRPr>
           </a:p>
           <a:p>
-            <a:endParaRPr kumimoji="1" lang="en-US" altLang="zh-CN" sz="1200" b="1" dirty="0">
-              <a:latin typeface="Wawati SC" pitchFamily="82" charset="-122"/>
-              <a:ea typeface="Wawati SC" pitchFamily="82" charset="-122"/>
-            </a:endParaRPr>
+            <a:endParaRPr kumimoji="1" lang="en-US" altLang="zh-CN" dirty="0"/>
           </a:p>
           <a:p>
             <a:r>
@@ -2589,7 +2744,7 @@
     </p:spTree>
     <p:extLst>
       <p:ext uri="{BB962C8B-B14F-4D97-AF65-F5344CB8AC3E}">
-        <p14:creationId xmlns:p14="http://schemas.microsoft.com/office/powerpoint/2010/main" val="2046011273"/>
+        <p14:creationId xmlns:p14="http://schemas.microsoft.com/office/powerpoint/2010/main" val="1509860633"/>
       </p:ext>
     </p:extLst>
   </p:cSld>
@@ -2701,37 +2856,59 @@
                 <a:latin typeface="Wawati SC" pitchFamily="82" charset="-122"/>
                 <a:ea typeface="Wawati SC" pitchFamily="82" charset="-122"/>
               </a:rPr>
-              <a:t>5</a:t>
+              <a:t>4</a:t>
             </a:r>
             <a:r>
               <a:rPr kumimoji="1" lang="zh-CN" altLang="en-US" sz="1200" b="1" dirty="0">
                 <a:latin typeface="Wawati SC" pitchFamily="82" charset="-122"/>
                 <a:ea typeface="Wawati SC" pitchFamily="82" charset="-122"/>
               </a:rPr>
-              <a:t>节：整合知识星球与</a:t>
-            </a:r>
-            <a:r>
-              <a:rPr kumimoji="1" lang="en" altLang="zh-CN" sz="1200" b="1" dirty="0">
+              <a:t>节：对接 </a:t>
+            </a:r>
+            <a:r>
+              <a:rPr kumimoji="1" lang="en-US" altLang="zh-CN" sz="1200" b="1" dirty="0">
                 <a:latin typeface="Wawati SC" pitchFamily="82" charset="-122"/>
                 <a:ea typeface="Wawati SC" pitchFamily="82" charset="-122"/>
               </a:rPr>
               <a:t>ChatGPT</a:t>
             </a:r>
-          </a:p>
-          <a:p>
+            <a:r>
+              <a:rPr kumimoji="1" lang="zh-CN" altLang="en-US" sz="1200" b="1" dirty="0">
+                <a:latin typeface="Wawati SC" pitchFamily="82" charset="-122"/>
+                <a:ea typeface="Wawati SC" pitchFamily="82" charset="-122"/>
+              </a:rPr>
+              <a:t> </a:t>
+            </a:r>
+            <a:r>
+              <a:rPr kumimoji="1" lang="en-US" altLang="zh-CN" sz="1200" b="1" dirty="0">
+                <a:latin typeface="Wawati SC" pitchFamily="82" charset="-122"/>
+                <a:ea typeface="Wawati SC" pitchFamily="82" charset="-122"/>
+              </a:rPr>
+              <a:t>API</a:t>
+            </a:r>
+            <a:r>
+              <a:rPr kumimoji="1" lang="zh-CN" altLang="en-US" sz="1200" b="1" dirty="0">
+                <a:latin typeface="Wawati SC" pitchFamily="82" charset="-122"/>
+                <a:ea typeface="Wawati SC" pitchFamily="82" charset="-122"/>
+              </a:rPr>
+              <a:t> 接口</a:t>
+            </a:r>
             <a:endParaRPr kumimoji="1" lang="en-US" altLang="zh-CN" sz="1200" b="1" dirty="0">
               <a:latin typeface="Wawati SC" pitchFamily="82" charset="-122"/>
               <a:ea typeface="Wawati SC" pitchFamily="82" charset="-122"/>
             </a:endParaRPr>
           </a:p>
           <a:p>
+            <a:endParaRPr kumimoji="1" lang="en-US" altLang="zh-CN" sz="1200" b="1" dirty="0">
+              <a:latin typeface="Wawati SC" pitchFamily="82" charset="-122"/>
+              <a:ea typeface="Wawati SC" pitchFamily="82" charset="-122"/>
+            </a:endParaRPr>
+          </a:p>
+          <a:p>
             <a:r>
               <a:rPr kumimoji="1" lang="zh-CN" altLang="en-US" dirty="0"/>
               <a:t>记得给小傅哥来个三连，我们要准备发车了。</a:t>
             </a:r>
-            <a:endParaRPr kumimoji="1" lang="en-US" altLang="zh-CN" dirty="0"/>
-          </a:p>
-          <a:p>
             <a:endParaRPr kumimoji="1" lang="en-US" altLang="zh-CN" dirty="0"/>
           </a:p>
         </p:txBody>
@@ -2762,7 +2939,7 @@
     </p:spTree>
     <p:extLst>
       <p:ext uri="{BB962C8B-B14F-4D97-AF65-F5344CB8AC3E}">
-        <p14:creationId xmlns:p14="http://schemas.microsoft.com/office/powerpoint/2010/main" val="3283649359"/>
+        <p14:creationId xmlns:p14="http://schemas.microsoft.com/office/powerpoint/2010/main" val="2046011273"/>
       </p:ext>
     </p:extLst>
   </p:cSld>
@@ -2834,23 +3011,6 @@
             <a:endParaRPr kumimoji="1" lang="en-US" altLang="zh-CN" dirty="0"/>
           </a:p>
           <a:p>
-            <a:pPr marL="0" marR="0" lvl="0" indent="0" algn="l" defTabSz="914400" rtl="0" eaLnBrk="1" fontAlgn="auto" latinLnBrk="0" hangingPunct="1">
-              <a:lnSpc>
-                <a:spcPct val="100000"/>
-              </a:lnSpc>
-              <a:spcBef>
-                <a:spcPts val="0"/>
-              </a:spcBef>
-              <a:spcAft>
-                <a:spcPts val="0"/>
-              </a:spcAft>
-              <a:buClrTx/>
-              <a:buSzTx/>
-              <a:buFontTx/>
-              <a:buNone/>
-              <a:tabLst/>
-              <a:defRPr/>
-            </a:pPr>
             <a:r>
               <a:rPr kumimoji="1" lang="zh-CN" altLang="en-US" dirty="0"/>
               <a:t>本章是小傅哥带着大家开发 </a:t>
@@ -2891,33 +3051,22 @@
                 <a:latin typeface="Wawati SC" pitchFamily="82" charset="-122"/>
                 <a:ea typeface="Wawati SC" pitchFamily="82" charset="-122"/>
               </a:rPr>
-              <a:t>6</a:t>
+              <a:t>5</a:t>
             </a:r>
             <a:r>
               <a:rPr kumimoji="1" lang="zh-CN" altLang="en-US" sz="1200" b="1" dirty="0">
                 <a:latin typeface="Wawati SC" pitchFamily="82" charset="-122"/>
                 <a:ea typeface="Wawati SC" pitchFamily="82" charset="-122"/>
               </a:rPr>
-              <a:t>节：部署服务到 </a:t>
+              <a:t>节：整合知识星球与</a:t>
             </a:r>
             <a:r>
               <a:rPr kumimoji="1" lang="en" altLang="zh-CN" sz="1200" b="1" dirty="0">
                 <a:latin typeface="Wawati SC" pitchFamily="82" charset="-122"/>
                 <a:ea typeface="Wawati SC" pitchFamily="82" charset="-122"/>
               </a:rPr>
-              <a:t>Docker </a:t>
-            </a:r>
-            <a:r>
-              <a:rPr kumimoji="1" lang="zh-CN" altLang="en-US" sz="1200" b="1" dirty="0">
-                <a:latin typeface="Wawati SC" pitchFamily="82" charset="-122"/>
-                <a:ea typeface="Wawati SC" pitchFamily="82" charset="-122"/>
-              </a:rPr>
-              <a:t>容器</a:t>
-            </a:r>
-            <a:endParaRPr kumimoji="1" lang="en" altLang="zh-CN" sz="1200" b="1" dirty="0">
-              <a:latin typeface="Wawati SC" pitchFamily="82" charset="-122"/>
-              <a:ea typeface="Wawati SC" pitchFamily="82" charset="-122"/>
-            </a:endParaRPr>
+              <a:t>ChatGPT</a:t>
+            </a:r>
           </a:p>
           <a:p>
             <a:endParaRPr kumimoji="1" lang="en-US" altLang="zh-CN" sz="1200" b="1" dirty="0">
@@ -2963,7 +3112,7 @@
     </p:spTree>
     <p:extLst>
       <p:ext uri="{BB962C8B-B14F-4D97-AF65-F5344CB8AC3E}">
-        <p14:creationId xmlns:p14="http://schemas.microsoft.com/office/powerpoint/2010/main" val="2123040543"/>
+        <p14:creationId xmlns:p14="http://schemas.microsoft.com/office/powerpoint/2010/main" val="3283649359"/>
       </p:ext>
     </p:extLst>
   </p:cSld>
@@ -3102,7 +3251,7 @@
           <a:p>
             <a:fld id="{D494CCE0-7367-4BD1-B6C8-BDBDF017F951}" type="datetimeFigureOut">
               <a:rPr lang="zh-CN" altLang="en-US" smtClean="0"/>
-              <a:t>2023/1/28</a:t>
+              <a:t>2023/1/29</a:t>
             </a:fld>
             <a:endParaRPr lang="zh-CN" altLang="en-US"/>
           </a:p>
@@ -3270,7 +3419,7 @@
           <a:p>
             <a:fld id="{D494CCE0-7367-4BD1-B6C8-BDBDF017F951}" type="datetimeFigureOut">
               <a:rPr lang="zh-CN" altLang="en-US" smtClean="0"/>
-              <a:t>2023/1/28</a:t>
+              <a:t>2023/1/29</a:t>
             </a:fld>
             <a:endParaRPr lang="zh-CN" altLang="en-US"/>
           </a:p>
@@ -3448,7 +3597,7 @@
           <a:p>
             <a:fld id="{D494CCE0-7367-4BD1-B6C8-BDBDF017F951}" type="datetimeFigureOut">
               <a:rPr lang="zh-CN" altLang="en-US" smtClean="0"/>
-              <a:t>2023/1/28</a:t>
+              <a:t>2023/1/29</a:t>
             </a:fld>
             <a:endParaRPr lang="zh-CN" altLang="en-US"/>
           </a:p>
@@ -4335,7 +4484,7 @@
           <a:p>
             <a:fld id="{D494CCE0-7367-4BD1-B6C8-BDBDF017F951}" type="datetimeFigureOut">
               <a:rPr lang="zh-CN" altLang="en-US" smtClean="0"/>
-              <a:t>2023/1/28</a:t>
+              <a:t>2023/1/29</a:t>
             </a:fld>
             <a:endParaRPr lang="zh-CN" altLang="en-US"/>
           </a:p>
@@ -4564,7 +4713,7 @@
           <a:p>
             <a:fld id="{D494CCE0-7367-4BD1-B6C8-BDBDF017F951}" type="datetimeFigureOut">
               <a:rPr lang="zh-CN" altLang="en-US" smtClean="0"/>
-              <a:t>2023/1/28</a:t>
+              <a:t>2023/1/29</a:t>
             </a:fld>
             <a:endParaRPr lang="zh-CN" altLang="en-US"/>
           </a:p>
@@ -4928,7 +5077,7 @@
           <a:p>
             <a:fld id="{D494CCE0-7367-4BD1-B6C8-BDBDF017F951}" type="datetimeFigureOut">
               <a:rPr lang="zh-CN" altLang="en-US" smtClean="0"/>
-              <a:t>2023/1/28</a:t>
+              <a:t>2023/1/29</a:t>
             </a:fld>
             <a:endParaRPr lang="zh-CN" altLang="en-US"/>
           </a:p>
@@ -5045,7 +5194,7 @@
           <a:p>
             <a:fld id="{D494CCE0-7367-4BD1-B6C8-BDBDF017F951}" type="datetimeFigureOut">
               <a:rPr lang="zh-CN" altLang="en-US" smtClean="0"/>
-              <a:t>2023/1/28</a:t>
+              <a:t>2023/1/29</a:t>
             </a:fld>
             <a:endParaRPr lang="zh-CN" altLang="en-US"/>
           </a:p>
@@ -5140,7 +5289,7 @@
           <a:p>
             <a:fld id="{D494CCE0-7367-4BD1-B6C8-BDBDF017F951}" type="datetimeFigureOut">
               <a:rPr lang="zh-CN" altLang="en-US" smtClean="0"/>
-              <a:t>2023/1/28</a:t>
+              <a:t>2023/1/29</a:t>
             </a:fld>
             <a:endParaRPr lang="zh-CN" altLang="en-US"/>
           </a:p>
@@ -5415,7 +5564,7 @@
           <a:p>
             <a:fld id="{D494CCE0-7367-4BD1-B6C8-BDBDF017F951}" type="datetimeFigureOut">
               <a:rPr lang="zh-CN" altLang="en-US" smtClean="0"/>
-              <a:t>2023/1/28</a:t>
+              <a:t>2023/1/29</a:t>
             </a:fld>
             <a:endParaRPr lang="zh-CN" altLang="en-US"/>
           </a:p>
@@ -5667,7 +5816,7 @@
           <a:p>
             <a:fld id="{D494CCE0-7367-4BD1-B6C8-BDBDF017F951}" type="datetimeFigureOut">
               <a:rPr lang="zh-CN" altLang="en-US" smtClean="0"/>
-              <a:t>2023/1/28</a:t>
+              <a:t>2023/1/29</a:t>
             </a:fld>
             <a:endParaRPr lang="zh-CN" altLang="en-US"/>
           </a:p>
@@ -5903,7 +6052,7 @@
           <a:p>
             <a:fld id="{D494CCE0-7367-4BD1-B6C8-BDBDF017F951}" type="datetimeFigureOut">
               <a:rPr lang="zh-CN" altLang="en-US" smtClean="0"/>
-              <a:t>2023/1/28</a:t>
+              <a:t>2023/1/29</a:t>
             </a:fld>
             <a:endParaRPr lang="zh-CN" altLang="en-US"/>
           </a:p>
@@ -7390,28 +7539,21 @@
                 <a:latin typeface="Wawati SC" pitchFamily="82" charset="-122"/>
                 <a:ea typeface="Wawati SC" pitchFamily="82" charset="-122"/>
               </a:rPr>
-              <a:t>6</a:t>
+              <a:t>5</a:t>
             </a:r>
             <a:r>
               <a:rPr kumimoji="1" lang="zh-CN" altLang="en-US" sz="3600" b="1" dirty="0">
                 <a:latin typeface="Wawati SC" pitchFamily="82" charset="-122"/>
                 <a:ea typeface="Wawati SC" pitchFamily="82" charset="-122"/>
               </a:rPr>
-              <a:t>节：部署服务到 </a:t>
+              <a:t>节：整合知识星球与</a:t>
             </a:r>
             <a:r>
               <a:rPr kumimoji="1" lang="en" altLang="zh-CN" sz="3600" b="1" dirty="0">
                 <a:latin typeface="Wawati SC" pitchFamily="82" charset="-122"/>
                 <a:ea typeface="Wawati SC" pitchFamily="82" charset="-122"/>
               </a:rPr>
-              <a:t>Docker </a:t>
-            </a:r>
-            <a:r>
-              <a:rPr kumimoji="1" lang="zh-CN" altLang="en-US" sz="3600" b="1" dirty="0">
-                <a:latin typeface="Wawati SC" pitchFamily="82" charset="-122"/>
-                <a:ea typeface="Wawati SC" pitchFamily="82" charset="-122"/>
-              </a:rPr>
-              <a:t>容器</a:t>
+              <a:t>ChatGPT</a:t>
             </a:r>
             <a:endParaRPr kumimoji="1" lang="en-US" altLang="zh-CN" sz="3600" b="1" dirty="0">
               <a:latin typeface="Wawati SC" pitchFamily="82" charset="-122"/>
@@ -7420,42 +7562,10 @@
           </a:p>
         </p:txBody>
       </p:sp>
-      <p:sp>
-        <p:nvSpPr>
-          <p:cNvPr id="2" name="文本框 1">
-            <a:extLst>
-              <a:ext uri="{FF2B5EF4-FFF2-40B4-BE49-F238E27FC236}">
-                <a16:creationId xmlns:a16="http://schemas.microsoft.com/office/drawing/2014/main" id="{1F7667C4-6A67-AE70-6F0B-579ED5C15E49}"/>
-              </a:ext>
-            </a:extLst>
-          </p:cNvPr>
-          <p:cNvSpPr txBox="1"/>
-          <p:nvPr/>
-        </p:nvSpPr>
-        <p:spPr>
-          <a:xfrm>
-            <a:off x="-1456267" y="2506133"/>
-            <a:ext cx="184731" cy="369332"/>
-          </a:xfrm>
-          <a:prstGeom prst="rect">
-            <a:avLst/>
-          </a:prstGeom>
-          <a:noFill/>
-        </p:spPr>
-        <p:txBody>
-          <a:bodyPr wrap="none" rtlCol="0">
-            <a:spAutoFit/>
-          </a:bodyPr>
-          <a:lstStyle/>
-          <a:p>
-            <a:endParaRPr kumimoji="1" lang="zh-CN" altLang="en-US" dirty="0"/>
-          </a:p>
-        </p:txBody>
-      </p:sp>
     </p:spTree>
     <p:extLst>
       <p:ext uri="{BB962C8B-B14F-4D97-AF65-F5344CB8AC3E}">
-        <p14:creationId xmlns:p14="http://schemas.microsoft.com/office/powerpoint/2010/main" val="3055953625"/>
+        <p14:creationId xmlns:p14="http://schemas.microsoft.com/office/powerpoint/2010/main" val="3961166238"/>
       </p:ext>
     </p:extLst>
   </p:cSld>
@@ -7511,6 +7621,138 @@
           <a:lstStyle/>
           <a:p>
             <a:r>
+              <a:rPr kumimoji="1" lang="zh-CN" altLang="en-US" sz="3600" b="1" dirty="0">
+                <a:latin typeface="Wawati SC" pitchFamily="82" charset="-122"/>
+                <a:ea typeface="Wawati SC" pitchFamily="82" charset="-122"/>
+              </a:rPr>
+              <a:t>第</a:t>
+            </a:r>
+            <a:r>
+              <a:rPr kumimoji="1" lang="en-US" altLang="zh-CN" sz="3600" b="1" dirty="0">
+                <a:latin typeface="Wawati SC" pitchFamily="82" charset="-122"/>
+                <a:ea typeface="Wawati SC" pitchFamily="82" charset="-122"/>
+              </a:rPr>
+              <a:t>6</a:t>
+            </a:r>
+            <a:r>
+              <a:rPr kumimoji="1" lang="zh-CN" altLang="en-US" sz="3600" b="1" dirty="0">
+                <a:latin typeface="Wawati SC" pitchFamily="82" charset="-122"/>
+                <a:ea typeface="Wawati SC" pitchFamily="82" charset="-122"/>
+              </a:rPr>
+              <a:t>节：部署服务到 </a:t>
+            </a:r>
+            <a:r>
+              <a:rPr kumimoji="1" lang="en" altLang="zh-CN" sz="3600" b="1" dirty="0">
+                <a:latin typeface="Wawati SC" pitchFamily="82" charset="-122"/>
+                <a:ea typeface="Wawati SC" pitchFamily="82" charset="-122"/>
+              </a:rPr>
+              <a:t>Docker </a:t>
+            </a:r>
+            <a:r>
+              <a:rPr kumimoji="1" lang="zh-CN" altLang="en-US" sz="3600" b="1" dirty="0">
+                <a:latin typeface="Wawati SC" pitchFamily="82" charset="-122"/>
+                <a:ea typeface="Wawati SC" pitchFamily="82" charset="-122"/>
+              </a:rPr>
+              <a:t>容器</a:t>
+            </a:r>
+            <a:endParaRPr kumimoji="1" lang="en-US" altLang="zh-CN" sz="3600" b="1" dirty="0">
+              <a:latin typeface="Wawati SC" pitchFamily="82" charset="-122"/>
+              <a:ea typeface="Wawati SC" pitchFamily="82" charset="-122"/>
+            </a:endParaRPr>
+          </a:p>
+        </p:txBody>
+      </p:sp>
+      <p:sp>
+        <p:nvSpPr>
+          <p:cNvPr id="2" name="文本框 1">
+            <a:extLst>
+              <a:ext uri="{FF2B5EF4-FFF2-40B4-BE49-F238E27FC236}">
+                <a16:creationId xmlns:a16="http://schemas.microsoft.com/office/drawing/2014/main" id="{1F7667C4-6A67-AE70-6F0B-579ED5C15E49}"/>
+              </a:ext>
+            </a:extLst>
+          </p:cNvPr>
+          <p:cNvSpPr txBox="1"/>
+          <p:nvPr/>
+        </p:nvSpPr>
+        <p:spPr>
+          <a:xfrm>
+            <a:off x="-1456267" y="2506133"/>
+            <a:ext cx="184731" cy="369332"/>
+          </a:xfrm>
+          <a:prstGeom prst="rect">
+            <a:avLst/>
+          </a:prstGeom>
+          <a:noFill/>
+        </p:spPr>
+        <p:txBody>
+          <a:bodyPr wrap="none" rtlCol="0">
+            <a:spAutoFit/>
+          </a:bodyPr>
+          <a:lstStyle/>
+          <a:p>
+            <a:endParaRPr kumimoji="1" lang="zh-CN" altLang="en-US" dirty="0"/>
+          </a:p>
+        </p:txBody>
+      </p:sp>
+    </p:spTree>
+    <p:extLst>
+      <p:ext uri="{BB962C8B-B14F-4D97-AF65-F5344CB8AC3E}">
+        <p14:creationId xmlns:p14="http://schemas.microsoft.com/office/powerpoint/2010/main" val="3055953625"/>
+      </p:ext>
+    </p:extLst>
+  </p:cSld>
+  <p:clrMapOvr>
+    <a:masterClrMapping/>
+  </p:clrMapOvr>
+</p:sld>
+</file>
+
+<file path=ppt/slides/slide12.xml><?xml version="1.0" encoding="utf-8"?>
+<p:sld xmlns:a="http://schemas.openxmlformats.org/drawingml/2006/main" xmlns:r="http://schemas.openxmlformats.org/officeDocument/2006/relationships" xmlns:p="http://schemas.openxmlformats.org/presentationml/2006/main">
+  <p:cSld>
+    <p:spTree>
+      <p:nvGrpSpPr>
+        <p:cNvPr id="1" name=""/>
+        <p:cNvGrpSpPr/>
+        <p:nvPr/>
+      </p:nvGrpSpPr>
+      <p:grpSpPr>
+        <a:xfrm>
+          <a:off x="0" y="0"/>
+          <a:ext cx="0" cy="0"/>
+          <a:chOff x="0" y="0"/>
+          <a:chExt cx="0" cy="0"/>
+        </a:xfrm>
+      </p:grpSpPr>
+      <p:sp>
+        <p:nvSpPr>
+          <p:cNvPr id="11" name="文本框 10">
+            <a:extLst>
+              <a:ext uri="{FF2B5EF4-FFF2-40B4-BE49-F238E27FC236}">
+                <a16:creationId xmlns:a16="http://schemas.microsoft.com/office/drawing/2014/main" id="{5F3E6489-9BD8-BF41-18EE-BB03FA324E4B}"/>
+              </a:ext>
+            </a:extLst>
+          </p:cNvPr>
+          <p:cNvSpPr txBox="1"/>
+          <p:nvPr/>
+        </p:nvSpPr>
+        <p:spPr>
+          <a:xfrm>
+            <a:off x="2610110" y="3205976"/>
+            <a:ext cx="9581890" cy="646331"/>
+          </a:xfrm>
+          <a:prstGeom prst="rect">
+            <a:avLst/>
+          </a:prstGeom>
+          <a:noFill/>
+        </p:spPr>
+        <p:txBody>
+          <a:bodyPr wrap="square" rtlCol="0">
+            <a:spAutoFit/>
+          </a:bodyPr>
+          <a:lstStyle/>
+          <a:p>
+            <a:r>
               <a:rPr kumimoji="1" lang="en-US" altLang="zh-CN" sz="3600" b="1" dirty="0">
                 <a:latin typeface="Wawati SC" pitchFamily="82" charset="-122"/>
                 <a:ea typeface="Wawati SC" pitchFamily="82" charset="-122"/>
@@ -7604,7 +7846,7 @@
 </p:sld>
 </file>
 
-<file path=ppt/slides/slide12.xml><?xml version="1.0" encoding="utf-8"?>
+<file path=ppt/slides/slide13.xml><?xml version="1.0" encoding="utf-8"?>
 <p:sld xmlns:a="http://schemas.openxmlformats.org/drawingml/2006/main" xmlns:r="http://schemas.openxmlformats.org/officeDocument/2006/relationships" xmlns:p="http://schemas.openxmlformats.org/presentationml/2006/main">
   <p:cSld>
     <p:spTree>
@@ -8028,7 +8270,7 @@
 </p:sld>
 </file>
 
-<file path=ppt/slides/slide13.xml><?xml version="1.0" encoding="utf-8"?>
+<file path=ppt/slides/slide14.xml><?xml version="1.0" encoding="utf-8"?>
 <p:sld xmlns:a="http://schemas.openxmlformats.org/drawingml/2006/main" xmlns:r="http://schemas.openxmlformats.org/officeDocument/2006/relationships" xmlns:p="http://schemas.openxmlformats.org/presentationml/2006/main">
   <p:cSld>
     <p:spTree>
@@ -8668,7 +8910,7 @@
 </p:sld>
 </file>
 
-<file path=ppt/slides/slide14.xml><?xml version="1.0" encoding="utf-8"?>
+<file path=ppt/slides/slide15.xml><?xml version="1.0" encoding="utf-8"?>
 <p:sld xmlns:a="http://schemas.openxmlformats.org/drawingml/2006/main" xmlns:r="http://schemas.openxmlformats.org/officeDocument/2006/relationships" xmlns:p="http://schemas.openxmlformats.org/presentationml/2006/main">
   <p:cSld>
     <p:spTree>
@@ -9246,7 +9488,7 @@
 </p:sld>
 </file>
 
-<file path=ppt/slides/slide15.xml><?xml version="1.0" encoding="utf-8"?>
+<file path=ppt/slides/slide16.xml><?xml version="1.0" encoding="utf-8"?>
 <p:sld xmlns:a="http://schemas.openxmlformats.org/drawingml/2006/main" xmlns:r="http://schemas.openxmlformats.org/officeDocument/2006/relationships" xmlns:p="http://schemas.openxmlformats.org/presentationml/2006/main">
   <p:cSld>
     <p:bg>
@@ -10233,6 +10475,602 @@
       </p:pic>
       <p:sp>
         <p:nvSpPr>
+          <p:cNvPr id="5" name="文本框 4">
+            <a:extLst>
+              <a:ext uri="{FF2B5EF4-FFF2-40B4-BE49-F238E27FC236}">
+                <a16:creationId xmlns:a16="http://schemas.microsoft.com/office/drawing/2014/main" id="{289B8436-7421-4C9C-821E-F95859860417}"/>
+              </a:ext>
+            </a:extLst>
+          </p:cNvPr>
+          <p:cNvSpPr txBox="1"/>
+          <p:nvPr/>
+        </p:nvSpPr>
+        <p:spPr>
+          <a:xfrm>
+            <a:off x="709211" y="1120611"/>
+            <a:ext cx="6916233" cy="584775"/>
+          </a:xfrm>
+          <a:prstGeom prst="rect">
+            <a:avLst/>
+          </a:prstGeom>
+          <a:noFill/>
+        </p:spPr>
+        <p:txBody>
+          <a:bodyPr wrap="square" rtlCol="0">
+            <a:spAutoFit/>
+          </a:bodyPr>
+          <a:lstStyle/>
+          <a:p>
+            <a:r>
+              <a:rPr kumimoji="1" lang="en-US" altLang="zh-CN" sz="1600" b="1" dirty="0">
+                <a:solidFill>
+                  <a:srgbClr val="C00000"/>
+                </a:solidFill>
+                <a:latin typeface="Libian SC" panose="02010600040101010101" pitchFamily="2" charset="-122"/>
+                <a:ea typeface="Libian SC" panose="02010600040101010101" pitchFamily="2" charset="-122"/>
+              </a:rPr>
+              <a:t>ChatGPT</a:t>
+            </a:r>
+            <a:r>
+              <a:rPr kumimoji="1" lang="zh-CN" altLang="en-US" sz="1600" dirty="0">
+                <a:latin typeface="Libian SC" panose="02010600040101010101" pitchFamily="2" charset="-122"/>
+                <a:ea typeface="Libian SC" panose="02010600040101010101" pitchFamily="2" charset="-122"/>
+              </a:rPr>
+              <a:t> 是由 </a:t>
+            </a:r>
+            <a:r>
+              <a:rPr kumimoji="1" lang="en-US" altLang="zh-CN" sz="1600" dirty="0">
+                <a:latin typeface="Libian SC" panose="02010600040101010101" pitchFamily="2" charset="-122"/>
+                <a:ea typeface="Libian SC" panose="02010600040101010101" pitchFamily="2" charset="-122"/>
+              </a:rPr>
+              <a:t>OpenAI</a:t>
+            </a:r>
+            <a:r>
+              <a:rPr kumimoji="1" lang="zh-CN" altLang="en-US" sz="1600" dirty="0">
+                <a:latin typeface="Libian SC" panose="02010600040101010101" pitchFamily="2" charset="-122"/>
+                <a:ea typeface="Libian SC" panose="02010600040101010101" pitchFamily="2" charset="-122"/>
+              </a:rPr>
+              <a:t> 训练的大型语言模型，可以生成文本，解释代码，回答问题等。现将 </a:t>
+            </a:r>
+            <a:r>
+              <a:rPr kumimoji="1" lang="en-US" altLang="zh-CN" sz="1600" dirty="0">
+                <a:latin typeface="Libian SC" panose="02010600040101010101" pitchFamily="2" charset="-122"/>
+                <a:ea typeface="Libian SC" panose="02010600040101010101" pitchFamily="2" charset="-122"/>
+              </a:rPr>
+              <a:t>ChatGPT</a:t>
+            </a:r>
+            <a:r>
+              <a:rPr kumimoji="1" lang="zh-CN" altLang="en-US" sz="1600" dirty="0">
+                <a:latin typeface="Libian SC" panose="02010600040101010101" pitchFamily="2" charset="-122"/>
+                <a:ea typeface="Libian SC" panose="02010600040101010101" pitchFamily="2" charset="-122"/>
+              </a:rPr>
+              <a:t> 对接到</a:t>
+            </a:r>
+            <a:r>
+              <a:rPr kumimoji="1" lang="zh-CN" altLang="en-US" sz="1600" b="1" dirty="0">
+                <a:solidFill>
+                  <a:srgbClr val="C00000"/>
+                </a:solidFill>
+                <a:latin typeface="Libian SC" panose="02010600040101010101" pitchFamily="2" charset="-122"/>
+                <a:ea typeface="Libian SC" panose="02010600040101010101" pitchFamily="2" charset="-122"/>
+              </a:rPr>
+              <a:t>知识星球</a:t>
+            </a:r>
+            <a:r>
+              <a:rPr kumimoji="1" lang="zh-CN" altLang="en-US" sz="1600" dirty="0">
+                <a:latin typeface="Libian SC" panose="02010600040101010101" pitchFamily="2" charset="-122"/>
+                <a:ea typeface="Libian SC" panose="02010600040101010101" pitchFamily="2" charset="-122"/>
+              </a:rPr>
+              <a:t>，通过爬虫接口回答用户提问。 </a:t>
+            </a:r>
+          </a:p>
+        </p:txBody>
+      </p:sp>
+      <p:sp>
+        <p:nvSpPr>
+          <p:cNvPr id="7" name="文本框 6">
+            <a:extLst>
+              <a:ext uri="{FF2B5EF4-FFF2-40B4-BE49-F238E27FC236}">
+                <a16:creationId xmlns:a16="http://schemas.microsoft.com/office/drawing/2014/main" id="{EBB5D830-A9F3-34F8-F361-BCD8FD6459CF}"/>
+              </a:ext>
+            </a:extLst>
+          </p:cNvPr>
+          <p:cNvSpPr txBox="1"/>
+          <p:nvPr/>
+        </p:nvSpPr>
+        <p:spPr>
+          <a:xfrm>
+            <a:off x="4167327" y="5568112"/>
+            <a:ext cx="7958011" cy="338554"/>
+          </a:xfrm>
+          <a:prstGeom prst="rect">
+            <a:avLst/>
+          </a:prstGeom>
+          <a:noFill/>
+        </p:spPr>
+        <p:txBody>
+          <a:bodyPr wrap="square">
+            <a:spAutoFit/>
+          </a:bodyPr>
+          <a:lstStyle/>
+          <a:p>
+            <a:pPr algn="dist"/>
+            <a:r>
+              <a:rPr lang="en-US" altLang="zh-CN" sz="1600" dirty="0">
+                <a:solidFill>
+                  <a:schemeClr val="tx1">
+                    <a:lumMod val="75000"/>
+                    <a:lumOff val="25000"/>
+                  </a:schemeClr>
+                </a:solidFill>
+                <a:latin typeface="Chalkduster" panose="03050602040202020205" pitchFamily="66" charset="0"/>
+                <a:ea typeface="Microsoft YaHei" panose="020B0503020204020204" pitchFamily="34" charset="-122"/>
+              </a:rPr>
+              <a:t>ChatGPT</a:t>
+            </a:r>
+            <a:r>
+              <a:rPr lang="zh-CN" altLang="en-US" sz="1600" dirty="0">
+                <a:solidFill>
+                  <a:schemeClr val="tx1">
+                    <a:lumMod val="75000"/>
+                    <a:lumOff val="25000"/>
+                  </a:schemeClr>
+                </a:solidFill>
+                <a:latin typeface="Chalkduster" panose="03050602040202020205" pitchFamily="66" charset="0"/>
+                <a:ea typeface="Microsoft YaHei" panose="020B0503020204020204" pitchFamily="34" charset="-122"/>
+              </a:rPr>
+              <a:t> </a:t>
+            </a:r>
+            <a:r>
+              <a:rPr lang="en-US" altLang="zh-CN" sz="1600" dirty="0">
+                <a:solidFill>
+                  <a:schemeClr val="tx1">
+                    <a:lumMod val="75000"/>
+                    <a:lumOff val="25000"/>
+                  </a:schemeClr>
+                </a:solidFill>
+                <a:latin typeface="Chalkduster" panose="03050602040202020205" pitchFamily="66" charset="0"/>
+                <a:ea typeface="Microsoft YaHei" panose="020B0503020204020204" pitchFamily="34" charset="-122"/>
+              </a:rPr>
+              <a:t>/</a:t>
+            </a:r>
+            <a:r>
+              <a:rPr lang="zh-CN" altLang="en-US" sz="1600" dirty="0">
+                <a:solidFill>
+                  <a:schemeClr val="tx1">
+                    <a:lumMod val="75000"/>
+                    <a:lumOff val="25000"/>
+                  </a:schemeClr>
+                </a:solidFill>
+                <a:latin typeface="Chalkduster" panose="03050602040202020205" pitchFamily="66" charset="0"/>
+                <a:ea typeface="Microsoft YaHei" panose="020B0503020204020204" pitchFamily="34" charset="-122"/>
+              </a:rPr>
+              <a:t> </a:t>
+            </a:r>
+            <a:r>
+              <a:rPr lang="en-US" altLang="zh-CN" sz="1600" dirty="0">
+                <a:solidFill>
+                  <a:schemeClr val="tx1">
+                    <a:lumMod val="75000"/>
+                    <a:lumOff val="25000"/>
+                  </a:schemeClr>
+                </a:solidFill>
+                <a:latin typeface="Chalkduster" panose="03050602040202020205" pitchFamily="66" charset="0"/>
+                <a:ea typeface="Microsoft YaHei" panose="020B0503020204020204" pitchFamily="34" charset="-122"/>
+              </a:rPr>
+              <a:t>API</a:t>
+            </a:r>
+            <a:r>
+              <a:rPr lang="zh-CN" altLang="en-US" sz="1600" dirty="0">
+                <a:solidFill>
+                  <a:schemeClr val="tx1">
+                    <a:lumMod val="75000"/>
+                    <a:lumOff val="25000"/>
+                  </a:schemeClr>
+                </a:solidFill>
+                <a:latin typeface="Chalkduster" panose="03050602040202020205" pitchFamily="66" charset="0"/>
+                <a:ea typeface="Microsoft YaHei" panose="020B0503020204020204" pitchFamily="34" charset="-122"/>
+              </a:rPr>
+              <a:t> / </a:t>
+            </a:r>
+            <a:r>
+              <a:rPr lang="en-US" altLang="zh-CN" sz="1600" dirty="0">
+                <a:solidFill>
+                  <a:schemeClr val="tx1">
+                    <a:lumMod val="75000"/>
+                    <a:lumOff val="25000"/>
+                  </a:schemeClr>
+                </a:solidFill>
+                <a:latin typeface="Chalkduster" panose="03050602040202020205" pitchFamily="66" charset="0"/>
+                <a:ea typeface="Microsoft YaHei" panose="020B0503020204020204" pitchFamily="34" charset="-122"/>
+              </a:rPr>
+              <a:t>DDD</a:t>
+            </a:r>
+            <a:r>
+              <a:rPr lang="zh-CN" altLang="en-US" sz="1600" dirty="0">
+                <a:solidFill>
+                  <a:schemeClr val="tx1">
+                    <a:lumMod val="75000"/>
+                    <a:lumOff val="25000"/>
+                  </a:schemeClr>
+                </a:solidFill>
+                <a:latin typeface="Chalkduster" panose="03050602040202020205" pitchFamily="66" charset="0"/>
+                <a:ea typeface="Microsoft YaHei" panose="020B0503020204020204" pitchFamily="34" charset="-122"/>
+              </a:rPr>
+              <a:t> / </a:t>
+            </a:r>
+            <a:r>
+              <a:rPr lang="en-US" altLang="zh-CN" sz="1600" dirty="0">
+                <a:solidFill>
+                  <a:schemeClr val="tx1">
+                    <a:lumMod val="75000"/>
+                    <a:lumOff val="25000"/>
+                  </a:schemeClr>
+                </a:solidFill>
+                <a:latin typeface="Chalkduster" panose="03050602040202020205" pitchFamily="66" charset="0"/>
+                <a:ea typeface="Microsoft YaHei" panose="020B0503020204020204" pitchFamily="34" charset="-122"/>
+              </a:rPr>
+              <a:t>Github</a:t>
+            </a:r>
+            <a:r>
+              <a:rPr lang="zh-CN" altLang="en-US" sz="1600" dirty="0">
+                <a:solidFill>
+                  <a:schemeClr val="tx1">
+                    <a:lumMod val="75000"/>
+                    <a:lumOff val="25000"/>
+                  </a:schemeClr>
+                </a:solidFill>
+                <a:latin typeface="Chalkduster" panose="03050602040202020205" pitchFamily="66" charset="0"/>
+                <a:ea typeface="Microsoft YaHei" panose="020B0503020204020204" pitchFamily="34" charset="-122"/>
+              </a:rPr>
+              <a:t> / </a:t>
+            </a:r>
+            <a:r>
+              <a:rPr lang="en" altLang="zh-CN" sz="1600" dirty="0">
+                <a:solidFill>
+                  <a:schemeClr val="tx1">
+                    <a:lumMod val="75000"/>
+                    <a:lumOff val="25000"/>
+                  </a:schemeClr>
+                </a:solidFill>
+                <a:latin typeface="Chalkduster" panose="03050602040202020205" pitchFamily="66" charset="0"/>
+                <a:ea typeface="Microsoft YaHei" panose="020B0503020204020204" pitchFamily="34" charset="-122"/>
+              </a:rPr>
+              <a:t>reptile</a:t>
+            </a:r>
+            <a:r>
+              <a:rPr lang="zh-CN" altLang="en-US" sz="1600" dirty="0">
+                <a:solidFill>
+                  <a:schemeClr val="tx1">
+                    <a:lumMod val="75000"/>
+                    <a:lumOff val="25000"/>
+                  </a:schemeClr>
+                </a:solidFill>
+                <a:latin typeface="Chalkduster" panose="03050602040202020205" pitchFamily="66" charset="0"/>
+                <a:ea typeface="Microsoft YaHei" panose="020B0503020204020204" pitchFamily="34" charset="-122"/>
+              </a:rPr>
+              <a:t> / </a:t>
+            </a:r>
+            <a:r>
+              <a:rPr lang="en-US" altLang="zh-CN" sz="1600" dirty="0">
+                <a:solidFill>
+                  <a:schemeClr val="tx1">
+                    <a:lumMod val="75000"/>
+                    <a:lumOff val="25000"/>
+                  </a:schemeClr>
+                </a:solidFill>
+                <a:latin typeface="Chalkduster" panose="03050602040202020205" pitchFamily="66" charset="0"/>
+                <a:ea typeface="Microsoft YaHei" panose="020B0503020204020204" pitchFamily="34" charset="-122"/>
+              </a:rPr>
+              <a:t>Q&amp;A</a:t>
+            </a:r>
+            <a:r>
+              <a:rPr lang="zh-CN" altLang="en-US" sz="1600" dirty="0">
+                <a:solidFill>
+                  <a:schemeClr val="tx1">
+                    <a:lumMod val="75000"/>
+                    <a:lumOff val="25000"/>
+                  </a:schemeClr>
+                </a:solidFill>
+                <a:latin typeface="Chalkduster" panose="03050602040202020205" pitchFamily="66" charset="0"/>
+                <a:ea typeface="Microsoft YaHei" panose="020B0503020204020204" pitchFamily="34" charset="-122"/>
+              </a:rPr>
+              <a:t> / </a:t>
+            </a:r>
+            <a:r>
+              <a:rPr lang="en-US" altLang="zh-CN" sz="1600" dirty="0">
+                <a:solidFill>
+                  <a:schemeClr val="tx1">
+                    <a:lumMod val="75000"/>
+                    <a:lumOff val="25000"/>
+                  </a:schemeClr>
+                </a:solidFill>
+                <a:latin typeface="Chalkduster" panose="03050602040202020205" pitchFamily="66" charset="0"/>
+                <a:ea typeface="Microsoft YaHei" panose="020B0503020204020204" pitchFamily="34" charset="-122"/>
+              </a:rPr>
+              <a:t>job</a:t>
+            </a:r>
+            <a:r>
+              <a:rPr lang="zh-CN" altLang="en-US" sz="1600" dirty="0">
+                <a:solidFill>
+                  <a:schemeClr val="tx1">
+                    <a:lumMod val="75000"/>
+                    <a:lumOff val="25000"/>
+                  </a:schemeClr>
+                </a:solidFill>
+                <a:latin typeface="Chalkduster" panose="03050602040202020205" pitchFamily="66" charset="0"/>
+                <a:ea typeface="Microsoft YaHei" panose="020B0503020204020204" pitchFamily="34" charset="-122"/>
+              </a:rPr>
+              <a:t> / </a:t>
+            </a:r>
+            <a:r>
+              <a:rPr lang="en-US" altLang="zh-CN" sz="1600" dirty="0">
+                <a:solidFill>
+                  <a:schemeClr val="tx1">
+                    <a:lumMod val="75000"/>
+                    <a:lumOff val="25000"/>
+                  </a:schemeClr>
+                </a:solidFill>
+                <a:latin typeface="Chalkduster" panose="03050602040202020205" pitchFamily="66" charset="0"/>
+                <a:ea typeface="Microsoft YaHei" panose="020B0503020204020204" pitchFamily="34" charset="-122"/>
+              </a:rPr>
+              <a:t>Docker</a:t>
+            </a:r>
+            <a:endParaRPr lang="zh-CN" altLang="en-US" sz="1600" dirty="0">
+              <a:solidFill>
+                <a:schemeClr val="tx1">
+                  <a:lumMod val="75000"/>
+                  <a:lumOff val="25000"/>
+                </a:schemeClr>
+              </a:solidFill>
+              <a:latin typeface="Chalkduster" panose="03050602040202020205" pitchFamily="66" charset="0"/>
+              <a:ea typeface="Microsoft YaHei" panose="020B0503020204020204" pitchFamily="34" charset="-122"/>
+            </a:endParaRPr>
+          </a:p>
+        </p:txBody>
+      </p:sp>
+      <p:sp>
+        <p:nvSpPr>
+          <p:cNvPr id="4" name="文本框 3">
+            <a:extLst>
+              <a:ext uri="{FF2B5EF4-FFF2-40B4-BE49-F238E27FC236}">
+                <a16:creationId xmlns:a16="http://schemas.microsoft.com/office/drawing/2014/main" id="{41782DE9-1C26-2C22-0CBD-FDCE89153BFF}"/>
+              </a:ext>
+            </a:extLst>
+          </p:cNvPr>
+          <p:cNvSpPr txBox="1"/>
+          <p:nvPr/>
+        </p:nvSpPr>
+        <p:spPr>
+          <a:xfrm>
+            <a:off x="0" y="2719556"/>
+            <a:ext cx="12191999" cy="2308324"/>
+          </a:xfrm>
+          <a:prstGeom prst="rect">
+            <a:avLst/>
+          </a:prstGeom>
+          <a:solidFill>
+            <a:schemeClr val="bg1">
+              <a:alpha val="0"/>
+            </a:schemeClr>
+          </a:solidFill>
+        </p:spPr>
+        <p:txBody>
+          <a:bodyPr wrap="square" rtlCol="0">
+            <a:spAutoFit/>
+          </a:bodyPr>
+          <a:lstStyle/>
+          <a:p>
+            <a:pPr algn="ctr"/>
+            <a:r>
+              <a:rPr kumimoji="1" lang="en-US" altLang="zh-CN" sz="7200" b="1" dirty="0">
+                <a:latin typeface="Wawati SC" pitchFamily="82" charset="-122"/>
+                <a:ea typeface="Wawati SC" pitchFamily="82" charset="-122"/>
+              </a:rPr>
+              <a:t>《ChatGPT</a:t>
+            </a:r>
+            <a:r>
+              <a:rPr kumimoji="1" lang="zh-CN" altLang="en-US" sz="7200" b="1" dirty="0">
+                <a:latin typeface="Wawati SC" pitchFamily="82" charset="-122"/>
+                <a:ea typeface="Wawati SC" pitchFamily="82" charset="-122"/>
+              </a:rPr>
+              <a:t> </a:t>
+            </a:r>
+            <a:r>
+              <a:rPr kumimoji="1" lang="en-US" altLang="zh-CN" sz="7200" b="1" dirty="0">
+                <a:solidFill>
+                  <a:srgbClr val="C00000"/>
+                </a:solidFill>
+                <a:latin typeface="Wawati SC" pitchFamily="82" charset="-122"/>
+                <a:ea typeface="Wawati SC" pitchFamily="82" charset="-122"/>
+              </a:rPr>
+              <a:t>AI</a:t>
+            </a:r>
+            <a:r>
+              <a:rPr kumimoji="1" lang="zh-CN" altLang="en-US" sz="7200" b="1" dirty="0">
+                <a:solidFill>
+                  <a:srgbClr val="C00000"/>
+                </a:solidFill>
+                <a:latin typeface="Wawati SC" pitchFamily="82" charset="-122"/>
+                <a:ea typeface="Wawati SC" pitchFamily="82" charset="-122"/>
+              </a:rPr>
+              <a:t> </a:t>
+            </a:r>
+            <a:r>
+              <a:rPr kumimoji="1" lang="zh-CN" altLang="en-US" sz="7200" b="1" dirty="0">
+                <a:latin typeface="Wawati SC" pitchFamily="82" charset="-122"/>
+                <a:ea typeface="Wawati SC" pitchFamily="82" charset="-122"/>
+              </a:rPr>
+              <a:t>问答助手</a:t>
+            </a:r>
+            <a:r>
+              <a:rPr kumimoji="1" lang="en-US" altLang="zh-CN" sz="7200" b="1" dirty="0">
+                <a:latin typeface="Wawati SC" pitchFamily="82" charset="-122"/>
+                <a:ea typeface="Wawati SC" pitchFamily="82" charset="-122"/>
+              </a:rPr>
+              <a:t>》</a:t>
+            </a:r>
+            <a:r>
+              <a:rPr kumimoji="1" lang="zh-CN" altLang="en-US" sz="7200" b="1" dirty="0">
+                <a:latin typeface="Wawati SC" pitchFamily="82" charset="-122"/>
+                <a:ea typeface="Wawati SC" pitchFamily="82" charset="-122"/>
+              </a:rPr>
+              <a:t>实战项目</a:t>
+            </a:r>
+            <a:r>
+              <a:rPr kumimoji="1" lang="en-US" altLang="zh-CN" sz="7200" b="1" dirty="0">
+                <a:latin typeface="Wawati SC" pitchFamily="82" charset="-122"/>
+                <a:ea typeface="Wawati SC" pitchFamily="82" charset="-122"/>
+              </a:rPr>
+              <a:t>👨🏻‍💻</a:t>
+            </a:r>
+            <a:endParaRPr kumimoji="1" lang="zh-CN" altLang="en-US" sz="7200" b="1" dirty="0">
+              <a:latin typeface="Wawati SC" pitchFamily="82" charset="-122"/>
+              <a:ea typeface="Wawati SC" pitchFamily="82" charset="-122"/>
+            </a:endParaRPr>
+          </a:p>
+        </p:txBody>
+      </p:sp>
+      <p:pic>
+        <p:nvPicPr>
+          <p:cNvPr id="8" name="图片 7">
+            <a:extLst>
+              <a:ext uri="{FF2B5EF4-FFF2-40B4-BE49-F238E27FC236}">
+                <a16:creationId xmlns:a16="http://schemas.microsoft.com/office/drawing/2014/main" id="{201A0F11-045D-B76C-D424-FDB171BC8B12}"/>
+              </a:ext>
+            </a:extLst>
+          </p:cNvPr>
+          <p:cNvPicPr>
+            <a:picLocks noChangeAspect="1"/>
+          </p:cNvPicPr>
+          <p:nvPr/>
+        </p:nvPicPr>
+        <p:blipFill>
+          <a:blip r:embed="rId5">
+            <a:extLst>
+              <a:ext uri="{28A0092B-C50C-407E-A947-70E740481C1C}">
+                <a14:useLocalDpi xmlns:a14="http://schemas.microsoft.com/office/drawing/2010/main" val="0"/>
+              </a:ext>
+            </a:extLst>
+          </a:blip>
+          <a:stretch>
+            <a:fillRect/>
+          </a:stretch>
+        </p:blipFill>
+        <p:spPr>
+          <a:xfrm>
+            <a:off x="5601813" y="1988926"/>
+            <a:ext cx="988373" cy="988373"/>
+          </a:xfrm>
+          <a:prstGeom prst="rect">
+            <a:avLst/>
+          </a:prstGeom>
+        </p:spPr>
+      </p:pic>
+    </p:spTree>
+    <p:extLst>
+      <p:ext uri="{BB962C8B-B14F-4D97-AF65-F5344CB8AC3E}">
+        <p14:creationId xmlns:p14="http://schemas.microsoft.com/office/powerpoint/2010/main" val="1771719109"/>
+      </p:ext>
+    </p:extLst>
+  </p:cSld>
+  <p:clrMapOvr>
+    <a:masterClrMapping/>
+  </p:clrMapOvr>
+</p:sld>
+</file>
+
+<file path=ppt/slides/slide4.xml><?xml version="1.0" encoding="utf-8"?>
+<p:sld xmlns:a="http://schemas.openxmlformats.org/drawingml/2006/main" xmlns:r="http://schemas.openxmlformats.org/officeDocument/2006/relationships" xmlns:p="http://schemas.openxmlformats.org/presentationml/2006/main">
+  <p:cSld>
+    <p:spTree>
+      <p:nvGrpSpPr>
+        <p:cNvPr id="1" name=""/>
+        <p:cNvGrpSpPr/>
+        <p:nvPr/>
+      </p:nvGrpSpPr>
+      <p:grpSpPr>
+        <a:xfrm>
+          <a:off x="0" y="0"/>
+          <a:ext cx="0" cy="0"/>
+          <a:chOff x="0" y="0"/>
+          <a:chExt cx="0" cy="0"/>
+        </a:xfrm>
+      </p:grpSpPr>
+      <p:pic>
+        <p:nvPicPr>
+          <p:cNvPr id="2" name="图片 1">
+            <a:extLst>
+              <a:ext uri="{FF2B5EF4-FFF2-40B4-BE49-F238E27FC236}">
+                <a16:creationId xmlns:a16="http://schemas.microsoft.com/office/drawing/2014/main" id="{73ECC1B4-404F-44ED-2BA4-B73777376F46}"/>
+              </a:ext>
+            </a:extLst>
+          </p:cNvPr>
+          <p:cNvPicPr>
+            <a:picLocks noChangeAspect="1"/>
+          </p:cNvPicPr>
+          <p:nvPr/>
+        </p:nvPicPr>
+        <p:blipFill>
+          <a:blip r:embed="rId3">
+            <a:extLst>
+              <a:ext uri="{28A0092B-C50C-407E-A947-70E740481C1C}">
+                <a14:useLocalDpi xmlns:a14="http://schemas.microsoft.com/office/drawing/2010/main" val="0"/>
+              </a:ext>
+            </a:extLst>
+          </a:blip>
+          <a:stretch>
+            <a:fillRect/>
+          </a:stretch>
+        </p:blipFill>
+        <p:spPr>
+          <a:xfrm>
+            <a:off x="0" y="837071"/>
+            <a:ext cx="12192000" cy="5183857"/>
+          </a:xfrm>
+          <a:prstGeom prst="rect">
+            <a:avLst/>
+          </a:prstGeom>
+        </p:spPr>
+      </p:pic>
+      <p:pic>
+        <p:nvPicPr>
+          <p:cNvPr id="3" name="图片 2">
+            <a:extLst>
+              <a:ext uri="{FF2B5EF4-FFF2-40B4-BE49-F238E27FC236}">
+                <a16:creationId xmlns:a16="http://schemas.microsoft.com/office/drawing/2014/main" id="{12B517C9-C379-1AD2-894E-27CFF0AF9F2A}"/>
+              </a:ext>
+            </a:extLst>
+          </p:cNvPr>
+          <p:cNvPicPr>
+            <a:picLocks noChangeAspect="1"/>
+          </p:cNvPicPr>
+          <p:nvPr/>
+        </p:nvPicPr>
+        <p:blipFill>
+          <a:blip r:embed="rId4">
+            <a:extLst>
+              <a:ext uri="{28A0092B-C50C-407E-A947-70E740481C1C}">
+                <a14:useLocalDpi xmlns:a14="http://schemas.microsoft.com/office/drawing/2010/main" val="0"/>
+              </a:ext>
+            </a:extLst>
+          </a:blip>
+          <a:stretch>
+            <a:fillRect/>
+          </a:stretch>
+        </p:blipFill>
+        <p:spPr>
+          <a:xfrm>
+            <a:off x="218603" y="1143552"/>
+            <a:ext cx="490608" cy="490608"/>
+          </a:xfrm>
+          <a:prstGeom prst="rect">
+            <a:avLst/>
+          </a:prstGeom>
+        </p:spPr>
+      </p:pic>
+      <p:sp>
+        <p:nvSpPr>
           <p:cNvPr id="4" name="文本框 3">
             <a:extLst>
               <a:ext uri="{FF2B5EF4-FFF2-40B4-BE49-F238E27FC236}">
@@ -10784,7 +11622,7 @@
 </p:sld>
 </file>
 
-<file path=ppt/slides/slide4.xml><?xml version="1.0" encoding="utf-8"?>
+<file path=ppt/slides/slide5.xml><?xml version="1.0" encoding="utf-8"?>
 <p:sld xmlns:a="http://schemas.openxmlformats.org/drawingml/2006/main" xmlns:r="http://schemas.openxmlformats.org/officeDocument/2006/relationships" xmlns:p="http://schemas.openxmlformats.org/presentationml/2006/main">
   <p:cSld>
     <p:spTree>
@@ -10866,7 +11704,7 @@
 </p:sld>
 </file>
 
-<file path=ppt/slides/slide5.xml><?xml version="1.0" encoding="utf-8"?>
+<file path=ppt/slides/slide6.xml><?xml version="1.0" encoding="utf-8"?>
 <p:sld xmlns:a="http://schemas.openxmlformats.org/drawingml/2006/main" xmlns:r="http://schemas.openxmlformats.org/officeDocument/2006/relationships" xmlns:p="http://schemas.openxmlformats.org/presentationml/2006/main">
   <p:cSld>
     <p:spTree>
@@ -10999,88 +11837,6 @@
 </p:sld>
 </file>
 
-<file path=ppt/slides/slide6.xml><?xml version="1.0" encoding="utf-8"?>
-<p:sld xmlns:a="http://schemas.openxmlformats.org/drawingml/2006/main" xmlns:r="http://schemas.openxmlformats.org/officeDocument/2006/relationships" xmlns:p="http://schemas.openxmlformats.org/presentationml/2006/main">
-  <p:cSld>
-    <p:spTree>
-      <p:nvGrpSpPr>
-        <p:cNvPr id="1" name=""/>
-        <p:cNvGrpSpPr/>
-        <p:nvPr/>
-      </p:nvGrpSpPr>
-      <p:grpSpPr>
-        <a:xfrm>
-          <a:off x="0" y="0"/>
-          <a:ext cx="0" cy="0"/>
-          <a:chOff x="0" y="0"/>
-          <a:chExt cx="0" cy="0"/>
-        </a:xfrm>
-      </p:grpSpPr>
-      <p:sp>
-        <p:nvSpPr>
-          <p:cNvPr id="11" name="文本框 10">
-            <a:extLst>
-              <a:ext uri="{FF2B5EF4-FFF2-40B4-BE49-F238E27FC236}">
-                <a16:creationId xmlns:a16="http://schemas.microsoft.com/office/drawing/2014/main" id="{5F3E6489-9BD8-BF41-18EE-BB03FA324E4B}"/>
-              </a:ext>
-            </a:extLst>
-          </p:cNvPr>
-          <p:cNvSpPr txBox="1"/>
-          <p:nvPr/>
-        </p:nvSpPr>
-        <p:spPr>
-          <a:xfrm>
-            <a:off x="2610110" y="3205976"/>
-            <a:ext cx="9581890" cy="646331"/>
-          </a:xfrm>
-          <a:prstGeom prst="rect">
-            <a:avLst/>
-          </a:prstGeom>
-          <a:noFill/>
-        </p:spPr>
-        <p:txBody>
-          <a:bodyPr wrap="square" rtlCol="0">
-            <a:spAutoFit/>
-          </a:bodyPr>
-          <a:lstStyle/>
-          <a:p>
-            <a:r>
-              <a:rPr kumimoji="1" lang="zh-CN" altLang="en-US" sz="3600" b="1" dirty="0">
-                <a:latin typeface="Wawati SC" pitchFamily="82" charset="-122"/>
-                <a:ea typeface="Wawati SC" pitchFamily="82" charset="-122"/>
-              </a:rPr>
-              <a:t>第</a:t>
-            </a:r>
-            <a:r>
-              <a:rPr kumimoji="1" lang="en-US" altLang="zh-CN" sz="3600" b="1" dirty="0">
-                <a:latin typeface="Wawati SC" pitchFamily="82" charset="-122"/>
-                <a:ea typeface="Wawati SC" pitchFamily="82" charset="-122"/>
-              </a:rPr>
-              <a:t>2</a:t>
-            </a:r>
-            <a:r>
-              <a:rPr kumimoji="1" lang="zh-CN" altLang="en-US" sz="3600" b="1" dirty="0">
-                <a:latin typeface="Wawati SC" pitchFamily="82" charset="-122"/>
-                <a:ea typeface="Wawati SC" pitchFamily="82" charset="-122"/>
-              </a:rPr>
-              <a:t>节：创建知识星球，爬取接口信息</a:t>
-            </a:r>
-          </a:p>
-        </p:txBody>
-      </p:sp>
-    </p:spTree>
-    <p:extLst>
-      <p:ext uri="{BB962C8B-B14F-4D97-AF65-F5344CB8AC3E}">
-        <p14:creationId xmlns:p14="http://schemas.microsoft.com/office/powerpoint/2010/main" val="114784132"/>
-      </p:ext>
-    </p:extLst>
-  </p:cSld>
-  <p:clrMapOvr>
-    <a:masterClrMapping/>
-  </p:clrMapOvr>
-</p:sld>
-</file>
-
 <file path=ppt/slides/slide7.xml><?xml version="1.0" encoding="utf-8"?>
 <p:sld xmlns:a="http://schemas.openxmlformats.org/drawingml/2006/main" xmlns:r="http://schemas.openxmlformats.org/officeDocument/2006/relationships" xmlns:p="http://schemas.openxmlformats.org/presentationml/2006/main">
   <p:cSld>
@@ -11138,40 +11894,22 @@
                 <a:latin typeface="Wawati SC" pitchFamily="82" charset="-122"/>
                 <a:ea typeface="Wawati SC" pitchFamily="82" charset="-122"/>
               </a:rPr>
-              <a:t>3</a:t>
+              <a:t>2</a:t>
             </a:r>
             <a:r>
               <a:rPr kumimoji="1" lang="zh-CN" altLang="en-US" sz="3600" b="1" dirty="0">
                 <a:latin typeface="Wawati SC" pitchFamily="82" charset="-122"/>
                 <a:ea typeface="Wawati SC" pitchFamily="82" charset="-122"/>
               </a:rPr>
-              <a:t>节：知识星球</a:t>
-            </a:r>
-            <a:r>
-              <a:rPr kumimoji="1" lang="en-US" altLang="zh-CN" sz="3600" b="1" dirty="0">
-                <a:latin typeface="Wawati SC" pitchFamily="82" charset="-122"/>
-                <a:ea typeface="Wawati SC" pitchFamily="82" charset="-122"/>
-              </a:rPr>
-              <a:t>API</a:t>
-            </a:r>
-            <a:r>
-              <a:rPr kumimoji="1" lang="zh-CN" altLang="en-US" sz="3600" b="1" dirty="0">
-                <a:latin typeface="Wawati SC" pitchFamily="82" charset="-122"/>
-                <a:ea typeface="Wawati SC" pitchFamily="82" charset="-122"/>
-              </a:rPr>
-              <a:t>调用，领域服务开发</a:t>
-            </a:r>
-            <a:endParaRPr kumimoji="1" lang="en-US" altLang="zh-CN" sz="3600" b="1" dirty="0">
-              <a:latin typeface="Wawati SC" pitchFamily="82" charset="-122"/>
-              <a:ea typeface="Wawati SC" pitchFamily="82" charset="-122"/>
-            </a:endParaRPr>
+              <a:t>节：创建知识星球，爬取接口信息</a:t>
+            </a:r>
           </a:p>
         </p:txBody>
       </p:sp>
     </p:spTree>
     <p:extLst>
       <p:ext uri="{BB962C8B-B14F-4D97-AF65-F5344CB8AC3E}">
-        <p14:creationId xmlns:p14="http://schemas.microsoft.com/office/powerpoint/2010/main" val="406337100"/>
+        <p14:creationId xmlns:p14="http://schemas.microsoft.com/office/powerpoint/2010/main" val="114784132"/>
       </p:ext>
     </p:extLst>
   </p:cSld>
@@ -11238,42 +11976,28 @@
                 <a:latin typeface="Wawati SC" pitchFamily="82" charset="-122"/>
                 <a:ea typeface="Wawati SC" pitchFamily="82" charset="-122"/>
               </a:rPr>
-              <a:t>4</a:t>
+              <a:t>3</a:t>
             </a:r>
             <a:r>
               <a:rPr kumimoji="1" lang="zh-CN" altLang="en-US" sz="3600" b="1" dirty="0">
                 <a:latin typeface="Wawati SC" pitchFamily="82" charset="-122"/>
                 <a:ea typeface="Wawati SC" pitchFamily="82" charset="-122"/>
               </a:rPr>
-              <a:t>节：对接 </a:t>
+              <a:t>节：知识星球</a:t>
             </a:r>
             <a:r>
               <a:rPr kumimoji="1" lang="en-US" altLang="zh-CN" sz="3600" b="1" dirty="0">
                 <a:latin typeface="Wawati SC" pitchFamily="82" charset="-122"/>
                 <a:ea typeface="Wawati SC" pitchFamily="82" charset="-122"/>
               </a:rPr>
-              <a:t>ChatGPT</a:t>
+              <a:t>API</a:t>
             </a:r>
             <a:r>
               <a:rPr kumimoji="1" lang="zh-CN" altLang="en-US" sz="3600" b="1" dirty="0">
                 <a:latin typeface="Wawati SC" pitchFamily="82" charset="-122"/>
                 <a:ea typeface="Wawati SC" pitchFamily="82" charset="-122"/>
               </a:rPr>
-              <a:t> </a:t>
-            </a:r>
-            <a:r>
-              <a:rPr kumimoji="1" lang="en-US" altLang="zh-CN" sz="3600" b="1" dirty="0">
-                <a:latin typeface="Wawati SC" pitchFamily="82" charset="-122"/>
-                <a:ea typeface="Wawati SC" pitchFamily="82" charset="-122"/>
-              </a:rPr>
-              <a:t>API</a:t>
-            </a:r>
-            <a:r>
-              <a:rPr kumimoji="1" lang="zh-CN" altLang="en-US" sz="3600" b="1" dirty="0">
-                <a:latin typeface="Wawati SC" pitchFamily="82" charset="-122"/>
-                <a:ea typeface="Wawati SC" pitchFamily="82" charset="-122"/>
-              </a:rPr>
-              <a:t> 接口</a:t>
+              <a:t>调用，领域服务开发</a:t>
             </a:r>
             <a:endParaRPr kumimoji="1" lang="en-US" altLang="zh-CN" sz="3600" b="1" dirty="0">
               <a:latin typeface="Wawati SC" pitchFamily="82" charset="-122"/>
@@ -11285,7 +12009,7 @@
     </p:spTree>
     <p:extLst>
       <p:ext uri="{BB962C8B-B14F-4D97-AF65-F5344CB8AC3E}">
-        <p14:creationId xmlns:p14="http://schemas.microsoft.com/office/powerpoint/2010/main" val="2167048868"/>
+        <p14:creationId xmlns:p14="http://schemas.microsoft.com/office/powerpoint/2010/main" val="406337100"/>
       </p:ext>
     </p:extLst>
   </p:cSld>
@@ -11352,21 +12076,42 @@
                 <a:latin typeface="Wawati SC" pitchFamily="82" charset="-122"/>
                 <a:ea typeface="Wawati SC" pitchFamily="82" charset="-122"/>
               </a:rPr>
-              <a:t>5</a:t>
+              <a:t>4</a:t>
             </a:r>
             <a:r>
               <a:rPr kumimoji="1" lang="zh-CN" altLang="en-US" sz="3600" b="1" dirty="0">
                 <a:latin typeface="Wawati SC" pitchFamily="82" charset="-122"/>
                 <a:ea typeface="Wawati SC" pitchFamily="82" charset="-122"/>
               </a:rPr>
-              <a:t>节：整合知识星球与</a:t>
-            </a:r>
-            <a:r>
-              <a:rPr kumimoji="1" lang="en" altLang="zh-CN" sz="3600" b="1" dirty="0">
+              <a:t>节：对接 </a:t>
+            </a:r>
+            <a:r>
+              <a:rPr kumimoji="1" lang="en-US" altLang="zh-CN" sz="3600" b="1" dirty="0">
                 <a:latin typeface="Wawati SC" pitchFamily="82" charset="-122"/>
                 <a:ea typeface="Wawati SC" pitchFamily="82" charset="-122"/>
               </a:rPr>
               <a:t>ChatGPT</a:t>
+            </a:r>
+            <a:r>
+              <a:rPr kumimoji="1" lang="zh-CN" altLang="en-US" sz="3600" b="1" dirty="0">
+                <a:latin typeface="Wawati SC" pitchFamily="82" charset="-122"/>
+                <a:ea typeface="Wawati SC" pitchFamily="82" charset="-122"/>
+              </a:rPr>
+              <a:t> </a:t>
+            </a:r>
+            <a:r>
+              <a:rPr kumimoji="1" lang="en-US" altLang="zh-CN" sz="3600" b="1" dirty="0">
+                <a:latin typeface="Wawati SC" pitchFamily="82" charset="-122"/>
+                <a:ea typeface="Wawati SC" pitchFamily="82" charset="-122"/>
+              </a:rPr>
+              <a:t>API</a:t>
+            </a:r>
+            <a:r>
+              <a:rPr kumimoji="1" lang="zh-CN" altLang="en-US" sz="3600" b="1" dirty="0">
+                <a:latin typeface="Wawati SC" pitchFamily="82" charset="-122"/>
+                <a:ea typeface="Wawati SC" pitchFamily="82" charset="-122"/>
+              </a:rPr>
+              <a:t> 接口</a:t>
             </a:r>
             <a:endParaRPr kumimoji="1" lang="en-US" altLang="zh-CN" sz="3600" b="1" dirty="0">
               <a:latin typeface="Wawati SC" pitchFamily="82" charset="-122"/>
@@ -11378,7 +12123,7 @@
     </p:spTree>
     <p:extLst>
       <p:ext uri="{BB962C8B-B14F-4D97-AF65-F5344CB8AC3E}">
-        <p14:creationId xmlns:p14="http://schemas.microsoft.com/office/powerpoint/2010/main" val="3961166238"/>
+        <p14:creationId xmlns:p14="http://schemas.microsoft.com/office/powerpoint/2010/main" val="2167048868"/>
       </p:ext>
     </p:extLst>
   </p:cSld>
